--- a/Slides/Design Patterns.pptx
+++ b/Slides/Design Patterns.pptx
@@ -6,31 +6,38 @@
   </p:sldMasterIdLst>
   <p:sldIdLst>
     <p:sldId id="256" r:id="rId2"/>
-    <p:sldId id="257" r:id="rId3"/>
-    <p:sldId id="258" r:id="rId4"/>
-    <p:sldId id="259" r:id="rId5"/>
-    <p:sldId id="260" r:id="rId6"/>
-    <p:sldId id="261" r:id="rId7"/>
-    <p:sldId id="262" r:id="rId8"/>
-    <p:sldId id="263" r:id="rId9"/>
-    <p:sldId id="264" r:id="rId10"/>
-    <p:sldId id="265" r:id="rId11"/>
-    <p:sldId id="266" r:id="rId12"/>
-    <p:sldId id="267" r:id="rId13"/>
-    <p:sldId id="268" r:id="rId14"/>
-    <p:sldId id="269" r:id="rId15"/>
-    <p:sldId id="270" r:id="rId16"/>
-    <p:sldId id="271" r:id="rId17"/>
-    <p:sldId id="272" r:id="rId18"/>
-    <p:sldId id="273" r:id="rId19"/>
-    <p:sldId id="274" r:id="rId20"/>
-    <p:sldId id="275" r:id="rId21"/>
-    <p:sldId id="276" r:id="rId22"/>
-    <p:sldId id="277" r:id="rId23"/>
-    <p:sldId id="278" r:id="rId24"/>
-    <p:sldId id="279" r:id="rId25"/>
-    <p:sldId id="280" r:id="rId26"/>
-    <p:sldId id="281" r:id="rId27"/>
+    <p:sldId id="287" r:id="rId3"/>
+    <p:sldId id="265" r:id="rId4"/>
+    <p:sldId id="266" r:id="rId5"/>
+    <p:sldId id="267" r:id="rId6"/>
+    <p:sldId id="268" r:id="rId7"/>
+    <p:sldId id="269" r:id="rId8"/>
+    <p:sldId id="270" r:id="rId9"/>
+    <p:sldId id="271" r:id="rId10"/>
+    <p:sldId id="273" r:id="rId11"/>
+    <p:sldId id="274" r:id="rId12"/>
+    <p:sldId id="275" r:id="rId13"/>
+    <p:sldId id="276" r:id="rId14"/>
+    <p:sldId id="277" r:id="rId15"/>
+    <p:sldId id="278" r:id="rId16"/>
+    <p:sldId id="279" r:id="rId17"/>
+    <p:sldId id="280" r:id="rId18"/>
+    <p:sldId id="257" r:id="rId19"/>
+    <p:sldId id="258" r:id="rId20"/>
+    <p:sldId id="288" r:id="rId21"/>
+    <p:sldId id="264" r:id="rId22"/>
+    <p:sldId id="289" r:id="rId23"/>
+    <p:sldId id="259" r:id="rId24"/>
+    <p:sldId id="260" r:id="rId25"/>
+    <p:sldId id="262" r:id="rId26"/>
+    <p:sldId id="263" r:id="rId27"/>
+    <p:sldId id="261" r:id="rId28"/>
+    <p:sldId id="281" r:id="rId29"/>
+    <p:sldId id="282" r:id="rId30"/>
+    <p:sldId id="283" r:id="rId31"/>
+    <p:sldId id="284" r:id="rId32"/>
+    <p:sldId id="285" r:id="rId33"/>
+    <p:sldId id="286" r:id="rId34"/>
   </p:sldIdLst>
   <p:sldSz cx="12192000" cy="6858000"/>
   <p:notesSz cx="6858000" cy="9144000"/>
@@ -232,7 +239,7 @@
           <a:effectLst/>
           <a:extLst>
             <a:ext uri="{91240B29-F687-4f45-9708-019B960494DF}">
-              <a14:hiddenLine xmlns:a14="http://schemas.microsoft.com/office/drawing/2010/main" xmlns="" w="9525">
+              <a14:hiddenLine xmlns="" xmlns:a14="http://schemas.microsoft.com/office/drawing/2010/main" w="9525">
                 <a:solidFill>
                   <a:srgbClr val="000000"/>
                 </a:solidFill>
@@ -283,7 +290,7 @@
           </a:lstStyle>
           <a:p>
             <a:r>
-              <a:rPr lang="en-US" smtClean="0"/>
+              <a:rPr lang="en-US"/>
               <a:t>Click to edit Master title style</a:t>
             </a:r>
             <a:endParaRPr lang="en-US" dirty="0"/>
@@ -400,7 +407,7 @@
           </a:lstStyle>
           <a:p>
             <a:r>
-              <a:rPr lang="en-US" smtClean="0"/>
+              <a:rPr lang="en-US"/>
               <a:t>Click to edit Master subtitle style</a:t>
             </a:r>
             <a:endParaRPr lang="en-US" dirty="0"/>
@@ -424,7 +431,7 @@
           <a:p>
             <a:fld id="{D8560534-2964-4E49-A7A2-DB3B48210E7A}" type="datetimeFigureOut">
               <a:rPr lang="en-US" smtClean="0"/>
-              <a:t>03-Jun-20</a:t>
+              <a:t>31-Oct-21</a:t>
             </a:fld>
             <a:endParaRPr lang="en-US"/>
           </a:p>
@@ -529,7 +536,7 @@
           </a:lstStyle>
           <a:p>
             <a:r>
-              <a:rPr lang="en-US" smtClean="0"/>
+              <a:rPr lang="en-US"/>
               <a:t>Click to edit Master title style</a:t>
             </a:r>
             <a:endParaRPr lang="en-US" dirty="0"/>
@@ -651,7 +658,7 @@
           </a:lstStyle>
           <a:p>
             <a:r>
-              <a:rPr lang="en-US" smtClean="0"/>
+              <a:rPr lang="en-US"/>
               <a:t>Click icon to add picture</a:t>
             </a:r>
             <a:endParaRPr lang="en-US" dirty="0"/>
@@ -719,7 +726,7 @@
           <a:p>
             <a:pPr lvl="0"/>
             <a:r>
-              <a:rPr lang="en-US" smtClean="0"/>
+              <a:rPr lang="en-US"/>
               <a:t>Edit Master text styles</a:t>
             </a:r>
           </a:p>
@@ -742,7 +749,7 @@
           <a:p>
             <a:fld id="{D8560534-2964-4E49-A7A2-DB3B48210E7A}" type="datetimeFigureOut">
               <a:rPr lang="en-US" smtClean="0"/>
-              <a:t>03-Jun-20</a:t>
+              <a:t>31-Oct-21</a:t>
             </a:fld>
             <a:endParaRPr lang="en-US"/>
           </a:p>
@@ -1053,7 +1060,7 @@
           </a:lstStyle>
           <a:p>
             <a:r>
-              <a:rPr lang="en-US" smtClean="0"/>
+              <a:rPr lang="en-US"/>
               <a:t>Click to edit Master title style</a:t>
             </a:r>
             <a:endParaRPr lang="en-US" dirty="0"/>
@@ -1173,7 +1180,7 @@
           <a:p>
             <a:pPr lvl="0"/>
             <a:r>
-              <a:rPr lang="en-US" smtClean="0"/>
+              <a:rPr lang="en-US"/>
               <a:t>Edit Master text styles</a:t>
             </a:r>
           </a:p>
@@ -1207,7 +1214,7 @@
           <a:p>
             <a:pPr lvl="0"/>
             <a:r>
-              <a:rPr lang="en-US" smtClean="0"/>
+              <a:rPr lang="en-US"/>
               <a:t>Edit Master text styles</a:t>
             </a:r>
           </a:p>
@@ -1230,7 +1237,7 @@
           <a:p>
             <a:fld id="{D8560534-2964-4E49-A7A2-DB3B48210E7A}" type="datetimeFigureOut">
               <a:rPr lang="en-US" smtClean="0"/>
-              <a:t>03-Jun-20</a:t>
+              <a:t>31-Oct-21</a:t>
             </a:fld>
             <a:endParaRPr lang="en-US"/>
           </a:p>
@@ -1541,7 +1548,7 @@
           </a:lstStyle>
           <a:p>
             <a:r>
-              <a:rPr lang="en-US" smtClean="0"/>
+              <a:rPr lang="en-US"/>
               <a:t>Click to edit Master title style</a:t>
             </a:r>
             <a:endParaRPr lang="en-US" dirty="0"/>
@@ -1576,7 +1583,7 @@
           <a:p>
             <a:pPr lvl="0"/>
             <a:r>
-              <a:rPr lang="en-US" smtClean="0"/>
+              <a:rPr lang="en-US"/>
               <a:t>Edit Master text styles</a:t>
             </a:r>
           </a:p>
@@ -1599,7 +1606,7 @@
           <a:p>
             <a:fld id="{D8560534-2964-4E49-A7A2-DB3B48210E7A}" type="datetimeFigureOut">
               <a:rPr lang="en-US" smtClean="0"/>
-              <a:t>03-Jun-20</a:t>
+              <a:t>31-Oct-21</a:t>
             </a:fld>
             <a:endParaRPr lang="en-US"/>
           </a:p>
@@ -1754,7 +1761,7 @@
           <a:ln/>
           <a:extLst>
             <a:ext uri="{91240B29-F687-4f45-9708-019B960494DF}">
-              <a14:hiddenLine xmlns:a14="http://schemas.microsoft.com/office/drawing/2010/main" xmlns="" w="9525">
+              <a14:hiddenLine xmlns="" xmlns:a14="http://schemas.microsoft.com/office/drawing/2010/main" w="9525">
                 <a:solidFill>
                   <a:srgbClr val="000000"/>
                 </a:solidFill>
@@ -1796,7 +1803,7 @@
           <a:lstStyle/>
           <a:p>
             <a:r>
-              <a:rPr lang="en-US" smtClean="0"/>
+              <a:rPr lang="en-US"/>
               <a:t>Click to edit Master title style</a:t>
             </a:r>
             <a:endParaRPr lang="en-US" dirty="0"/>
@@ -1820,35 +1827,35 @@
           <a:p>
             <a:pPr lvl="0"/>
             <a:r>
-              <a:rPr lang="en-US" smtClean="0"/>
+              <a:rPr lang="en-US"/>
               <a:t>Edit Master text styles</a:t>
             </a:r>
           </a:p>
           <a:p>
             <a:pPr lvl="1"/>
             <a:r>
-              <a:rPr lang="en-US" smtClean="0"/>
+              <a:rPr lang="en-US"/>
               <a:t>Second level</a:t>
             </a:r>
           </a:p>
           <a:p>
             <a:pPr lvl="2"/>
             <a:r>
-              <a:rPr lang="en-US" smtClean="0"/>
+              <a:rPr lang="en-US"/>
               <a:t>Third level</a:t>
             </a:r>
           </a:p>
           <a:p>
             <a:pPr lvl="3"/>
             <a:r>
-              <a:rPr lang="en-US" smtClean="0"/>
+              <a:rPr lang="en-US"/>
               <a:t>Fourth level</a:t>
             </a:r>
           </a:p>
           <a:p>
             <a:pPr lvl="4"/>
             <a:r>
-              <a:rPr lang="en-US" smtClean="0"/>
+              <a:rPr lang="en-US"/>
               <a:t>Fifth level</a:t>
             </a:r>
             <a:endParaRPr lang="en-US" dirty="0"/>
@@ -1872,7 +1879,7 @@
           <a:p>
             <a:fld id="{D8560534-2964-4E49-A7A2-DB3B48210E7A}" type="datetimeFigureOut">
               <a:rPr lang="en-US" smtClean="0"/>
-              <a:t>03-Jun-20</a:t>
+              <a:t>31-Oct-21</a:t>
             </a:fld>
             <a:endParaRPr lang="en-US"/>
           </a:p>
@@ -2029,7 +2036,7 @@
           <a:ln/>
           <a:extLst>
             <a:ext uri="{91240B29-F687-4f45-9708-019B960494DF}">
-              <a14:hiddenLine xmlns:a14="http://schemas.microsoft.com/office/drawing/2010/main" xmlns="" w="9525">
+              <a14:hiddenLine xmlns="" xmlns:a14="http://schemas.microsoft.com/office/drawing/2010/main" w="9525">
                 <a:solidFill>
                   <a:srgbClr val="000000"/>
                 </a:solidFill>
@@ -2076,7 +2083,7 @@
           <a:lstStyle/>
           <a:p>
             <a:r>
-              <a:rPr lang="en-US" smtClean="0"/>
+              <a:rPr lang="en-US"/>
               <a:t>Click to edit Master title style</a:t>
             </a:r>
             <a:endParaRPr lang="en-US" dirty="0"/>
@@ -2105,35 +2112,35 @@
           <a:p>
             <a:pPr lvl="0"/>
             <a:r>
-              <a:rPr lang="en-US" smtClean="0"/>
+              <a:rPr lang="en-US"/>
               <a:t>Edit Master text styles</a:t>
             </a:r>
           </a:p>
           <a:p>
             <a:pPr lvl="1"/>
             <a:r>
-              <a:rPr lang="en-US" smtClean="0"/>
+              <a:rPr lang="en-US"/>
               <a:t>Second level</a:t>
             </a:r>
           </a:p>
           <a:p>
             <a:pPr lvl="2"/>
             <a:r>
-              <a:rPr lang="en-US" smtClean="0"/>
+              <a:rPr lang="en-US"/>
               <a:t>Third level</a:t>
             </a:r>
           </a:p>
           <a:p>
             <a:pPr lvl="3"/>
             <a:r>
-              <a:rPr lang="en-US" smtClean="0"/>
+              <a:rPr lang="en-US"/>
               <a:t>Fourth level</a:t>
             </a:r>
           </a:p>
           <a:p>
             <a:pPr lvl="4"/>
             <a:r>
-              <a:rPr lang="en-US" smtClean="0"/>
+              <a:rPr lang="en-US"/>
               <a:t>Fifth level</a:t>
             </a:r>
             <a:endParaRPr lang="en-US" dirty="0"/>
@@ -2157,7 +2164,7 @@
           <a:p>
             <a:fld id="{D8560534-2964-4E49-A7A2-DB3B48210E7A}" type="datetimeFigureOut">
               <a:rPr lang="en-US" smtClean="0"/>
-              <a:t>03-Jun-20</a:t>
+              <a:t>31-Oct-21</a:t>
             </a:fld>
             <a:endParaRPr lang="en-US"/>
           </a:p>
@@ -2312,7 +2319,7 @@
           <a:ln/>
           <a:extLst>
             <a:ext uri="{91240B29-F687-4f45-9708-019B960494DF}">
-              <a14:hiddenLine xmlns:a14="http://schemas.microsoft.com/office/drawing/2010/main" xmlns="" w="9525">
+              <a14:hiddenLine xmlns="" xmlns:a14="http://schemas.microsoft.com/office/drawing/2010/main" w="9525">
                 <a:solidFill>
                   <a:srgbClr val="000000"/>
                 </a:solidFill>
@@ -2359,7 +2366,7 @@
           <a:lstStyle/>
           <a:p>
             <a:r>
-              <a:rPr lang="en-US" smtClean="0"/>
+              <a:rPr lang="en-US"/>
               <a:t>Click to edit Master title style</a:t>
             </a:r>
             <a:endParaRPr lang="en-US" dirty="0"/>
@@ -2388,35 +2395,35 @@
           <a:p>
             <a:pPr lvl="0"/>
             <a:r>
-              <a:rPr lang="en-US" smtClean="0"/>
+              <a:rPr lang="en-US"/>
               <a:t>Edit Master text styles</a:t>
             </a:r>
           </a:p>
           <a:p>
             <a:pPr lvl="1"/>
             <a:r>
-              <a:rPr lang="en-US" smtClean="0"/>
+              <a:rPr lang="en-US"/>
               <a:t>Second level</a:t>
             </a:r>
           </a:p>
           <a:p>
             <a:pPr lvl="2"/>
             <a:r>
-              <a:rPr lang="en-US" smtClean="0"/>
+              <a:rPr lang="en-US"/>
               <a:t>Third level</a:t>
             </a:r>
           </a:p>
           <a:p>
             <a:pPr lvl="3"/>
             <a:r>
-              <a:rPr lang="en-US" smtClean="0"/>
+              <a:rPr lang="en-US"/>
               <a:t>Fourth level</a:t>
             </a:r>
           </a:p>
           <a:p>
             <a:pPr lvl="4"/>
             <a:r>
-              <a:rPr lang="en-US" smtClean="0"/>
+              <a:rPr lang="en-US"/>
               <a:t>Fifth level</a:t>
             </a:r>
             <a:endParaRPr lang="en-US" dirty="0"/>
@@ -2440,7 +2447,7 @@
           <a:p>
             <a:fld id="{D8560534-2964-4E49-A7A2-DB3B48210E7A}" type="datetimeFigureOut">
               <a:rPr lang="en-US" smtClean="0"/>
-              <a:t>03-Jun-20</a:t>
+              <a:t>31-Oct-21</a:t>
             </a:fld>
             <a:endParaRPr lang="en-US"/>
           </a:p>
@@ -2640,7 +2647,7 @@
           </a:lstStyle>
           <a:p>
             <a:r>
-              <a:rPr lang="en-US" smtClean="0"/>
+              <a:rPr lang="en-US"/>
               <a:t>Click to edit Master title style</a:t>
             </a:r>
             <a:endParaRPr lang="en-US" dirty="0"/>
@@ -2760,7 +2767,7 @@
           <a:p>
             <a:pPr lvl="0"/>
             <a:r>
-              <a:rPr lang="en-US" smtClean="0"/>
+              <a:rPr lang="en-US"/>
               <a:t>Edit Master text styles</a:t>
             </a:r>
           </a:p>
@@ -2783,7 +2790,7 @@
           <a:p>
             <a:fld id="{D8560534-2964-4E49-A7A2-DB3B48210E7A}" type="datetimeFigureOut">
               <a:rPr lang="en-US" smtClean="0"/>
-              <a:t>03-Jun-20</a:t>
+              <a:t>31-Oct-21</a:t>
             </a:fld>
             <a:endParaRPr lang="en-US"/>
           </a:p>
@@ -2938,7 +2945,7 @@
           <a:ln/>
           <a:extLst>
             <a:ext uri="{91240B29-F687-4f45-9708-019B960494DF}">
-              <a14:hiddenLine xmlns:a14="http://schemas.microsoft.com/office/drawing/2010/main" xmlns="" w="9525">
+              <a14:hiddenLine xmlns="" xmlns:a14="http://schemas.microsoft.com/office/drawing/2010/main" w="9525">
                 <a:solidFill>
                   <a:srgbClr val="000000"/>
                 </a:solidFill>
@@ -2980,7 +2987,7 @@
           <a:lstStyle/>
           <a:p>
             <a:r>
-              <a:rPr lang="en-US" smtClean="0"/>
+              <a:rPr lang="en-US"/>
               <a:t>Click to edit Master title style</a:t>
             </a:r>
             <a:endParaRPr lang="en-US" dirty="0"/>
@@ -3011,35 +3018,35 @@
           <a:p>
             <a:pPr lvl="0"/>
             <a:r>
-              <a:rPr lang="en-US" smtClean="0"/>
+              <a:rPr lang="en-US"/>
               <a:t>Edit Master text styles</a:t>
             </a:r>
           </a:p>
           <a:p>
             <a:pPr lvl="1"/>
             <a:r>
-              <a:rPr lang="en-US" smtClean="0"/>
+              <a:rPr lang="en-US"/>
               <a:t>Second level</a:t>
             </a:r>
           </a:p>
           <a:p>
             <a:pPr lvl="2"/>
             <a:r>
-              <a:rPr lang="en-US" smtClean="0"/>
+              <a:rPr lang="en-US"/>
               <a:t>Third level</a:t>
             </a:r>
           </a:p>
           <a:p>
             <a:pPr lvl="3"/>
             <a:r>
-              <a:rPr lang="en-US" smtClean="0"/>
+              <a:rPr lang="en-US"/>
               <a:t>Fourth level</a:t>
             </a:r>
           </a:p>
           <a:p>
             <a:pPr lvl="4"/>
             <a:r>
-              <a:rPr lang="en-US" smtClean="0"/>
+              <a:rPr lang="en-US"/>
               <a:t>Fifth level</a:t>
             </a:r>
             <a:endParaRPr lang="en-US" dirty="0"/>
@@ -3070,35 +3077,35 @@
           <a:p>
             <a:pPr lvl="0"/>
             <a:r>
-              <a:rPr lang="en-US" smtClean="0"/>
+              <a:rPr lang="en-US"/>
               <a:t>Edit Master text styles</a:t>
             </a:r>
           </a:p>
           <a:p>
             <a:pPr lvl="1"/>
             <a:r>
-              <a:rPr lang="en-US" smtClean="0"/>
+              <a:rPr lang="en-US"/>
               <a:t>Second level</a:t>
             </a:r>
           </a:p>
           <a:p>
             <a:pPr lvl="2"/>
             <a:r>
-              <a:rPr lang="en-US" smtClean="0"/>
+              <a:rPr lang="en-US"/>
               <a:t>Third level</a:t>
             </a:r>
           </a:p>
           <a:p>
             <a:pPr lvl="3"/>
             <a:r>
-              <a:rPr lang="en-US" smtClean="0"/>
+              <a:rPr lang="en-US"/>
               <a:t>Fourth level</a:t>
             </a:r>
           </a:p>
           <a:p>
             <a:pPr lvl="4"/>
             <a:r>
-              <a:rPr lang="en-US" smtClean="0"/>
+              <a:rPr lang="en-US"/>
               <a:t>Fifth level</a:t>
             </a:r>
             <a:endParaRPr lang="en-US" dirty="0"/>
@@ -3122,7 +3129,7 @@
           <a:p>
             <a:fld id="{D8560534-2964-4E49-A7A2-DB3B48210E7A}" type="datetimeFigureOut">
               <a:rPr lang="en-US" smtClean="0"/>
-              <a:t>03-Jun-20</a:t>
+              <a:t>31-Oct-21</a:t>
             </a:fld>
             <a:endParaRPr lang="en-US"/>
           </a:p>
@@ -3277,7 +3284,7 @@
           <a:ln/>
           <a:extLst>
             <a:ext uri="{91240B29-F687-4f45-9708-019B960494DF}">
-              <a14:hiddenLine xmlns:a14="http://schemas.microsoft.com/office/drawing/2010/main" xmlns="" w="9525">
+              <a14:hiddenLine xmlns="" xmlns:a14="http://schemas.microsoft.com/office/drawing/2010/main" w="9525">
                 <a:solidFill>
                   <a:srgbClr val="000000"/>
                 </a:solidFill>
@@ -3323,7 +3330,7 @@
           </a:lstStyle>
           <a:p>
             <a:r>
-              <a:rPr lang="en-US" smtClean="0"/>
+              <a:rPr lang="en-US"/>
               <a:t>Click to edit Master title style</a:t>
             </a:r>
             <a:endParaRPr lang="en-US" dirty="0"/>
@@ -3391,7 +3398,7 @@
           <a:p>
             <a:pPr lvl="0"/>
             <a:r>
-              <a:rPr lang="en-US" smtClean="0"/>
+              <a:rPr lang="en-US"/>
               <a:t>Edit Master text styles</a:t>
             </a:r>
           </a:p>
@@ -3421,35 +3428,35 @@
           <a:p>
             <a:pPr lvl="0"/>
             <a:r>
-              <a:rPr lang="en-US" smtClean="0"/>
+              <a:rPr lang="en-US"/>
               <a:t>Edit Master text styles</a:t>
             </a:r>
           </a:p>
           <a:p>
             <a:pPr lvl="1"/>
             <a:r>
-              <a:rPr lang="en-US" smtClean="0"/>
+              <a:rPr lang="en-US"/>
               <a:t>Second level</a:t>
             </a:r>
           </a:p>
           <a:p>
             <a:pPr lvl="2"/>
             <a:r>
-              <a:rPr lang="en-US" smtClean="0"/>
+              <a:rPr lang="en-US"/>
               <a:t>Third level</a:t>
             </a:r>
           </a:p>
           <a:p>
             <a:pPr lvl="3"/>
             <a:r>
-              <a:rPr lang="en-US" smtClean="0"/>
+              <a:rPr lang="en-US"/>
               <a:t>Fourth level</a:t>
             </a:r>
           </a:p>
           <a:p>
             <a:pPr lvl="4"/>
             <a:r>
-              <a:rPr lang="en-US" smtClean="0"/>
+              <a:rPr lang="en-US"/>
               <a:t>Fifth level</a:t>
             </a:r>
             <a:endParaRPr lang="en-US" dirty="0"/>
@@ -3517,7 +3524,7 @@
           <a:p>
             <a:pPr lvl="0"/>
             <a:r>
-              <a:rPr lang="en-US" smtClean="0"/>
+              <a:rPr lang="en-US"/>
               <a:t>Edit Master text styles</a:t>
             </a:r>
           </a:p>
@@ -3547,35 +3554,35 @@
           <a:p>
             <a:pPr lvl="0"/>
             <a:r>
-              <a:rPr lang="en-US" smtClean="0"/>
+              <a:rPr lang="en-US"/>
               <a:t>Edit Master text styles</a:t>
             </a:r>
           </a:p>
           <a:p>
             <a:pPr lvl="1"/>
             <a:r>
-              <a:rPr lang="en-US" smtClean="0"/>
+              <a:rPr lang="en-US"/>
               <a:t>Second level</a:t>
             </a:r>
           </a:p>
           <a:p>
             <a:pPr lvl="2"/>
             <a:r>
-              <a:rPr lang="en-US" smtClean="0"/>
+              <a:rPr lang="en-US"/>
               <a:t>Third level</a:t>
             </a:r>
           </a:p>
           <a:p>
             <a:pPr lvl="3"/>
             <a:r>
-              <a:rPr lang="en-US" smtClean="0"/>
+              <a:rPr lang="en-US"/>
               <a:t>Fourth level</a:t>
             </a:r>
           </a:p>
           <a:p>
             <a:pPr lvl="4"/>
             <a:r>
-              <a:rPr lang="en-US" smtClean="0"/>
+              <a:rPr lang="en-US"/>
               <a:t>Fifth level</a:t>
             </a:r>
             <a:endParaRPr lang="en-US" dirty="0"/>
@@ -3599,7 +3606,7 @@
           <a:p>
             <a:fld id="{D8560534-2964-4E49-A7A2-DB3B48210E7A}" type="datetimeFigureOut">
               <a:rPr lang="en-US" smtClean="0"/>
-              <a:t>03-Jun-20</a:t>
+              <a:t>31-Oct-21</a:t>
             </a:fld>
             <a:endParaRPr lang="en-US"/>
           </a:p>
@@ -3754,7 +3761,7 @@
           <a:ln/>
           <a:extLst>
             <a:ext uri="{91240B29-F687-4f45-9708-019B960494DF}">
-              <a14:hiddenLine xmlns:a14="http://schemas.microsoft.com/office/drawing/2010/main" xmlns="" w="9525">
+              <a14:hiddenLine xmlns="" xmlns:a14="http://schemas.microsoft.com/office/drawing/2010/main" w="9525">
                 <a:solidFill>
                   <a:srgbClr val="000000"/>
                 </a:solidFill>
@@ -3796,7 +3803,7 @@
           <a:lstStyle/>
           <a:p>
             <a:r>
-              <a:rPr lang="en-US" smtClean="0"/>
+              <a:rPr lang="en-US"/>
               <a:t>Click to edit Master title style</a:t>
             </a:r>
             <a:endParaRPr lang="en-US" dirty="0"/>
@@ -3820,7 +3827,7 @@
           <a:p>
             <a:fld id="{D8560534-2964-4E49-A7A2-DB3B48210E7A}" type="datetimeFigureOut">
               <a:rPr lang="en-US" smtClean="0"/>
-              <a:t>03-Jun-20</a:t>
+              <a:t>31-Oct-21</a:t>
             </a:fld>
             <a:endParaRPr lang="en-US"/>
           </a:p>
@@ -3915,7 +3922,7 @@
           <a:p>
             <a:fld id="{D8560534-2964-4E49-A7A2-DB3B48210E7A}" type="datetimeFigureOut">
               <a:rPr lang="en-US" smtClean="0"/>
-              <a:t>03-Jun-20</a:t>
+              <a:t>31-Oct-21</a:t>
             </a:fld>
             <a:endParaRPr lang="en-US"/>
           </a:p>
@@ -4183,7 +4190,7 @@
           <a:ln/>
           <a:extLst>
             <a:ext uri="{91240B29-F687-4f45-9708-019B960494DF}">
-              <a14:hiddenLine xmlns:a14="http://schemas.microsoft.com/office/drawing/2010/main" xmlns="" w="9525">
+              <a14:hiddenLine xmlns="" xmlns:a14="http://schemas.microsoft.com/office/drawing/2010/main" w="9525">
                 <a:solidFill>
                   <a:srgbClr val="000000"/>
                 </a:solidFill>
@@ -4234,7 +4241,7 @@
           </a:lstStyle>
           <a:p>
             <a:r>
-              <a:rPr lang="en-US" smtClean="0"/>
+              <a:rPr lang="en-US"/>
               <a:t>Click to edit Master title style</a:t>
             </a:r>
             <a:endParaRPr lang="en-US" dirty="0"/>
@@ -4265,35 +4272,35 @@
           <a:p>
             <a:pPr lvl="0"/>
             <a:r>
-              <a:rPr lang="en-US" smtClean="0"/>
+              <a:rPr lang="en-US"/>
               <a:t>Edit Master text styles</a:t>
             </a:r>
           </a:p>
           <a:p>
             <a:pPr lvl="1"/>
             <a:r>
-              <a:rPr lang="en-US" smtClean="0"/>
+              <a:rPr lang="en-US"/>
               <a:t>Second level</a:t>
             </a:r>
           </a:p>
           <a:p>
             <a:pPr lvl="2"/>
             <a:r>
-              <a:rPr lang="en-US" smtClean="0"/>
+              <a:rPr lang="en-US"/>
               <a:t>Third level</a:t>
             </a:r>
           </a:p>
           <a:p>
             <a:pPr lvl="3"/>
             <a:r>
-              <a:rPr lang="en-US" smtClean="0"/>
+              <a:rPr lang="en-US"/>
               <a:t>Fourth level</a:t>
             </a:r>
           </a:p>
           <a:p>
             <a:pPr lvl="4"/>
             <a:r>
-              <a:rPr lang="en-US" smtClean="0"/>
+              <a:rPr lang="en-US"/>
               <a:t>Fifth level</a:t>
             </a:r>
             <a:endParaRPr lang="en-US" dirty="0"/>
@@ -4359,7 +4366,7 @@
           <a:p>
             <a:pPr lvl="0"/>
             <a:r>
-              <a:rPr lang="en-US" smtClean="0"/>
+              <a:rPr lang="en-US"/>
               <a:t>Edit Master text styles</a:t>
             </a:r>
           </a:p>
@@ -4382,7 +4389,7 @@
           <a:p>
             <a:fld id="{D8560534-2964-4E49-A7A2-DB3B48210E7A}" type="datetimeFigureOut">
               <a:rPr lang="en-US" smtClean="0"/>
-              <a:t>03-Jun-20</a:t>
+              <a:t>31-Oct-21</a:t>
             </a:fld>
             <a:endParaRPr lang="en-US"/>
           </a:p>
@@ -4487,7 +4494,7 @@
           </a:lstStyle>
           <a:p>
             <a:r>
-              <a:rPr lang="en-US" smtClean="0"/>
+              <a:rPr lang="en-US"/>
               <a:t>Click to edit Master title style</a:t>
             </a:r>
             <a:endParaRPr lang="en-US" dirty="0"/>
@@ -4599,7 +4606,7 @@
           </a:lstStyle>
           <a:p>
             <a:r>
-              <a:rPr lang="en-US" smtClean="0"/>
+              <a:rPr lang="en-US"/>
               <a:t>Click icon to add picture</a:t>
             </a:r>
             <a:endParaRPr lang="en-US" dirty="0"/>
@@ -4667,7 +4674,7 @@
           <a:p>
             <a:pPr lvl="0"/>
             <a:r>
-              <a:rPr lang="en-US" smtClean="0"/>
+              <a:rPr lang="en-US"/>
               <a:t>Edit Master text styles</a:t>
             </a:r>
           </a:p>
@@ -4695,7 +4702,7 @@
           <a:p>
             <a:fld id="{D8560534-2964-4E49-A7A2-DB3B48210E7A}" type="datetimeFigureOut">
               <a:rPr lang="en-US" smtClean="0"/>
-              <a:t>03-Jun-20</a:t>
+              <a:t>31-Oct-21</a:t>
             </a:fld>
             <a:endParaRPr lang="en-US"/>
           </a:p>
@@ -4821,7 +4828,7 @@
           <a:lstStyle/>
           <a:p>
             <a:r>
-              <a:rPr lang="en-US" smtClean="0"/>
+              <a:rPr lang="en-US"/>
               <a:t>Click to edit Master title style</a:t>
             </a:r>
             <a:endParaRPr lang="en-US" dirty="0"/>
@@ -4862,35 +4869,35 @@
           <a:p>
             <a:pPr lvl="0"/>
             <a:r>
-              <a:rPr lang="en-US" smtClean="0"/>
+              <a:rPr lang="en-US"/>
               <a:t>Edit Master text styles</a:t>
             </a:r>
           </a:p>
           <a:p>
             <a:pPr lvl="1"/>
             <a:r>
-              <a:rPr lang="en-US" smtClean="0"/>
+              <a:rPr lang="en-US"/>
               <a:t>Second level</a:t>
             </a:r>
           </a:p>
           <a:p>
             <a:pPr lvl="2"/>
             <a:r>
-              <a:rPr lang="en-US" smtClean="0"/>
+              <a:rPr lang="en-US"/>
               <a:t>Third level</a:t>
             </a:r>
           </a:p>
           <a:p>
             <a:pPr lvl="3"/>
             <a:r>
-              <a:rPr lang="en-US" smtClean="0"/>
+              <a:rPr lang="en-US"/>
               <a:t>Fourth level</a:t>
             </a:r>
           </a:p>
           <a:p>
             <a:pPr lvl="4"/>
             <a:r>
-              <a:rPr lang="en-US" smtClean="0"/>
+              <a:rPr lang="en-US"/>
               <a:t>Fifth level</a:t>
             </a:r>
             <a:endParaRPr lang="en-US" dirty="0"/>
@@ -4965,7 +4972,7 @@
           <a:p>
             <a:fld id="{D8560534-2964-4E49-A7A2-DB3B48210E7A}" type="datetimeFigureOut">
               <a:rPr lang="en-US" smtClean="0"/>
-              <a:t>03-Jun-20</a:t>
+              <a:t>31-Oct-21</a:t>
             </a:fld>
             <a:endParaRPr lang="en-US"/>
           </a:p>
@@ -5430,10 +5437,9 @@
           <a:lstStyle/>
           <a:p>
             <a:r>
-              <a:rPr lang="en-US" dirty="0" smtClean="0"/>
+              <a:rPr lang="en-US" dirty="0"/>
               <a:t>Design Patterns</a:t>
             </a:r>
-            <a:endParaRPr lang="en-US" dirty="0"/>
           </a:p>
         </p:txBody>
       </p:sp>
@@ -5453,10 +5459,9 @@
           <a:lstStyle/>
           <a:p>
             <a:r>
-              <a:rPr lang="en-US" smtClean="0"/>
-              <a:t>Part 01</a:t>
-            </a:r>
-            <a:endParaRPr lang="en-US"/>
+              <a:rPr lang="en-US" dirty="0"/>
+              <a:t>This lecture is included in your hourly</a:t>
+            </a:r>
           </a:p>
         </p:txBody>
       </p:sp>
@@ -5506,10 +5511,9 @@
           <a:lstStyle/>
           <a:p>
             <a:r>
-              <a:rPr lang="en-US" dirty="0" smtClean="0"/>
-              <a:t>What are Design patterns?</a:t>
-            </a:r>
-            <a:endParaRPr lang="en-US" dirty="0"/>
+              <a:rPr lang="en-US" dirty="0"/>
+              <a:t>Types of Design Patterns</a:t>
+            </a:r>
           </a:p>
         </p:txBody>
       </p:sp>
@@ -5530,86 +5534,27 @@
           <a:p>
             <a:r>
               <a:rPr lang="en-US" dirty="0"/>
-              <a:t>Design patterns are generalized solutions to generalized problems that occur with some modicum of frequency when you're creating software using the object oriented programming paradigm</a:t>
-            </a:r>
-            <a:r>
-              <a:rPr lang="en-US" dirty="0" smtClean="0"/>
-              <a:t>.</a:t>
-            </a:r>
-            <a:br>
-              <a:rPr lang="en-US" dirty="0" smtClean="0"/>
-            </a:br>
-            <a:r>
-              <a:rPr lang="en-US" dirty="0" smtClean="0"/>
-              <a:t/>
-            </a:r>
-            <a:br>
-              <a:rPr lang="en-US" dirty="0" smtClean="0"/>
-            </a:br>
-            <a:r>
-              <a:rPr lang="en-US" dirty="0"/>
-              <a:t>*reference: </a:t>
-            </a:r>
-            <a:r>
-              <a:rPr lang="en-US" dirty="0">
-                <a:solidFill>
-                  <a:srgbClr val="FF0000"/>
-                </a:solidFill>
-              </a:rPr>
-              <a:t>Design Patterns in Game </a:t>
-            </a:r>
-            <a:r>
-              <a:rPr lang="en-US" dirty="0" smtClean="0">
-                <a:solidFill>
-                  <a:srgbClr val="FF0000"/>
-                </a:solidFill>
-              </a:rPr>
-              <a:t>Programming by </a:t>
-            </a:r>
-            <a:r>
-              <a:rPr lang="en-US" dirty="0">
-                <a:solidFill>
-                  <a:srgbClr val="FF0000"/>
-                </a:solidFill>
-              </a:rPr>
-              <a:t>Michael </a:t>
-            </a:r>
-            <a:r>
-              <a:rPr lang="en-US" dirty="0" smtClean="0">
-                <a:solidFill>
-                  <a:srgbClr val="FF0000"/>
-                </a:solidFill>
-              </a:rPr>
-              <a:t>Haney (https</a:t>
-            </a:r>
-            <a:r>
-              <a:rPr lang="en-US" dirty="0">
-                <a:solidFill>
-                  <a:srgbClr val="FF0000"/>
-                </a:solidFill>
-              </a:rPr>
-              <a:t>://</a:t>
-            </a:r>
-            <a:r>
-              <a:rPr lang="en-US" dirty="0" smtClean="0">
-                <a:solidFill>
-                  <a:srgbClr val="FF0000"/>
-                </a:solidFill>
-              </a:rPr>
-              <a:t>www.gamasutra.com/blogs/MichaelHaney/20110920/90250/Design_Patterns_in_Game_Programming.php)</a:t>
-            </a:r>
-            <a:endParaRPr lang="en-US" dirty="0">
-              <a:solidFill>
-                <a:srgbClr val="FF0000"/>
-              </a:solidFill>
-            </a:endParaRPr>
+              <a:t>Creational</a:t>
+            </a:r>
+          </a:p>
+          <a:p>
+            <a:r>
+              <a:rPr lang="en-US" dirty="0"/>
+              <a:t>Structural</a:t>
+            </a:r>
+          </a:p>
+          <a:p>
+            <a:r>
+              <a:rPr lang="en-US" dirty="0"/>
+              <a:t>Behavioral</a:t>
+            </a:r>
           </a:p>
         </p:txBody>
       </p:sp>
     </p:spTree>
     <p:extLst>
       <p:ext uri="{BB962C8B-B14F-4D97-AF65-F5344CB8AC3E}">
-        <p14:creationId xmlns:p14="http://schemas.microsoft.com/office/powerpoint/2010/main" val="3044814418"/>
+        <p14:creationId xmlns:p14="http://schemas.microsoft.com/office/powerpoint/2010/main" val="480978157"/>
       </p:ext>
     </p:extLst>
   </p:cSld>
@@ -5652,50 +5597,48 @@
           <a:lstStyle/>
           <a:p>
             <a:r>
-              <a:rPr lang="en-US" dirty="0" smtClean="0"/>
-              <a:t>Designing in OOP</a:t>
-            </a:r>
+              <a:rPr lang="en-US" dirty="0"/>
+              <a:t>White-box reuse</a:t>
+            </a:r>
+          </a:p>
+        </p:txBody>
+      </p:sp>
+      <p:sp>
+        <p:nvSpPr>
+          <p:cNvPr id="3" name="Content Placeholder 2"/>
+          <p:cNvSpPr>
+            <a:spLocks noGrp="1"/>
+          </p:cNvSpPr>
+          <p:nvPr>
+            <p:ph idx="1"/>
+          </p:nvPr>
+        </p:nvSpPr>
+        <p:spPr/>
+        <p:txBody>
+          <a:bodyPr/>
+          <a:lstStyle/>
+          <a:p>
+            <a:r>
+              <a:rPr lang="en-US" dirty="0"/>
+              <a:t>Class inheritance lets you define the implementation of one class in terms of another's. Reuse by sub-classing is often referred to as white-box reuse. </a:t>
+            </a:r>
+          </a:p>
+          <a:p>
+            <a:r>
+              <a:rPr lang="en-US" dirty="0"/>
+              <a:t>The term “white-box” refers to visibility: With inheritance, the internals of parent classes are often visible to subclasses.</a:t>
+            </a:r>
+            <a:br>
+              <a:rPr lang="en-US" dirty="0"/>
+            </a:br>
             <a:endParaRPr lang="en-US" dirty="0"/>
-          </a:p>
-        </p:txBody>
-      </p:sp>
-      <p:sp>
-        <p:nvSpPr>
-          <p:cNvPr id="3" name="Content Placeholder 2"/>
-          <p:cNvSpPr>
-            <a:spLocks noGrp="1"/>
-          </p:cNvSpPr>
-          <p:nvPr>
-            <p:ph idx="1"/>
-          </p:nvPr>
-        </p:nvSpPr>
-        <p:spPr/>
-        <p:txBody>
-          <a:bodyPr/>
-          <a:lstStyle/>
-          <a:p>
-            <a:r>
-              <a:rPr lang="en-US" dirty="0"/>
-              <a:t>Designing object-oriented software is hard, </a:t>
-            </a:r>
-            <a:endParaRPr lang="en-US" dirty="0" smtClean="0"/>
-          </a:p>
-          <a:p>
-            <a:r>
-              <a:rPr lang="en-US" dirty="0" smtClean="0"/>
-              <a:t>and </a:t>
-            </a:r>
-            <a:r>
-              <a:rPr lang="en-US" dirty="0"/>
-              <a:t>designing reusable object-oriented software is even harder. </a:t>
-            </a:r>
           </a:p>
         </p:txBody>
       </p:sp>
     </p:spTree>
     <p:extLst>
       <p:ext uri="{BB962C8B-B14F-4D97-AF65-F5344CB8AC3E}">
-        <p14:creationId xmlns:p14="http://schemas.microsoft.com/office/powerpoint/2010/main" val="933821803"/>
+        <p14:creationId xmlns:p14="http://schemas.microsoft.com/office/powerpoint/2010/main" val="1577615249"/>
       </p:ext>
     </p:extLst>
   </p:cSld>
@@ -5738,10 +5681,3827 @@
           <a:lstStyle/>
           <a:p>
             <a:r>
-              <a:rPr lang="en-US" dirty="0" smtClean="0"/>
+              <a:rPr lang="en-US" dirty="0"/>
+              <a:t>Black-box reuse</a:t>
+            </a:r>
+          </a:p>
+        </p:txBody>
+      </p:sp>
+      <p:sp>
+        <p:nvSpPr>
+          <p:cNvPr id="3" name="Content Placeholder 2"/>
+          <p:cNvSpPr>
+            <a:spLocks noGrp="1"/>
+          </p:cNvSpPr>
+          <p:nvPr>
+            <p:ph idx="1"/>
+          </p:nvPr>
+        </p:nvSpPr>
+        <p:spPr/>
+        <p:txBody>
+          <a:bodyPr/>
+          <a:lstStyle/>
+          <a:p>
+            <a:r>
+              <a:rPr lang="en-US" dirty="0"/>
+              <a:t>Object composition is an alternative to class inheritance. Here, new functionality is obtained by assembling or </a:t>
+            </a:r>
+            <a:r>
+              <a:rPr lang="en-US" b="1" i="1" dirty="0"/>
+              <a:t>composing</a:t>
+            </a:r>
+            <a:r>
+              <a:rPr lang="en-US" i="1" dirty="0"/>
+              <a:t> </a:t>
+            </a:r>
+            <a:r>
+              <a:rPr lang="en-US" dirty="0"/>
+              <a:t>objects to get more complex functionality. </a:t>
+            </a:r>
+          </a:p>
+          <a:p>
+            <a:r>
+              <a:rPr lang="en-US" dirty="0"/>
+              <a:t>Object composition requires that the objects being composed have well-defined interfaces. </a:t>
+            </a:r>
+          </a:p>
+          <a:p>
+            <a:r>
+              <a:rPr lang="en-US" dirty="0"/>
+              <a:t>This style of reuse is called black-box reuse, because no internal details of objects are visible. Objects appear only as "black boxes." </a:t>
+            </a:r>
+            <a:br>
+              <a:rPr lang="en-US" dirty="0"/>
+            </a:br>
+            <a:endParaRPr lang="en-US" dirty="0"/>
+          </a:p>
+        </p:txBody>
+      </p:sp>
+    </p:spTree>
+    <p:extLst>
+      <p:ext uri="{BB962C8B-B14F-4D97-AF65-F5344CB8AC3E}">
+        <p14:creationId xmlns:p14="http://schemas.microsoft.com/office/powerpoint/2010/main" val="507559102"/>
+      </p:ext>
+    </p:extLst>
+  </p:cSld>
+  <p:clrMapOvr>
+    <a:masterClrMapping/>
+  </p:clrMapOvr>
+</p:sld>
+</file>
+
+<file path=ppt/slides/slide13.xml><?xml version="1.0" encoding="utf-8"?>
+<p:sld xmlns:a="http://schemas.openxmlformats.org/drawingml/2006/main" xmlns:r="http://schemas.openxmlformats.org/officeDocument/2006/relationships" xmlns:p="http://schemas.openxmlformats.org/presentationml/2006/main">
+  <p:cSld>
+    <p:spTree>
+      <p:nvGrpSpPr>
+        <p:cNvPr id="1" name=""/>
+        <p:cNvGrpSpPr/>
+        <p:nvPr/>
+      </p:nvGrpSpPr>
+      <p:grpSpPr>
+        <a:xfrm>
+          <a:off x="0" y="0"/>
+          <a:ext cx="0" cy="0"/>
+          <a:chOff x="0" y="0"/>
+          <a:chExt cx="0" cy="0"/>
+        </a:xfrm>
+      </p:grpSpPr>
+      <p:sp>
+        <p:nvSpPr>
+          <p:cNvPr id="2" name="Title 1"/>
+          <p:cNvSpPr>
+            <a:spLocks noGrp="1"/>
+          </p:cNvSpPr>
+          <p:nvPr>
+            <p:ph type="title"/>
+          </p:nvPr>
+        </p:nvSpPr>
+        <p:spPr/>
+        <p:txBody>
+          <a:bodyPr/>
+          <a:lstStyle/>
+          <a:p>
+            <a:r>
+              <a:rPr lang="en-US" dirty="0"/>
+              <a:t>Advantages of Inheritance</a:t>
+            </a:r>
+          </a:p>
+        </p:txBody>
+      </p:sp>
+      <p:sp>
+        <p:nvSpPr>
+          <p:cNvPr id="3" name="Content Placeholder 2"/>
+          <p:cNvSpPr>
+            <a:spLocks noGrp="1"/>
+          </p:cNvSpPr>
+          <p:nvPr>
+            <p:ph idx="1"/>
+          </p:nvPr>
+        </p:nvSpPr>
+        <p:spPr/>
+        <p:txBody>
+          <a:bodyPr/>
+          <a:lstStyle/>
+          <a:p>
+            <a:r>
+              <a:rPr lang="en-US" dirty="0"/>
+              <a:t>Class inheritance is defined statically at compile-time and is straightforward to use, since</a:t>
+            </a:r>
+            <a:br>
+              <a:rPr lang="en-US" dirty="0"/>
+            </a:br>
+            <a:r>
+              <a:rPr lang="en-US" dirty="0"/>
+              <a:t>it's supported directly by the programming language. </a:t>
+            </a:r>
+          </a:p>
+          <a:p>
+            <a:r>
+              <a:rPr lang="en-US" dirty="0"/>
+              <a:t>Class inheritance also makes it easier to modify the implementation being reused. </a:t>
+            </a:r>
+          </a:p>
+          <a:p>
+            <a:r>
+              <a:rPr lang="en-US" dirty="0"/>
+              <a:t>When a subclass overrides some but not all operations, it can affect the operations it inherits as well, assuming they call the overridden operations. </a:t>
+            </a:r>
+            <a:br>
+              <a:rPr lang="en-US" dirty="0"/>
+            </a:br>
+            <a:endParaRPr lang="en-US" dirty="0"/>
+          </a:p>
+        </p:txBody>
+      </p:sp>
+    </p:spTree>
+    <p:extLst>
+      <p:ext uri="{BB962C8B-B14F-4D97-AF65-F5344CB8AC3E}">
+        <p14:creationId xmlns:p14="http://schemas.microsoft.com/office/powerpoint/2010/main" val="1190693796"/>
+      </p:ext>
+    </p:extLst>
+  </p:cSld>
+  <p:clrMapOvr>
+    <a:masterClrMapping/>
+  </p:clrMapOvr>
+</p:sld>
+</file>
+
+<file path=ppt/slides/slide14.xml><?xml version="1.0" encoding="utf-8"?>
+<p:sld xmlns:a="http://schemas.openxmlformats.org/drawingml/2006/main" xmlns:r="http://schemas.openxmlformats.org/officeDocument/2006/relationships" xmlns:p="http://schemas.openxmlformats.org/presentationml/2006/main">
+  <p:cSld>
+    <p:spTree>
+      <p:nvGrpSpPr>
+        <p:cNvPr id="1" name=""/>
+        <p:cNvGrpSpPr/>
+        <p:nvPr/>
+      </p:nvGrpSpPr>
+      <p:grpSpPr>
+        <a:xfrm>
+          <a:off x="0" y="0"/>
+          <a:ext cx="0" cy="0"/>
+          <a:chOff x="0" y="0"/>
+          <a:chExt cx="0" cy="0"/>
+        </a:xfrm>
+      </p:grpSpPr>
+      <p:sp>
+        <p:nvSpPr>
+          <p:cNvPr id="2" name="Title 1"/>
+          <p:cNvSpPr>
+            <a:spLocks noGrp="1"/>
+          </p:cNvSpPr>
+          <p:nvPr>
+            <p:ph type="title"/>
+          </p:nvPr>
+        </p:nvSpPr>
+        <p:spPr/>
+        <p:txBody>
+          <a:bodyPr/>
+          <a:lstStyle/>
+          <a:p>
+            <a:r>
+              <a:rPr lang="en-US" dirty="0"/>
+              <a:t>Disadvantages of Inheritance</a:t>
+            </a:r>
+          </a:p>
+        </p:txBody>
+      </p:sp>
+      <p:sp>
+        <p:nvSpPr>
+          <p:cNvPr id="3" name="Content Placeholder 2"/>
+          <p:cNvSpPr>
+            <a:spLocks noGrp="1"/>
+          </p:cNvSpPr>
+          <p:nvPr>
+            <p:ph idx="1"/>
+          </p:nvPr>
+        </p:nvSpPr>
+        <p:spPr/>
+        <p:txBody>
+          <a:bodyPr/>
+          <a:lstStyle/>
+          <a:p>
+            <a:r>
+              <a:rPr lang="en-US" dirty="0"/>
+              <a:t>You can't change the implementations inherited from parent classes at run-time, because inheritance is defined at compile-time. </a:t>
+            </a:r>
+          </a:p>
+          <a:p>
+            <a:r>
+              <a:rPr lang="en-US" dirty="0"/>
+              <a:t>Parent classes often define at least part of their subclasses' physical representation. Because inheritance exposes a subclass to details of its parent's implementation, it's often said that “inheritance breaks encapsulation”.</a:t>
+            </a:r>
+          </a:p>
+          <a:p>
+            <a:r>
+              <a:rPr lang="en-US" dirty="0"/>
+              <a:t>The implementation of a subclass becomes so bound up with the implementation of its parent class that any change in the parent's implementation will force the subclass to change. </a:t>
+            </a:r>
+            <a:br>
+              <a:rPr lang="en-US" dirty="0"/>
+            </a:br>
+            <a:endParaRPr lang="en-US" dirty="0"/>
+          </a:p>
+        </p:txBody>
+      </p:sp>
+    </p:spTree>
+    <p:extLst>
+      <p:ext uri="{BB962C8B-B14F-4D97-AF65-F5344CB8AC3E}">
+        <p14:creationId xmlns:p14="http://schemas.microsoft.com/office/powerpoint/2010/main" val="1725606182"/>
+      </p:ext>
+    </p:extLst>
+  </p:cSld>
+  <p:clrMapOvr>
+    <a:masterClrMapping/>
+  </p:clrMapOvr>
+</p:sld>
+</file>
+
+<file path=ppt/slides/slide15.xml><?xml version="1.0" encoding="utf-8"?>
+<p:sld xmlns:a="http://schemas.openxmlformats.org/drawingml/2006/main" xmlns:r="http://schemas.openxmlformats.org/officeDocument/2006/relationships" xmlns:p="http://schemas.openxmlformats.org/presentationml/2006/main">
+  <p:cSld>
+    <p:spTree>
+      <p:nvGrpSpPr>
+        <p:cNvPr id="1" name=""/>
+        <p:cNvGrpSpPr/>
+        <p:nvPr/>
+      </p:nvGrpSpPr>
+      <p:grpSpPr>
+        <a:xfrm>
+          <a:off x="0" y="0"/>
+          <a:ext cx="0" cy="0"/>
+          <a:chOff x="0" y="0"/>
+          <a:chExt cx="0" cy="0"/>
+        </a:xfrm>
+      </p:grpSpPr>
+      <p:sp>
+        <p:nvSpPr>
+          <p:cNvPr id="2" name="Title 1"/>
+          <p:cNvSpPr>
+            <a:spLocks noGrp="1"/>
+          </p:cNvSpPr>
+          <p:nvPr>
+            <p:ph type="title"/>
+          </p:nvPr>
+        </p:nvSpPr>
+        <p:spPr/>
+        <p:txBody>
+          <a:bodyPr/>
+          <a:lstStyle/>
+          <a:p>
+            <a:r>
+              <a:rPr lang="en-US" dirty="0"/>
+              <a:t>Advantages of Object Composition</a:t>
+            </a:r>
+          </a:p>
+        </p:txBody>
+      </p:sp>
+      <p:sp>
+        <p:nvSpPr>
+          <p:cNvPr id="3" name="Content Placeholder 2"/>
+          <p:cNvSpPr>
+            <a:spLocks noGrp="1"/>
+          </p:cNvSpPr>
+          <p:nvPr>
+            <p:ph idx="1"/>
+          </p:nvPr>
+        </p:nvSpPr>
+        <p:spPr/>
+        <p:txBody>
+          <a:bodyPr/>
+          <a:lstStyle/>
+          <a:p>
+            <a:r>
+              <a:rPr lang="en-US" dirty="0"/>
+              <a:t>Object composition is defined dynamically at run-time through objects acquiring references to other objects. </a:t>
+            </a:r>
+          </a:p>
+          <a:p>
+            <a:r>
+              <a:rPr lang="en-US" dirty="0"/>
+              <a:t>Because objects are accessed solely through their interfaces, we don't break encapsulation. Any object can be replaced at run-time by another as long as it has the same type. </a:t>
+            </a:r>
+          </a:p>
+          <a:p>
+            <a:r>
+              <a:rPr lang="en-US" dirty="0"/>
+              <a:t>Moreover, because an object's implementation will be written in terms of object interfaces, there are substantially fewer implementation dependencies. </a:t>
+            </a:r>
+          </a:p>
+          <a:p>
+            <a:r>
+              <a:rPr lang="en-US" dirty="0"/>
+              <a:t>Favoring object composition over class inheritance helps you keep each class encapsulated and focused on one task </a:t>
+            </a:r>
+            <a:br>
+              <a:rPr lang="en-US" dirty="0"/>
+            </a:br>
+            <a:br>
+              <a:rPr lang="en-US" dirty="0"/>
+            </a:br>
+            <a:endParaRPr lang="en-US" dirty="0"/>
+          </a:p>
+        </p:txBody>
+      </p:sp>
+    </p:spTree>
+    <p:extLst>
+      <p:ext uri="{BB962C8B-B14F-4D97-AF65-F5344CB8AC3E}">
+        <p14:creationId xmlns:p14="http://schemas.microsoft.com/office/powerpoint/2010/main" val="3380369464"/>
+      </p:ext>
+    </p:extLst>
+  </p:cSld>
+  <p:clrMapOvr>
+    <a:masterClrMapping/>
+  </p:clrMapOvr>
+</p:sld>
+</file>
+
+<file path=ppt/slides/slide16.xml><?xml version="1.0" encoding="utf-8"?>
+<p:sld xmlns:a="http://schemas.openxmlformats.org/drawingml/2006/main" xmlns:r="http://schemas.openxmlformats.org/officeDocument/2006/relationships" xmlns:p="http://schemas.openxmlformats.org/presentationml/2006/main">
+  <p:cSld>
+    <p:spTree>
+      <p:nvGrpSpPr>
+        <p:cNvPr id="1" name=""/>
+        <p:cNvGrpSpPr/>
+        <p:nvPr/>
+      </p:nvGrpSpPr>
+      <p:grpSpPr>
+        <a:xfrm>
+          <a:off x="0" y="0"/>
+          <a:ext cx="0" cy="0"/>
+          <a:chOff x="0" y="0"/>
+          <a:chExt cx="0" cy="0"/>
+        </a:xfrm>
+      </p:grpSpPr>
+      <p:sp>
+        <p:nvSpPr>
+          <p:cNvPr id="2" name="Title 1"/>
+          <p:cNvSpPr>
+            <a:spLocks noGrp="1"/>
+          </p:cNvSpPr>
+          <p:nvPr>
+            <p:ph type="title"/>
+          </p:nvPr>
+        </p:nvSpPr>
+        <p:spPr/>
+        <p:txBody>
+          <a:bodyPr/>
+          <a:lstStyle/>
+          <a:p>
+            <a:r>
+              <a:rPr lang="en-US" dirty="0"/>
+              <a:t>Disadvantages of Object Composition</a:t>
+            </a:r>
+          </a:p>
+        </p:txBody>
+      </p:sp>
+      <p:sp>
+        <p:nvSpPr>
+          <p:cNvPr id="3" name="Content Placeholder 2"/>
+          <p:cNvSpPr>
+            <a:spLocks noGrp="1"/>
+          </p:cNvSpPr>
+          <p:nvPr>
+            <p:ph idx="1"/>
+          </p:nvPr>
+        </p:nvSpPr>
+        <p:spPr/>
+        <p:txBody>
+          <a:bodyPr/>
+          <a:lstStyle/>
+          <a:p>
+            <a:r>
+              <a:rPr lang="en-US" dirty="0"/>
+              <a:t>A design based on object composition will have more objects (if fewer classes) </a:t>
+            </a:r>
+          </a:p>
+          <a:p>
+            <a:r>
+              <a:rPr lang="en-US" dirty="0"/>
+              <a:t>The system's behavior will depend on their interrelationships instead of being defined in one class. </a:t>
+            </a:r>
+            <a:br>
+              <a:rPr lang="en-US" dirty="0"/>
+            </a:br>
+            <a:endParaRPr lang="en-US" dirty="0"/>
+          </a:p>
+        </p:txBody>
+      </p:sp>
+    </p:spTree>
+    <p:extLst>
+      <p:ext uri="{BB962C8B-B14F-4D97-AF65-F5344CB8AC3E}">
+        <p14:creationId xmlns:p14="http://schemas.microsoft.com/office/powerpoint/2010/main" val="4248361014"/>
+      </p:ext>
+    </p:extLst>
+  </p:cSld>
+  <p:clrMapOvr>
+    <a:masterClrMapping/>
+  </p:clrMapOvr>
+</p:sld>
+</file>
+
+<file path=ppt/slides/slide17.xml><?xml version="1.0" encoding="utf-8"?>
+<p:sld xmlns:a="http://schemas.openxmlformats.org/drawingml/2006/main" xmlns:r="http://schemas.openxmlformats.org/officeDocument/2006/relationships" xmlns:p="http://schemas.openxmlformats.org/presentationml/2006/main">
+  <p:cSld>
+    <p:spTree>
+      <p:nvGrpSpPr>
+        <p:cNvPr id="1" name=""/>
+        <p:cNvGrpSpPr/>
+        <p:nvPr/>
+      </p:nvGrpSpPr>
+      <p:grpSpPr>
+        <a:xfrm>
+          <a:off x="0" y="0"/>
+          <a:ext cx="0" cy="0"/>
+          <a:chOff x="0" y="0"/>
+          <a:chExt cx="0" cy="0"/>
+        </a:xfrm>
+      </p:grpSpPr>
+      <p:sp>
+        <p:nvSpPr>
+          <p:cNvPr id="2" name="Title 1"/>
+          <p:cNvSpPr>
+            <a:spLocks noGrp="1"/>
+          </p:cNvSpPr>
+          <p:nvPr>
+            <p:ph type="title"/>
+          </p:nvPr>
+        </p:nvSpPr>
+        <p:spPr/>
+        <p:txBody>
+          <a:bodyPr/>
+          <a:lstStyle/>
+          <a:p>
+            <a:r>
+              <a:rPr lang="en-US" dirty="0"/>
+              <a:t>Two Principles of OOP Design</a:t>
+            </a:r>
+          </a:p>
+        </p:txBody>
+      </p:sp>
+      <p:sp>
+        <p:nvSpPr>
+          <p:cNvPr id="3" name="Content Placeholder 2"/>
+          <p:cNvSpPr>
+            <a:spLocks noGrp="1"/>
+          </p:cNvSpPr>
+          <p:nvPr>
+            <p:ph idx="1"/>
+          </p:nvPr>
+        </p:nvSpPr>
+        <p:spPr/>
+        <p:txBody>
+          <a:bodyPr/>
+          <a:lstStyle/>
+          <a:p>
+            <a:r>
+              <a:rPr lang="en-US" i="1" dirty="0"/>
+              <a:t>Program to an interface, not an implementation.</a:t>
+            </a:r>
+            <a:r>
+              <a:rPr lang="en-US" dirty="0"/>
+              <a:t> </a:t>
+            </a:r>
+            <a:endParaRPr lang="en-US" i="1" dirty="0"/>
+          </a:p>
+          <a:p>
+            <a:r>
+              <a:rPr lang="en-US" i="1" dirty="0"/>
+              <a:t>Favor object composition over class inheritance.</a:t>
+            </a:r>
+            <a:r>
+              <a:rPr lang="en-US" dirty="0"/>
+              <a:t> </a:t>
+            </a:r>
+          </a:p>
+        </p:txBody>
+      </p:sp>
+    </p:spTree>
+    <p:extLst>
+      <p:ext uri="{BB962C8B-B14F-4D97-AF65-F5344CB8AC3E}">
+        <p14:creationId xmlns:p14="http://schemas.microsoft.com/office/powerpoint/2010/main" val="2669007537"/>
+      </p:ext>
+    </p:extLst>
+  </p:cSld>
+  <p:clrMapOvr>
+    <a:masterClrMapping/>
+  </p:clrMapOvr>
+</p:sld>
+</file>
+
+<file path=ppt/slides/slide18.xml><?xml version="1.0" encoding="utf-8"?>
+<p:sld xmlns:a="http://schemas.openxmlformats.org/drawingml/2006/main" xmlns:r="http://schemas.openxmlformats.org/officeDocument/2006/relationships" xmlns:p="http://schemas.openxmlformats.org/presentationml/2006/main">
+  <p:cSld>
+    <p:spTree>
+      <p:nvGrpSpPr>
+        <p:cNvPr id="1" name=""/>
+        <p:cNvGrpSpPr/>
+        <p:nvPr/>
+      </p:nvGrpSpPr>
+      <p:grpSpPr>
+        <a:xfrm>
+          <a:off x="0" y="0"/>
+          <a:ext cx="0" cy="0"/>
+          <a:chOff x="0" y="0"/>
+          <a:chExt cx="0" cy="0"/>
+        </a:xfrm>
+      </p:grpSpPr>
+      <p:sp>
+        <p:nvSpPr>
+          <p:cNvPr id="2" name="Title 1"/>
+          <p:cNvSpPr>
+            <a:spLocks noGrp="1"/>
+          </p:cNvSpPr>
+          <p:nvPr>
+            <p:ph type="title"/>
+          </p:nvPr>
+        </p:nvSpPr>
+        <p:spPr/>
+        <p:txBody>
+          <a:bodyPr/>
+          <a:lstStyle/>
+          <a:p>
+            <a:r>
+              <a:rPr lang="en-US" dirty="0"/>
+              <a:t>Delegation</a:t>
+            </a:r>
+          </a:p>
+        </p:txBody>
+      </p:sp>
+      <p:sp>
+        <p:nvSpPr>
+          <p:cNvPr id="3" name="Content Placeholder 2"/>
+          <p:cNvSpPr>
+            <a:spLocks noGrp="1"/>
+          </p:cNvSpPr>
+          <p:nvPr>
+            <p:ph idx="1"/>
+          </p:nvPr>
+        </p:nvSpPr>
+        <p:spPr/>
+        <p:txBody>
+          <a:bodyPr/>
+          <a:lstStyle/>
+          <a:p>
+            <a:r>
+              <a:rPr lang="en-US" dirty="0"/>
+              <a:t>In delegation, </a:t>
+            </a:r>
+            <a:r>
+              <a:rPr lang="en-US" i="1" dirty="0"/>
+              <a:t>two </a:t>
+            </a:r>
+            <a:r>
+              <a:rPr lang="en-US" dirty="0"/>
+              <a:t>objects are involved in handling a request: a receiving object delegates operations to its delegate. </a:t>
+            </a:r>
+          </a:p>
+          <a:p>
+            <a:r>
+              <a:rPr lang="en-US" dirty="0"/>
+              <a:t>This is analogous to subclasses deferring requests to parent classes. </a:t>
+            </a:r>
+          </a:p>
+          <a:p>
+            <a:r>
+              <a:rPr lang="en-US" dirty="0"/>
+              <a:t>Delegation is an extreme example of object composition. It shows that you can always</a:t>
+            </a:r>
+            <a:br>
+              <a:rPr lang="en-US" dirty="0"/>
+            </a:br>
+            <a:r>
+              <a:rPr lang="en-US" dirty="0"/>
+              <a:t>replace inheritance with object composition as a mechanism for code reuse. </a:t>
+            </a:r>
+          </a:p>
+        </p:txBody>
+      </p:sp>
+    </p:spTree>
+    <p:extLst>
+      <p:ext uri="{BB962C8B-B14F-4D97-AF65-F5344CB8AC3E}">
+        <p14:creationId xmlns:p14="http://schemas.microsoft.com/office/powerpoint/2010/main" val="1628496735"/>
+      </p:ext>
+    </p:extLst>
+  </p:cSld>
+  <p:clrMapOvr>
+    <a:masterClrMapping/>
+  </p:clrMapOvr>
+</p:sld>
+</file>
+
+<file path=ppt/slides/slide19.xml><?xml version="1.0" encoding="utf-8"?>
+<p:sld xmlns:a="http://schemas.openxmlformats.org/drawingml/2006/main" xmlns:r="http://schemas.openxmlformats.org/officeDocument/2006/relationships" xmlns:p="http://schemas.openxmlformats.org/presentationml/2006/main">
+  <p:cSld>
+    <p:spTree>
+      <p:nvGrpSpPr>
+        <p:cNvPr id="1" name=""/>
+        <p:cNvGrpSpPr/>
+        <p:nvPr/>
+      </p:nvGrpSpPr>
+      <p:grpSpPr>
+        <a:xfrm>
+          <a:off x="0" y="0"/>
+          <a:ext cx="0" cy="0"/>
+          <a:chOff x="0" y="0"/>
+          <a:chExt cx="0" cy="0"/>
+        </a:xfrm>
+      </p:grpSpPr>
+      <p:sp>
+        <p:nvSpPr>
+          <p:cNvPr id="2" name="Title 1"/>
+          <p:cNvSpPr>
+            <a:spLocks noGrp="1"/>
+          </p:cNvSpPr>
+          <p:nvPr>
+            <p:ph type="title"/>
+          </p:nvPr>
+        </p:nvSpPr>
+        <p:spPr/>
+        <p:txBody>
+          <a:bodyPr/>
+          <a:lstStyle/>
+          <a:p>
+            <a:r>
+              <a:rPr lang="en-US" dirty="0"/>
+              <a:t>Delegation</a:t>
+            </a:r>
+          </a:p>
+        </p:txBody>
+      </p:sp>
+      <p:sp>
+        <p:nvSpPr>
+          <p:cNvPr id="4" name="Rectangle 3"/>
+          <p:cNvSpPr/>
+          <p:nvPr/>
+        </p:nvSpPr>
+        <p:spPr>
+          <a:xfrm>
+            <a:off x="1979628" y="2479249"/>
+            <a:ext cx="2121031" cy="914400"/>
+          </a:xfrm>
+          <a:prstGeom prst="rect">
+            <a:avLst/>
+          </a:prstGeom>
+        </p:spPr>
+        <p:style>
+          <a:lnRef idx="2">
+            <a:schemeClr val="accent1">
+              <a:shade val="50000"/>
+            </a:schemeClr>
+          </a:lnRef>
+          <a:fillRef idx="1">
+            <a:schemeClr val="accent1"/>
+          </a:fillRef>
+          <a:effectRef idx="0">
+            <a:schemeClr val="accent1"/>
+          </a:effectRef>
+          <a:fontRef idx="minor">
+            <a:schemeClr val="lt1"/>
+          </a:fontRef>
+        </p:style>
+        <p:txBody>
+          <a:bodyPr rtlCol="0" anchor="ctr"/>
+          <a:lstStyle/>
+          <a:p>
+            <a:pPr algn="ctr"/>
+            <a:r>
+              <a:rPr lang="en-US" dirty="0"/>
+              <a:t>Window</a:t>
+            </a:r>
+          </a:p>
+        </p:txBody>
+      </p:sp>
+      <p:sp>
+        <p:nvSpPr>
+          <p:cNvPr id="5" name="Rectangle 4"/>
+          <p:cNvSpPr/>
+          <p:nvPr/>
+        </p:nvSpPr>
+        <p:spPr>
+          <a:xfrm>
+            <a:off x="1979628" y="3412502"/>
+            <a:ext cx="2121031" cy="914400"/>
+          </a:xfrm>
+          <a:prstGeom prst="rect">
+            <a:avLst/>
+          </a:prstGeom>
+        </p:spPr>
+        <p:style>
+          <a:lnRef idx="2">
+            <a:schemeClr val="accent1">
+              <a:shade val="50000"/>
+            </a:schemeClr>
+          </a:lnRef>
+          <a:fillRef idx="1">
+            <a:schemeClr val="accent1"/>
+          </a:fillRef>
+          <a:effectRef idx="0">
+            <a:schemeClr val="accent1"/>
+          </a:effectRef>
+          <a:fontRef idx="minor">
+            <a:schemeClr val="lt1"/>
+          </a:fontRef>
+        </p:style>
+        <p:txBody>
+          <a:bodyPr rtlCol="0" anchor="ctr"/>
+          <a:lstStyle/>
+          <a:p>
+            <a:r>
+              <a:rPr lang="en-US" dirty="0"/>
+              <a:t>+ Area()</a:t>
+            </a:r>
+          </a:p>
+        </p:txBody>
+      </p:sp>
+      <p:sp>
+        <p:nvSpPr>
+          <p:cNvPr id="6" name="Rectangle 5"/>
+          <p:cNvSpPr/>
+          <p:nvPr/>
+        </p:nvSpPr>
+        <p:spPr>
+          <a:xfrm>
+            <a:off x="7071674" y="2479249"/>
+            <a:ext cx="2121031" cy="914400"/>
+          </a:xfrm>
+          <a:prstGeom prst="rect">
+            <a:avLst/>
+          </a:prstGeom>
+        </p:spPr>
+        <p:style>
+          <a:lnRef idx="2">
+            <a:schemeClr val="accent1">
+              <a:shade val="50000"/>
+            </a:schemeClr>
+          </a:lnRef>
+          <a:fillRef idx="1">
+            <a:schemeClr val="accent1"/>
+          </a:fillRef>
+          <a:effectRef idx="0">
+            <a:schemeClr val="accent1"/>
+          </a:effectRef>
+          <a:fontRef idx="minor">
+            <a:schemeClr val="lt1"/>
+          </a:fontRef>
+        </p:style>
+        <p:txBody>
+          <a:bodyPr rtlCol="0" anchor="ctr"/>
+          <a:lstStyle/>
+          <a:p>
+            <a:pPr algn="ctr"/>
+            <a:r>
+              <a:rPr lang="en-US" dirty="0"/>
+              <a:t>Rectangle</a:t>
+            </a:r>
+          </a:p>
+        </p:txBody>
+      </p:sp>
+      <p:sp>
+        <p:nvSpPr>
+          <p:cNvPr id="7" name="Rectangle 6"/>
+          <p:cNvSpPr/>
+          <p:nvPr/>
+        </p:nvSpPr>
+        <p:spPr>
+          <a:xfrm>
+            <a:off x="7071674" y="3412502"/>
+            <a:ext cx="2121031" cy="914400"/>
+          </a:xfrm>
+          <a:prstGeom prst="rect">
+            <a:avLst/>
+          </a:prstGeom>
+        </p:spPr>
+        <p:style>
+          <a:lnRef idx="2">
+            <a:schemeClr val="accent1">
+              <a:shade val="50000"/>
+            </a:schemeClr>
+          </a:lnRef>
+          <a:fillRef idx="1">
+            <a:schemeClr val="accent1"/>
+          </a:fillRef>
+          <a:effectRef idx="0">
+            <a:schemeClr val="accent1"/>
+          </a:effectRef>
+          <a:fontRef idx="minor">
+            <a:schemeClr val="lt1"/>
+          </a:fontRef>
+        </p:style>
+        <p:txBody>
+          <a:bodyPr rtlCol="0" anchor="ctr"/>
+          <a:lstStyle/>
+          <a:p>
+            <a:r>
+              <a:rPr lang="en-US" dirty="0"/>
+              <a:t>+ Area(): int</a:t>
+            </a:r>
+          </a:p>
+          <a:p>
+            <a:r>
+              <a:rPr lang="en-US" dirty="0"/>
+              <a:t>+ Info(): String</a:t>
+            </a:r>
+          </a:p>
+        </p:txBody>
+      </p:sp>
+      <p:sp>
+        <p:nvSpPr>
+          <p:cNvPr id="8" name="Rectangle 7"/>
+          <p:cNvSpPr/>
+          <p:nvPr/>
+        </p:nvSpPr>
+        <p:spPr>
+          <a:xfrm>
+            <a:off x="7071673" y="4345755"/>
+            <a:ext cx="2121031" cy="914400"/>
+          </a:xfrm>
+          <a:prstGeom prst="rect">
+            <a:avLst/>
+          </a:prstGeom>
+        </p:spPr>
+        <p:style>
+          <a:lnRef idx="2">
+            <a:schemeClr val="accent1">
+              <a:shade val="50000"/>
+            </a:schemeClr>
+          </a:lnRef>
+          <a:fillRef idx="1">
+            <a:schemeClr val="accent1"/>
+          </a:fillRef>
+          <a:effectRef idx="0">
+            <a:schemeClr val="accent1"/>
+          </a:effectRef>
+          <a:fontRef idx="minor">
+            <a:schemeClr val="lt1"/>
+          </a:fontRef>
+        </p:style>
+        <p:txBody>
+          <a:bodyPr rtlCol="0" anchor="ctr"/>
+          <a:lstStyle/>
+          <a:p>
+            <a:pPr marL="285750" indent="-285750">
+              <a:buFontTx/>
+              <a:buChar char="-"/>
+            </a:pPr>
+            <a:r>
+              <a:rPr lang="en-US" dirty="0"/>
+              <a:t>length: </a:t>
+            </a:r>
+            <a:r>
+              <a:rPr lang="en-US" dirty="0" err="1"/>
+              <a:t>int</a:t>
+            </a:r>
+            <a:endParaRPr lang="en-US" dirty="0"/>
+          </a:p>
+          <a:p>
+            <a:pPr marL="285750" indent="-285750">
+              <a:buFontTx/>
+              <a:buChar char="-"/>
+            </a:pPr>
+            <a:r>
+              <a:rPr lang="en-US" dirty="0"/>
+              <a:t>Width: </a:t>
+            </a:r>
+            <a:r>
+              <a:rPr lang="en-US" dirty="0" err="1"/>
+              <a:t>int</a:t>
+            </a:r>
+            <a:endParaRPr lang="en-US" dirty="0"/>
+          </a:p>
+        </p:txBody>
+      </p:sp>
+      <p:cxnSp>
+        <p:nvCxnSpPr>
+          <p:cNvPr id="10" name="Straight Arrow Connector 9"/>
+          <p:cNvCxnSpPr>
+            <a:stCxn id="13" idx="3"/>
+            <a:endCxn id="7" idx="1"/>
+          </p:cNvCxnSpPr>
+          <p:nvPr/>
+        </p:nvCxnSpPr>
+        <p:spPr>
+          <a:xfrm>
+            <a:off x="4506012" y="3869702"/>
+            <a:ext cx="2565662" cy="0"/>
+          </a:xfrm>
+          <a:prstGeom prst="straightConnector1">
+            <a:avLst/>
+          </a:prstGeom>
+          <a:ln w="38100">
+            <a:headEnd type="none" w="med" len="med"/>
+            <a:tailEnd type="none" w="med" len="med"/>
+          </a:ln>
+        </p:spPr>
+        <p:style>
+          <a:lnRef idx="1">
+            <a:schemeClr val="accent1"/>
+          </a:lnRef>
+          <a:fillRef idx="0">
+            <a:schemeClr val="accent1"/>
+          </a:fillRef>
+          <a:effectRef idx="0">
+            <a:schemeClr val="accent1"/>
+          </a:effectRef>
+          <a:fontRef idx="minor">
+            <a:schemeClr val="tx1"/>
+          </a:fontRef>
+        </p:style>
+      </p:cxnSp>
+      <p:sp>
+        <p:nvSpPr>
+          <p:cNvPr id="11" name="TextBox 10"/>
+          <p:cNvSpPr txBox="1"/>
+          <p:nvPr/>
+        </p:nvSpPr>
+        <p:spPr>
+          <a:xfrm>
+            <a:off x="4506012" y="3424611"/>
+            <a:ext cx="708848" cy="369332"/>
+          </a:xfrm>
+          <a:prstGeom prst="rect">
+            <a:avLst/>
+          </a:prstGeom>
+          <a:noFill/>
+        </p:spPr>
+        <p:txBody>
+          <a:bodyPr wrap="none" rtlCol="0">
+            <a:spAutoFit/>
+          </a:bodyPr>
+          <a:lstStyle/>
+          <a:p>
+            <a:r>
+              <a:rPr lang="en-US" dirty="0"/>
+              <a:t>-</a:t>
+            </a:r>
+            <a:r>
+              <a:rPr lang="en-US" dirty="0" err="1"/>
+              <a:t>rect</a:t>
+            </a:r>
+            <a:endParaRPr lang="en-US" dirty="0"/>
+          </a:p>
+        </p:txBody>
+      </p:sp>
+      <p:sp>
+        <p:nvSpPr>
+          <p:cNvPr id="12" name="TextBox 11"/>
+          <p:cNvSpPr txBox="1"/>
+          <p:nvPr/>
+        </p:nvSpPr>
+        <p:spPr>
+          <a:xfrm>
+            <a:off x="2292714" y="6061341"/>
+            <a:ext cx="7564891" cy="369332"/>
+          </a:xfrm>
+          <a:prstGeom prst="rect">
+            <a:avLst/>
+          </a:prstGeom>
+          <a:noFill/>
+        </p:spPr>
+        <p:txBody>
+          <a:bodyPr wrap="none" rtlCol="0">
+            <a:spAutoFit/>
+          </a:bodyPr>
+          <a:lstStyle/>
+          <a:p>
+            <a:r>
+              <a:rPr lang="en-US" dirty="0"/>
+              <a:t>Please write code in java that satisfies this design (Take 10 minutes)</a:t>
+            </a:r>
+          </a:p>
+        </p:txBody>
+      </p:sp>
+      <p:sp>
+        <p:nvSpPr>
+          <p:cNvPr id="13" name="Diamond 12"/>
+          <p:cNvSpPr/>
+          <p:nvPr/>
+        </p:nvSpPr>
+        <p:spPr>
+          <a:xfrm>
+            <a:off x="4100659" y="3714160"/>
+            <a:ext cx="405353" cy="311084"/>
+          </a:xfrm>
+          <a:prstGeom prst="diamond">
+            <a:avLst/>
+          </a:prstGeom>
+        </p:spPr>
+        <p:style>
+          <a:lnRef idx="2">
+            <a:schemeClr val="accent1">
+              <a:shade val="50000"/>
+            </a:schemeClr>
+          </a:lnRef>
+          <a:fillRef idx="1">
+            <a:schemeClr val="accent1"/>
+          </a:fillRef>
+          <a:effectRef idx="0">
+            <a:schemeClr val="accent1"/>
+          </a:effectRef>
+          <a:fontRef idx="minor">
+            <a:schemeClr val="lt1"/>
+          </a:fontRef>
+        </p:style>
+        <p:txBody>
+          <a:bodyPr rtlCol="0" anchor="ctr"/>
+          <a:lstStyle/>
+          <a:p>
+            <a:pPr algn="ctr"/>
+            <a:endParaRPr lang="en-US"/>
+          </a:p>
+        </p:txBody>
+      </p:sp>
+    </p:spTree>
+    <p:extLst>
+      <p:ext uri="{BB962C8B-B14F-4D97-AF65-F5344CB8AC3E}">
+        <p14:creationId xmlns:p14="http://schemas.microsoft.com/office/powerpoint/2010/main" val="2228884794"/>
+      </p:ext>
+    </p:extLst>
+  </p:cSld>
+  <p:clrMapOvr>
+    <a:masterClrMapping/>
+  </p:clrMapOvr>
+</p:sld>
+</file>
+
+<file path=ppt/slides/slide2.xml><?xml version="1.0" encoding="utf-8"?>
+<p:sld xmlns:a="http://schemas.openxmlformats.org/drawingml/2006/main" xmlns:r="http://schemas.openxmlformats.org/officeDocument/2006/relationships" xmlns:p="http://schemas.openxmlformats.org/presentationml/2006/main">
+  <p:cSld>
+    <p:spTree>
+      <p:nvGrpSpPr>
+        <p:cNvPr id="1" name=""/>
+        <p:cNvGrpSpPr/>
+        <p:nvPr/>
+      </p:nvGrpSpPr>
+      <p:grpSpPr>
+        <a:xfrm>
+          <a:off x="0" y="0"/>
+          <a:ext cx="0" cy="0"/>
+          <a:chOff x="0" y="0"/>
+          <a:chExt cx="0" cy="0"/>
+        </a:xfrm>
+      </p:grpSpPr>
+      <p:sp>
+        <p:nvSpPr>
+          <p:cNvPr id="2" name="Title 1">
+            <a:extLst>
+              <a:ext uri="{FF2B5EF4-FFF2-40B4-BE49-F238E27FC236}">
+                <a16:creationId xmlns:a16="http://schemas.microsoft.com/office/drawing/2014/main" id="{71248F8E-BFBA-441D-BFD6-42D06FB4531E}"/>
+              </a:ext>
+            </a:extLst>
+          </p:cNvPr>
+          <p:cNvSpPr>
+            <a:spLocks noGrp="1"/>
+          </p:cNvSpPr>
+          <p:nvPr>
+            <p:ph type="title"/>
+          </p:nvPr>
+        </p:nvSpPr>
+        <p:spPr/>
+        <p:txBody>
+          <a:bodyPr/>
+          <a:lstStyle/>
+          <a:p>
+            <a:r>
+              <a:rPr lang="en-US" dirty="0"/>
+              <a:t>5 Minute Quiz</a:t>
+            </a:r>
+          </a:p>
+        </p:txBody>
+      </p:sp>
+      <p:sp>
+        <p:nvSpPr>
+          <p:cNvPr id="3" name="Content Placeholder 2">
+            <a:extLst>
+              <a:ext uri="{FF2B5EF4-FFF2-40B4-BE49-F238E27FC236}">
+                <a16:creationId xmlns:a16="http://schemas.microsoft.com/office/drawing/2014/main" id="{8F34A614-1582-4F0D-92DA-75F247A346F7}"/>
+              </a:ext>
+            </a:extLst>
+          </p:cNvPr>
+          <p:cNvSpPr>
+            <a:spLocks noGrp="1"/>
+          </p:cNvSpPr>
+          <p:nvPr>
+            <p:ph idx="1"/>
+          </p:nvPr>
+        </p:nvSpPr>
+        <p:spPr/>
+        <p:txBody>
+          <a:bodyPr/>
+          <a:lstStyle/>
+          <a:p>
+            <a:endParaRPr lang="en-US"/>
+          </a:p>
+        </p:txBody>
+      </p:sp>
+    </p:spTree>
+    <p:extLst>
+      <p:ext uri="{BB962C8B-B14F-4D97-AF65-F5344CB8AC3E}">
+        <p14:creationId xmlns:p14="http://schemas.microsoft.com/office/powerpoint/2010/main" val="2168707822"/>
+      </p:ext>
+    </p:extLst>
+  </p:cSld>
+  <p:clrMapOvr>
+    <a:masterClrMapping/>
+  </p:clrMapOvr>
+</p:sld>
+</file>
+
+<file path=ppt/slides/slide20.xml><?xml version="1.0" encoding="utf-8"?>
+<p:sld xmlns:a="http://schemas.openxmlformats.org/drawingml/2006/main" xmlns:r="http://schemas.openxmlformats.org/officeDocument/2006/relationships" xmlns:p="http://schemas.openxmlformats.org/presentationml/2006/main">
+  <p:cSld>
+    <p:spTree>
+      <p:nvGrpSpPr>
+        <p:cNvPr id="1" name=""/>
+        <p:cNvGrpSpPr/>
+        <p:nvPr/>
+      </p:nvGrpSpPr>
+      <p:grpSpPr>
+        <a:xfrm>
+          <a:off x="0" y="0"/>
+          <a:ext cx="0" cy="0"/>
+          <a:chOff x="0" y="0"/>
+          <a:chExt cx="0" cy="0"/>
+        </a:xfrm>
+      </p:grpSpPr>
+      <p:sp>
+        <p:nvSpPr>
+          <p:cNvPr id="2" name="Title 1">
+            <a:extLst>
+              <a:ext uri="{FF2B5EF4-FFF2-40B4-BE49-F238E27FC236}">
+                <a16:creationId xmlns:a16="http://schemas.microsoft.com/office/drawing/2014/main" id="{3E14E92C-09EC-4F15-8365-52F9C178F682}"/>
+              </a:ext>
+            </a:extLst>
+          </p:cNvPr>
+          <p:cNvSpPr>
+            <a:spLocks noGrp="1"/>
+          </p:cNvSpPr>
+          <p:nvPr>
+            <p:ph type="title"/>
+          </p:nvPr>
+        </p:nvSpPr>
+        <p:spPr/>
+        <p:txBody>
+          <a:bodyPr/>
+          <a:lstStyle/>
+          <a:p>
+            <a:endParaRPr lang="en-US"/>
+          </a:p>
+        </p:txBody>
+      </p:sp>
+      <p:pic>
+        <p:nvPicPr>
+          <p:cNvPr id="5" name="Content Placeholder 4" descr="Text&#10;&#10;Description automatically generated">
+            <a:extLst>
+              <a:ext uri="{FF2B5EF4-FFF2-40B4-BE49-F238E27FC236}">
+                <a16:creationId xmlns:a16="http://schemas.microsoft.com/office/drawing/2014/main" id="{3652B7C9-FBD2-4E49-A2A5-745E20EF53F1}"/>
+              </a:ext>
+            </a:extLst>
+          </p:cNvPr>
+          <p:cNvPicPr>
+            <a:picLocks noGrp="1" noChangeAspect="1"/>
+          </p:cNvPicPr>
+          <p:nvPr>
+            <p:ph idx="1"/>
+          </p:nvPr>
+        </p:nvPicPr>
+        <p:blipFill>
+          <a:blip r:embed="rId2">
+            <a:extLst>
+              <a:ext uri="{28A0092B-C50C-407E-A947-70E740481C1C}">
+                <a14:useLocalDpi xmlns:a14="http://schemas.microsoft.com/office/drawing/2010/main" val="0"/>
+              </a:ext>
+            </a:extLst>
+          </a:blip>
+          <a:stretch>
+            <a:fillRect/>
+          </a:stretch>
+        </p:blipFill>
+        <p:spPr>
+          <a:xfrm>
+            <a:off x="2818263" y="109930"/>
+            <a:ext cx="5581934" cy="6694518"/>
+          </a:xfrm>
+        </p:spPr>
+      </p:pic>
+    </p:spTree>
+    <p:extLst>
+      <p:ext uri="{BB962C8B-B14F-4D97-AF65-F5344CB8AC3E}">
+        <p14:creationId xmlns:p14="http://schemas.microsoft.com/office/powerpoint/2010/main" val="847818598"/>
+      </p:ext>
+    </p:extLst>
+  </p:cSld>
+  <p:clrMapOvr>
+    <a:masterClrMapping/>
+  </p:clrMapOvr>
+</p:sld>
+</file>
+
+<file path=ppt/slides/slide21.xml><?xml version="1.0" encoding="utf-8"?>
+<p:sld xmlns:a="http://schemas.openxmlformats.org/drawingml/2006/main" xmlns:r="http://schemas.openxmlformats.org/officeDocument/2006/relationships" xmlns:p="http://schemas.openxmlformats.org/presentationml/2006/main">
+  <p:cSld>
+    <p:spTree>
+      <p:nvGrpSpPr>
+        <p:cNvPr id="1" name=""/>
+        <p:cNvGrpSpPr/>
+        <p:nvPr/>
+      </p:nvGrpSpPr>
+      <p:grpSpPr>
+        <a:xfrm>
+          <a:off x="0" y="0"/>
+          <a:ext cx="0" cy="0"/>
+          <a:chOff x="0" y="0"/>
+          <a:chExt cx="0" cy="0"/>
+        </a:xfrm>
+      </p:grpSpPr>
+      <p:sp>
+        <p:nvSpPr>
+          <p:cNvPr id="2" name="Title 1"/>
+          <p:cNvSpPr>
+            <a:spLocks noGrp="1"/>
+          </p:cNvSpPr>
+          <p:nvPr>
+            <p:ph type="title"/>
+          </p:nvPr>
+        </p:nvSpPr>
+        <p:spPr/>
+        <p:txBody>
+          <a:bodyPr/>
+          <a:lstStyle/>
+          <a:p>
+            <a:r>
+              <a:rPr lang="en-US" dirty="0"/>
+              <a:t>How will you design this?</a:t>
+            </a:r>
+          </a:p>
+        </p:txBody>
+      </p:sp>
+      <p:sp>
+        <p:nvSpPr>
+          <p:cNvPr id="4" name="Rectangle 3"/>
+          <p:cNvSpPr/>
+          <p:nvPr/>
+        </p:nvSpPr>
+        <p:spPr>
+          <a:xfrm>
+            <a:off x="1979628" y="2479249"/>
+            <a:ext cx="2121031" cy="914400"/>
+          </a:xfrm>
+          <a:prstGeom prst="rect">
+            <a:avLst/>
+          </a:prstGeom>
+        </p:spPr>
+        <p:style>
+          <a:lnRef idx="2">
+            <a:schemeClr val="accent1">
+              <a:shade val="50000"/>
+            </a:schemeClr>
+          </a:lnRef>
+          <a:fillRef idx="1">
+            <a:schemeClr val="accent1"/>
+          </a:fillRef>
+          <a:effectRef idx="0">
+            <a:schemeClr val="accent1"/>
+          </a:effectRef>
+          <a:fontRef idx="minor">
+            <a:schemeClr val="lt1"/>
+          </a:fontRef>
+        </p:style>
+        <p:txBody>
+          <a:bodyPr rtlCol="0" anchor="ctr"/>
+          <a:lstStyle/>
+          <a:p>
+            <a:pPr algn="ctr"/>
+            <a:r>
+              <a:rPr lang="en-US" dirty="0"/>
+              <a:t>Window</a:t>
+            </a:r>
+          </a:p>
+        </p:txBody>
+      </p:sp>
+      <p:sp>
+        <p:nvSpPr>
+          <p:cNvPr id="5" name="Rectangle 4"/>
+          <p:cNvSpPr/>
+          <p:nvPr/>
+        </p:nvSpPr>
+        <p:spPr>
+          <a:xfrm>
+            <a:off x="1979628" y="3412502"/>
+            <a:ext cx="2121031" cy="914400"/>
+          </a:xfrm>
+          <a:prstGeom prst="rect">
+            <a:avLst/>
+          </a:prstGeom>
+        </p:spPr>
+        <p:style>
+          <a:lnRef idx="2">
+            <a:schemeClr val="accent1">
+              <a:shade val="50000"/>
+            </a:schemeClr>
+          </a:lnRef>
+          <a:fillRef idx="1">
+            <a:schemeClr val="accent1"/>
+          </a:fillRef>
+          <a:effectRef idx="0">
+            <a:schemeClr val="accent1"/>
+          </a:effectRef>
+          <a:fontRef idx="minor">
+            <a:schemeClr val="lt1"/>
+          </a:fontRef>
+        </p:style>
+        <p:txBody>
+          <a:bodyPr rtlCol="0" anchor="ctr"/>
+          <a:lstStyle/>
+          <a:p>
+            <a:r>
+              <a:rPr lang="en-US" dirty="0"/>
+              <a:t>+ Area()</a:t>
+            </a:r>
+          </a:p>
+        </p:txBody>
+      </p:sp>
+      <p:sp>
+        <p:nvSpPr>
+          <p:cNvPr id="6" name="Rectangle 5"/>
+          <p:cNvSpPr/>
+          <p:nvPr/>
+        </p:nvSpPr>
+        <p:spPr>
+          <a:xfrm>
+            <a:off x="7071674" y="2479249"/>
+            <a:ext cx="2121031" cy="914400"/>
+          </a:xfrm>
+          <a:prstGeom prst="rect">
+            <a:avLst/>
+          </a:prstGeom>
+        </p:spPr>
+        <p:style>
+          <a:lnRef idx="2">
+            <a:schemeClr val="accent1">
+              <a:shade val="50000"/>
+            </a:schemeClr>
+          </a:lnRef>
+          <a:fillRef idx="1">
+            <a:schemeClr val="accent1"/>
+          </a:fillRef>
+          <a:effectRef idx="0">
+            <a:schemeClr val="accent1"/>
+          </a:effectRef>
+          <a:fontRef idx="minor">
+            <a:schemeClr val="lt1"/>
+          </a:fontRef>
+        </p:style>
+        <p:txBody>
+          <a:bodyPr rtlCol="0" anchor="ctr"/>
+          <a:lstStyle/>
+          <a:p>
+            <a:pPr algn="ctr"/>
+            <a:r>
+              <a:rPr lang="en-US" dirty="0"/>
+              <a:t>Rectangle</a:t>
+            </a:r>
+          </a:p>
+        </p:txBody>
+      </p:sp>
+      <p:sp>
+        <p:nvSpPr>
+          <p:cNvPr id="7" name="Rectangle 6"/>
+          <p:cNvSpPr/>
+          <p:nvPr/>
+        </p:nvSpPr>
+        <p:spPr>
+          <a:xfrm>
+            <a:off x="7071674" y="3412502"/>
+            <a:ext cx="2121031" cy="914400"/>
+          </a:xfrm>
+          <a:prstGeom prst="rect">
+            <a:avLst/>
+          </a:prstGeom>
+        </p:spPr>
+        <p:style>
+          <a:lnRef idx="2">
+            <a:schemeClr val="accent1">
+              <a:shade val="50000"/>
+            </a:schemeClr>
+          </a:lnRef>
+          <a:fillRef idx="1">
+            <a:schemeClr val="accent1"/>
+          </a:fillRef>
+          <a:effectRef idx="0">
+            <a:schemeClr val="accent1"/>
+          </a:effectRef>
+          <a:fontRef idx="minor">
+            <a:schemeClr val="lt1"/>
+          </a:fontRef>
+        </p:style>
+        <p:txBody>
+          <a:bodyPr rtlCol="0" anchor="ctr"/>
+          <a:lstStyle/>
+          <a:p>
+            <a:r>
+              <a:rPr lang="en-US" dirty="0"/>
+              <a:t>+ Area(): int</a:t>
+            </a:r>
+          </a:p>
+          <a:p>
+            <a:r>
+              <a:rPr lang="en-US" dirty="0"/>
+              <a:t>+ Info():String</a:t>
+            </a:r>
+          </a:p>
+        </p:txBody>
+      </p:sp>
+      <p:sp>
+        <p:nvSpPr>
+          <p:cNvPr id="8" name="Rectangle 7"/>
+          <p:cNvSpPr/>
+          <p:nvPr/>
+        </p:nvSpPr>
+        <p:spPr>
+          <a:xfrm>
+            <a:off x="7071673" y="4345755"/>
+            <a:ext cx="2121031" cy="914400"/>
+          </a:xfrm>
+          <a:prstGeom prst="rect">
+            <a:avLst/>
+          </a:prstGeom>
+        </p:spPr>
+        <p:style>
+          <a:lnRef idx="2">
+            <a:schemeClr val="accent1">
+              <a:shade val="50000"/>
+            </a:schemeClr>
+          </a:lnRef>
+          <a:fillRef idx="1">
+            <a:schemeClr val="accent1"/>
+          </a:fillRef>
+          <a:effectRef idx="0">
+            <a:schemeClr val="accent1"/>
+          </a:effectRef>
+          <a:fontRef idx="minor">
+            <a:schemeClr val="lt1"/>
+          </a:fontRef>
+        </p:style>
+        <p:txBody>
+          <a:bodyPr rtlCol="0" anchor="ctr"/>
+          <a:lstStyle/>
+          <a:p>
+            <a:pPr marL="285750" indent="-285750">
+              <a:buFontTx/>
+              <a:buChar char="-"/>
+            </a:pPr>
+            <a:r>
+              <a:rPr lang="en-US" dirty="0"/>
+              <a:t>length: </a:t>
+            </a:r>
+            <a:r>
+              <a:rPr lang="en-US" dirty="0" err="1"/>
+              <a:t>int</a:t>
+            </a:r>
+            <a:endParaRPr lang="en-US" dirty="0"/>
+          </a:p>
+          <a:p>
+            <a:pPr marL="285750" indent="-285750">
+              <a:buFontTx/>
+              <a:buChar char="-"/>
+            </a:pPr>
+            <a:r>
+              <a:rPr lang="en-US" dirty="0"/>
+              <a:t>Width: </a:t>
+            </a:r>
+            <a:r>
+              <a:rPr lang="en-US" dirty="0" err="1"/>
+              <a:t>int</a:t>
+            </a:r>
+            <a:endParaRPr lang="en-US" dirty="0"/>
+          </a:p>
+        </p:txBody>
+      </p:sp>
+      <p:cxnSp>
+        <p:nvCxnSpPr>
+          <p:cNvPr id="10" name="Straight Arrow Connector 9"/>
+          <p:cNvCxnSpPr>
+            <a:stCxn id="5" idx="3"/>
+            <a:endCxn id="7" idx="1"/>
+          </p:cNvCxnSpPr>
+          <p:nvPr/>
+        </p:nvCxnSpPr>
+        <p:spPr>
+          <a:xfrm>
+            <a:off x="4100659" y="3869702"/>
+            <a:ext cx="2971015" cy="0"/>
+          </a:xfrm>
+          <a:prstGeom prst="straightConnector1">
+            <a:avLst/>
+          </a:prstGeom>
+          <a:ln w="38100">
+            <a:headEnd type="none" w="med" len="med"/>
+            <a:tailEnd type="arrow" w="med" len="med"/>
+          </a:ln>
+        </p:spPr>
+        <p:style>
+          <a:lnRef idx="1">
+            <a:schemeClr val="accent1"/>
+          </a:lnRef>
+          <a:fillRef idx="0">
+            <a:schemeClr val="accent1"/>
+          </a:fillRef>
+          <a:effectRef idx="0">
+            <a:schemeClr val="accent1"/>
+          </a:effectRef>
+          <a:fontRef idx="minor">
+            <a:schemeClr val="tx1"/>
+          </a:fontRef>
+        </p:style>
+      </p:cxnSp>
+      <p:sp>
+        <p:nvSpPr>
+          <p:cNvPr id="11" name="TextBox 10"/>
+          <p:cNvSpPr txBox="1"/>
+          <p:nvPr/>
+        </p:nvSpPr>
+        <p:spPr>
+          <a:xfrm>
+            <a:off x="4506012" y="3424611"/>
+            <a:ext cx="708848" cy="369332"/>
+          </a:xfrm>
+          <a:prstGeom prst="rect">
+            <a:avLst/>
+          </a:prstGeom>
+          <a:noFill/>
+        </p:spPr>
+        <p:txBody>
+          <a:bodyPr wrap="none" rtlCol="0">
+            <a:spAutoFit/>
+          </a:bodyPr>
+          <a:lstStyle/>
+          <a:p>
+            <a:r>
+              <a:rPr lang="en-US" dirty="0"/>
+              <a:t>-</a:t>
+            </a:r>
+            <a:r>
+              <a:rPr lang="en-US" dirty="0" err="1"/>
+              <a:t>rect</a:t>
+            </a:r>
+            <a:endParaRPr lang="en-US" dirty="0"/>
+          </a:p>
+        </p:txBody>
+      </p:sp>
+      <p:sp>
+        <p:nvSpPr>
+          <p:cNvPr id="12" name="TextBox 11"/>
+          <p:cNvSpPr txBox="1"/>
+          <p:nvPr/>
+        </p:nvSpPr>
+        <p:spPr>
+          <a:xfrm>
+            <a:off x="4597030" y="6061341"/>
+            <a:ext cx="2997937" cy="369332"/>
+          </a:xfrm>
+          <a:prstGeom prst="rect">
+            <a:avLst/>
+          </a:prstGeom>
+          <a:noFill/>
+        </p:spPr>
+        <p:txBody>
+          <a:bodyPr wrap="none" rtlCol="0">
+            <a:spAutoFit/>
+          </a:bodyPr>
+          <a:lstStyle/>
+          <a:p>
+            <a:r>
+              <a:rPr lang="en-US" dirty="0"/>
+              <a:t>Take 5 minutes to decide</a:t>
+            </a:r>
+          </a:p>
+        </p:txBody>
+      </p:sp>
+    </p:spTree>
+    <p:extLst>
+      <p:ext uri="{BB962C8B-B14F-4D97-AF65-F5344CB8AC3E}">
+        <p14:creationId xmlns:p14="http://schemas.microsoft.com/office/powerpoint/2010/main" val="3680191315"/>
+      </p:ext>
+    </p:extLst>
+  </p:cSld>
+  <p:clrMapOvr>
+    <a:masterClrMapping/>
+  </p:clrMapOvr>
+</p:sld>
+</file>
+
+<file path=ppt/slides/slide22.xml><?xml version="1.0" encoding="utf-8"?>
+<p:sld xmlns:a="http://schemas.openxmlformats.org/drawingml/2006/main" xmlns:r="http://schemas.openxmlformats.org/officeDocument/2006/relationships" xmlns:p="http://schemas.openxmlformats.org/presentationml/2006/main">
+  <p:cSld>
+    <p:spTree>
+      <p:nvGrpSpPr>
+        <p:cNvPr id="1" name=""/>
+        <p:cNvGrpSpPr/>
+        <p:nvPr/>
+      </p:nvGrpSpPr>
+      <p:grpSpPr>
+        <a:xfrm>
+          <a:off x="0" y="0"/>
+          <a:ext cx="0" cy="0"/>
+          <a:chOff x="0" y="0"/>
+          <a:chExt cx="0" cy="0"/>
+        </a:xfrm>
+      </p:grpSpPr>
+      <p:sp>
+        <p:nvSpPr>
+          <p:cNvPr id="2" name="Title 1">
+            <a:extLst>
+              <a:ext uri="{FF2B5EF4-FFF2-40B4-BE49-F238E27FC236}">
+                <a16:creationId xmlns:a16="http://schemas.microsoft.com/office/drawing/2014/main" id="{1800B3F8-5213-4FAE-A583-7CC9A491F1FE}"/>
+              </a:ext>
+            </a:extLst>
+          </p:cNvPr>
+          <p:cNvSpPr>
+            <a:spLocks noGrp="1"/>
+          </p:cNvSpPr>
+          <p:nvPr>
+            <p:ph type="title"/>
+          </p:nvPr>
+        </p:nvSpPr>
+        <p:spPr/>
+        <p:txBody>
+          <a:bodyPr/>
+          <a:lstStyle/>
+          <a:p>
+            <a:endParaRPr lang="en-US"/>
+          </a:p>
+        </p:txBody>
+      </p:sp>
+      <p:pic>
+        <p:nvPicPr>
+          <p:cNvPr id="5" name="Content Placeholder 4" descr="Text&#10;&#10;Description automatically generated">
+            <a:extLst>
+              <a:ext uri="{FF2B5EF4-FFF2-40B4-BE49-F238E27FC236}">
+                <a16:creationId xmlns:a16="http://schemas.microsoft.com/office/drawing/2014/main" id="{17682028-2E12-42C2-A5BF-AA5D8448B304}"/>
+              </a:ext>
+            </a:extLst>
+          </p:cNvPr>
+          <p:cNvPicPr>
+            <a:picLocks noGrp="1" noChangeAspect="1"/>
+          </p:cNvPicPr>
+          <p:nvPr>
+            <p:ph idx="1"/>
+          </p:nvPr>
+        </p:nvPicPr>
+        <p:blipFill>
+          <a:blip r:embed="rId2">
+            <a:extLst>
+              <a:ext uri="{28A0092B-C50C-407E-A947-70E740481C1C}">
+                <a14:useLocalDpi xmlns:a14="http://schemas.microsoft.com/office/drawing/2010/main" val="0"/>
+              </a:ext>
+            </a:extLst>
+          </a:blip>
+          <a:stretch>
+            <a:fillRect/>
+          </a:stretch>
+        </p:blipFill>
+        <p:spPr>
+          <a:xfrm>
+            <a:off x="3370997" y="-4110"/>
+            <a:ext cx="4612943" cy="6847618"/>
+          </a:xfrm>
+        </p:spPr>
+      </p:pic>
+    </p:spTree>
+    <p:extLst>
+      <p:ext uri="{BB962C8B-B14F-4D97-AF65-F5344CB8AC3E}">
+        <p14:creationId xmlns:p14="http://schemas.microsoft.com/office/powerpoint/2010/main" val="2112037050"/>
+      </p:ext>
+    </p:extLst>
+  </p:cSld>
+  <p:clrMapOvr>
+    <a:masterClrMapping/>
+  </p:clrMapOvr>
+</p:sld>
+</file>
+
+<file path=ppt/slides/slide23.xml><?xml version="1.0" encoding="utf-8"?>
+<p:sld xmlns:a="http://schemas.openxmlformats.org/drawingml/2006/main" xmlns:r="http://schemas.openxmlformats.org/officeDocument/2006/relationships" xmlns:p="http://schemas.openxmlformats.org/presentationml/2006/main">
+  <p:cSld>
+    <p:spTree>
+      <p:nvGrpSpPr>
+        <p:cNvPr id="1" name=""/>
+        <p:cNvGrpSpPr/>
+        <p:nvPr/>
+      </p:nvGrpSpPr>
+      <p:grpSpPr>
+        <a:xfrm>
+          <a:off x="0" y="0"/>
+          <a:ext cx="0" cy="0"/>
+          <a:chOff x="0" y="0"/>
+          <a:chExt cx="0" cy="0"/>
+        </a:xfrm>
+      </p:grpSpPr>
+      <p:sp>
+        <p:nvSpPr>
+          <p:cNvPr id="2" name="Title 1"/>
+          <p:cNvSpPr>
+            <a:spLocks noGrp="1"/>
+          </p:cNvSpPr>
+          <p:nvPr>
+            <p:ph type="title"/>
+          </p:nvPr>
+        </p:nvSpPr>
+        <p:spPr/>
+        <p:txBody>
+          <a:bodyPr/>
+          <a:lstStyle/>
+          <a:p>
+            <a:r>
+              <a:rPr lang="en-US" dirty="0"/>
+              <a:t>Pros and Cons</a:t>
+            </a:r>
+          </a:p>
+        </p:txBody>
+      </p:sp>
+      <p:sp>
+        <p:nvSpPr>
+          <p:cNvPr id="3" name="Content Placeholder 2"/>
+          <p:cNvSpPr>
+            <a:spLocks noGrp="1"/>
+          </p:cNvSpPr>
+          <p:nvPr>
+            <p:ph idx="1"/>
+          </p:nvPr>
+        </p:nvSpPr>
+        <p:spPr/>
+        <p:txBody>
+          <a:bodyPr/>
+          <a:lstStyle/>
+          <a:p>
+            <a:r>
+              <a:rPr lang="en-US" dirty="0"/>
+              <a:t>At any point in time I can change the object being referred and get a different result</a:t>
+            </a:r>
+          </a:p>
+          <a:p>
+            <a:r>
+              <a:rPr lang="en-US" dirty="0"/>
+              <a:t>Since this happens at run-time and is dynamic, it is a slower process</a:t>
+            </a:r>
+          </a:p>
+          <a:p>
+            <a:r>
+              <a:rPr lang="en-US" dirty="0"/>
+              <a:t>It however provides a lot of flexibility</a:t>
+            </a:r>
+          </a:p>
+        </p:txBody>
+      </p:sp>
+    </p:spTree>
+    <p:extLst>
+      <p:ext uri="{BB962C8B-B14F-4D97-AF65-F5344CB8AC3E}">
+        <p14:creationId xmlns:p14="http://schemas.microsoft.com/office/powerpoint/2010/main" val="4128925181"/>
+      </p:ext>
+    </p:extLst>
+  </p:cSld>
+  <p:clrMapOvr>
+    <a:masterClrMapping/>
+  </p:clrMapOvr>
+</p:sld>
+</file>
+
+<file path=ppt/slides/slide24.xml><?xml version="1.0" encoding="utf-8"?>
+<p:sld xmlns:a="http://schemas.openxmlformats.org/drawingml/2006/main" xmlns:r="http://schemas.openxmlformats.org/officeDocument/2006/relationships" xmlns:p="http://schemas.openxmlformats.org/presentationml/2006/main">
+  <p:cSld>
+    <p:spTree>
+      <p:nvGrpSpPr>
+        <p:cNvPr id="1" name=""/>
+        <p:cNvGrpSpPr/>
+        <p:nvPr/>
+      </p:nvGrpSpPr>
+      <p:grpSpPr>
+        <a:xfrm>
+          <a:off x="0" y="0"/>
+          <a:ext cx="0" cy="0"/>
+          <a:chOff x="0" y="0"/>
+          <a:chExt cx="0" cy="0"/>
+        </a:xfrm>
+      </p:grpSpPr>
+      <p:sp>
+        <p:nvSpPr>
+          <p:cNvPr id="2" name="Title 1"/>
+          <p:cNvSpPr>
+            <a:spLocks noGrp="1"/>
+          </p:cNvSpPr>
+          <p:nvPr>
+            <p:ph type="title"/>
+          </p:nvPr>
+        </p:nvSpPr>
+        <p:spPr/>
+        <p:txBody>
+          <a:bodyPr/>
+          <a:lstStyle/>
+          <a:p>
+            <a:r>
+              <a:rPr lang="en-US" dirty="0"/>
+              <a:t>Parameterized Types</a:t>
+            </a:r>
+          </a:p>
+        </p:txBody>
+      </p:sp>
+      <p:sp>
+        <p:nvSpPr>
+          <p:cNvPr id="3" name="Content Placeholder 2"/>
+          <p:cNvSpPr>
+            <a:spLocks noGrp="1"/>
+          </p:cNvSpPr>
+          <p:nvPr>
+            <p:ph idx="1"/>
+          </p:nvPr>
+        </p:nvSpPr>
+        <p:spPr/>
+        <p:txBody>
+          <a:bodyPr/>
+          <a:lstStyle/>
+          <a:p>
+            <a:r>
+              <a:rPr lang="en-US" dirty="0"/>
+              <a:t>Another (not strictly object-oriented) technique for reusing functionality is through</a:t>
+            </a:r>
+            <a:br>
+              <a:rPr lang="en-US" dirty="0"/>
+            </a:br>
+            <a:r>
+              <a:rPr lang="en-US" dirty="0"/>
+              <a:t>parameterized types, also known as generics and templates.</a:t>
+            </a:r>
+          </a:p>
+          <a:p>
+            <a:r>
+              <a:rPr lang="en-US" dirty="0"/>
+              <a:t>This technique lets you define a type without specifying all the other types it uses. The</a:t>
+            </a:r>
+            <a:br>
+              <a:rPr lang="en-US" dirty="0"/>
+            </a:br>
+            <a:r>
+              <a:rPr lang="en-US" dirty="0"/>
+              <a:t>unspecified types are supplied as </a:t>
+            </a:r>
+            <a:r>
+              <a:rPr lang="en-US" i="1" dirty="0"/>
+              <a:t>parameters </a:t>
+            </a:r>
+            <a:r>
+              <a:rPr lang="en-US" dirty="0"/>
+              <a:t>at the point of use. </a:t>
+            </a:r>
+          </a:p>
+          <a:p>
+            <a:r>
+              <a:rPr lang="en-US" dirty="0"/>
+              <a:t>For example, to declare a list of integers, you supply the type “integer” as a parameter to the List parameterized type. </a:t>
+            </a:r>
+            <a:br>
+              <a:rPr lang="en-US" dirty="0"/>
+            </a:br>
+            <a:endParaRPr lang="en-US" dirty="0"/>
+          </a:p>
+        </p:txBody>
+      </p:sp>
+    </p:spTree>
+    <p:extLst>
+      <p:ext uri="{BB962C8B-B14F-4D97-AF65-F5344CB8AC3E}">
+        <p14:creationId xmlns:p14="http://schemas.microsoft.com/office/powerpoint/2010/main" val="4191361161"/>
+      </p:ext>
+    </p:extLst>
+  </p:cSld>
+  <p:clrMapOvr>
+    <a:masterClrMapping/>
+  </p:clrMapOvr>
+</p:sld>
+</file>
+
+<file path=ppt/slides/slide25.xml><?xml version="1.0" encoding="utf-8"?>
+<p:sld xmlns:a="http://schemas.openxmlformats.org/drawingml/2006/main" xmlns:r="http://schemas.openxmlformats.org/officeDocument/2006/relationships" xmlns:p="http://schemas.openxmlformats.org/presentationml/2006/main">
+  <p:cSld>
+    <p:spTree>
+      <p:nvGrpSpPr>
+        <p:cNvPr id="1" name=""/>
+        <p:cNvGrpSpPr/>
+        <p:nvPr/>
+      </p:nvGrpSpPr>
+      <p:grpSpPr>
+        <a:xfrm>
+          <a:off x="0" y="0"/>
+          <a:ext cx="0" cy="0"/>
+          <a:chOff x="0" y="0"/>
+          <a:chExt cx="0" cy="0"/>
+        </a:xfrm>
+      </p:grpSpPr>
+      <p:sp>
+        <p:nvSpPr>
+          <p:cNvPr id="2" name="Title 1"/>
+          <p:cNvSpPr>
+            <a:spLocks noGrp="1"/>
+          </p:cNvSpPr>
+          <p:nvPr>
+            <p:ph type="title"/>
+          </p:nvPr>
+        </p:nvSpPr>
+        <p:spPr/>
+        <p:txBody>
+          <a:bodyPr/>
+          <a:lstStyle/>
+          <a:p>
+            <a:r>
+              <a:rPr lang="en-US" dirty="0"/>
+              <a:t>Inheritance, Composition and Parameterized Types</a:t>
+            </a:r>
+          </a:p>
+        </p:txBody>
+      </p:sp>
+      <p:sp>
+        <p:nvSpPr>
+          <p:cNvPr id="3" name="Content Placeholder 2"/>
+          <p:cNvSpPr>
+            <a:spLocks noGrp="1"/>
+          </p:cNvSpPr>
+          <p:nvPr>
+            <p:ph idx="1"/>
+          </p:nvPr>
+        </p:nvSpPr>
+        <p:spPr/>
+        <p:txBody>
+          <a:bodyPr/>
+          <a:lstStyle/>
+          <a:p>
+            <a:r>
+              <a:rPr lang="en-US" dirty="0"/>
+              <a:t>Parameterized types give us a third way (in addition to class inheritance and object</a:t>
+            </a:r>
+            <a:br>
+              <a:rPr lang="en-US" dirty="0"/>
+            </a:br>
+            <a:r>
+              <a:rPr lang="en-US" dirty="0"/>
+              <a:t>composition) to compose behavior in object-oriented systems. </a:t>
+            </a:r>
+          </a:p>
+          <a:p>
+            <a:r>
+              <a:rPr lang="en-US" dirty="0"/>
+              <a:t>Many designs can be implemented using any of these three techniques. </a:t>
+            </a:r>
+          </a:p>
+        </p:txBody>
+      </p:sp>
+    </p:spTree>
+    <p:extLst>
+      <p:ext uri="{BB962C8B-B14F-4D97-AF65-F5344CB8AC3E}">
+        <p14:creationId xmlns:p14="http://schemas.microsoft.com/office/powerpoint/2010/main" val="3173377694"/>
+      </p:ext>
+    </p:extLst>
+  </p:cSld>
+  <p:clrMapOvr>
+    <a:masterClrMapping/>
+  </p:clrMapOvr>
+</p:sld>
+</file>
+
+<file path=ppt/slides/slide26.xml><?xml version="1.0" encoding="utf-8"?>
+<p:sld xmlns:a="http://schemas.openxmlformats.org/drawingml/2006/main" xmlns:r="http://schemas.openxmlformats.org/officeDocument/2006/relationships" xmlns:p="http://schemas.openxmlformats.org/presentationml/2006/main">
+  <p:cSld>
+    <p:spTree>
+      <p:nvGrpSpPr>
+        <p:cNvPr id="1" name=""/>
+        <p:cNvGrpSpPr/>
+        <p:nvPr/>
+      </p:nvGrpSpPr>
+      <p:grpSpPr>
+        <a:xfrm>
+          <a:off x="0" y="0"/>
+          <a:ext cx="0" cy="0"/>
+          <a:chOff x="0" y="0"/>
+          <a:chExt cx="0" cy="0"/>
+        </a:xfrm>
+      </p:grpSpPr>
+      <p:sp>
+        <p:nvSpPr>
+          <p:cNvPr id="2" name="Title 1"/>
+          <p:cNvSpPr>
+            <a:spLocks noGrp="1"/>
+          </p:cNvSpPr>
+          <p:nvPr>
+            <p:ph type="title"/>
+          </p:nvPr>
+        </p:nvSpPr>
+        <p:spPr/>
+        <p:txBody>
+          <a:bodyPr/>
+          <a:lstStyle/>
+          <a:p>
+            <a:r>
+              <a:rPr lang="en-US" dirty="0"/>
+              <a:t>Inheritance, Composition and Parameterized Types</a:t>
+            </a:r>
+          </a:p>
+        </p:txBody>
+      </p:sp>
+      <p:sp>
+        <p:nvSpPr>
+          <p:cNvPr id="3" name="Content Placeholder 2"/>
+          <p:cNvSpPr>
+            <a:spLocks noGrp="1"/>
+          </p:cNvSpPr>
+          <p:nvPr>
+            <p:ph idx="1"/>
+          </p:nvPr>
+        </p:nvSpPr>
+        <p:spPr/>
+        <p:txBody>
+          <a:bodyPr/>
+          <a:lstStyle/>
+          <a:p>
+            <a:r>
+              <a:rPr lang="en-US" dirty="0"/>
+              <a:t>Object composition lets you change the behavior being composed at run-time, but it also requires indirection and can be less efficient. </a:t>
+            </a:r>
+          </a:p>
+          <a:p>
+            <a:r>
+              <a:rPr lang="en-US" dirty="0"/>
+              <a:t>Inheritance lets you provide default implementations for operations and lets subclasses override them. </a:t>
+            </a:r>
+          </a:p>
+          <a:p>
+            <a:r>
+              <a:rPr lang="en-US" dirty="0"/>
+              <a:t>Parameterized types let you change the types that a class can use. </a:t>
+            </a:r>
+          </a:p>
+          <a:p>
+            <a:r>
+              <a:rPr lang="en-US" i="1" dirty="0"/>
+              <a:t>But neither inheritance nor parameterized types can change at run-time. Hence what you end up using depends on your design.</a:t>
+            </a:r>
+            <a:br>
+              <a:rPr lang="en-US" i="1" dirty="0"/>
+            </a:br>
+            <a:endParaRPr lang="en-US" i="1" dirty="0"/>
+          </a:p>
+        </p:txBody>
+      </p:sp>
+    </p:spTree>
+    <p:extLst>
+      <p:ext uri="{BB962C8B-B14F-4D97-AF65-F5344CB8AC3E}">
+        <p14:creationId xmlns:p14="http://schemas.microsoft.com/office/powerpoint/2010/main" val="1069428785"/>
+      </p:ext>
+    </p:extLst>
+  </p:cSld>
+  <p:clrMapOvr>
+    <a:masterClrMapping/>
+  </p:clrMapOvr>
+</p:sld>
+</file>
+
+<file path=ppt/slides/slide27.xml><?xml version="1.0" encoding="utf-8"?>
+<p:sld xmlns:a="http://schemas.openxmlformats.org/drawingml/2006/main" xmlns:r="http://schemas.openxmlformats.org/officeDocument/2006/relationships" xmlns:p="http://schemas.openxmlformats.org/presentationml/2006/main">
+  <p:cSld>
+    <p:spTree>
+      <p:nvGrpSpPr>
+        <p:cNvPr id="1" name=""/>
+        <p:cNvGrpSpPr/>
+        <p:nvPr/>
+      </p:nvGrpSpPr>
+      <p:grpSpPr>
+        <a:xfrm>
+          <a:off x="0" y="0"/>
+          <a:ext cx="0" cy="0"/>
+          <a:chOff x="0" y="0"/>
+          <a:chExt cx="0" cy="0"/>
+        </a:xfrm>
+      </p:grpSpPr>
+      <p:sp>
+        <p:nvSpPr>
+          <p:cNvPr id="2" name="Title 1"/>
+          <p:cNvSpPr>
+            <a:spLocks noGrp="1"/>
+          </p:cNvSpPr>
+          <p:nvPr>
+            <p:ph type="title"/>
+          </p:nvPr>
+        </p:nvSpPr>
+        <p:spPr/>
+        <p:txBody>
+          <a:bodyPr/>
+          <a:lstStyle/>
+          <a:p>
+            <a:r>
+              <a:rPr lang="en-US" dirty="0"/>
+              <a:t>Aggregation and Association</a:t>
+            </a:r>
+          </a:p>
+        </p:txBody>
+      </p:sp>
+      <p:sp>
+        <p:nvSpPr>
+          <p:cNvPr id="3" name="Content Placeholder 2"/>
+          <p:cNvSpPr>
+            <a:spLocks noGrp="1"/>
+          </p:cNvSpPr>
+          <p:nvPr>
+            <p:ph idx="1"/>
+          </p:nvPr>
+        </p:nvSpPr>
+        <p:spPr/>
+        <p:txBody>
+          <a:bodyPr>
+            <a:normAutofit/>
+          </a:bodyPr>
+          <a:lstStyle/>
+          <a:p>
+            <a:r>
+              <a:rPr lang="en-US" dirty="0"/>
+              <a:t>It's easy to confuse aggregation and association, because they are often implemented in the same way. </a:t>
+            </a:r>
+          </a:p>
+          <a:p>
+            <a:r>
+              <a:rPr lang="en-US" dirty="0"/>
+              <a:t>Aggregation and Association are implemented with pointers and references. They are determined more by intent than by explicit language mechanisms. </a:t>
+            </a:r>
+          </a:p>
+          <a:p>
+            <a:r>
+              <a:rPr lang="en-US" dirty="0"/>
+              <a:t>Aggregation relationships tend to be fewer and more permanent than Association. </a:t>
+            </a:r>
+          </a:p>
+          <a:p>
+            <a:r>
+              <a:rPr lang="en-US" dirty="0"/>
+              <a:t>Associations, in contrast, are made and remade more frequently, sometimes existing only for the duration of an operation. </a:t>
+            </a:r>
+          </a:p>
+          <a:p>
+            <a:r>
+              <a:rPr lang="en-US" dirty="0"/>
+              <a:t>Association are more dynamic as well, making them more difficult to discern in the source code. </a:t>
+            </a:r>
+            <a:br>
+              <a:rPr lang="en-US" dirty="0"/>
+            </a:br>
+            <a:endParaRPr lang="en-US" dirty="0"/>
+          </a:p>
+        </p:txBody>
+      </p:sp>
+    </p:spTree>
+    <p:extLst>
+      <p:ext uri="{BB962C8B-B14F-4D97-AF65-F5344CB8AC3E}">
+        <p14:creationId xmlns:p14="http://schemas.microsoft.com/office/powerpoint/2010/main" val="1891008093"/>
+      </p:ext>
+    </p:extLst>
+  </p:cSld>
+  <p:clrMapOvr>
+    <a:masterClrMapping/>
+  </p:clrMapOvr>
+</p:sld>
+</file>
+
+<file path=ppt/slides/slide28.xml><?xml version="1.0" encoding="utf-8"?>
+<p:sld xmlns:a="http://schemas.openxmlformats.org/drawingml/2006/main" xmlns:r="http://schemas.openxmlformats.org/officeDocument/2006/relationships" xmlns:p="http://schemas.openxmlformats.org/presentationml/2006/main">
+  <p:cSld>
+    <p:spTree>
+      <p:nvGrpSpPr>
+        <p:cNvPr id="1" name=""/>
+        <p:cNvGrpSpPr/>
+        <p:nvPr/>
+      </p:nvGrpSpPr>
+      <p:grpSpPr>
+        <a:xfrm>
+          <a:off x="0" y="0"/>
+          <a:ext cx="0" cy="0"/>
+          <a:chOff x="0" y="0"/>
+          <a:chExt cx="0" cy="0"/>
+        </a:xfrm>
+      </p:grpSpPr>
+      <p:sp>
+        <p:nvSpPr>
+          <p:cNvPr id="2" name="Title 1"/>
+          <p:cNvSpPr>
+            <a:spLocks noGrp="1"/>
+          </p:cNvSpPr>
+          <p:nvPr>
+            <p:ph type="title"/>
+          </p:nvPr>
+        </p:nvSpPr>
+        <p:spPr/>
+        <p:txBody>
+          <a:bodyPr/>
+          <a:lstStyle/>
+          <a:p>
+            <a:r>
+              <a:rPr lang="en-US" dirty="0"/>
+              <a:t>Designing for Change</a:t>
+            </a:r>
+          </a:p>
+        </p:txBody>
+      </p:sp>
+      <p:sp>
+        <p:nvSpPr>
+          <p:cNvPr id="3" name="Content Placeholder 2"/>
+          <p:cNvSpPr>
+            <a:spLocks noGrp="1"/>
+          </p:cNvSpPr>
+          <p:nvPr>
+            <p:ph idx="1"/>
+          </p:nvPr>
+        </p:nvSpPr>
+        <p:spPr/>
+        <p:txBody>
+          <a:bodyPr>
+            <a:normAutofit/>
+          </a:bodyPr>
+          <a:lstStyle/>
+          <a:p>
+            <a:r>
+              <a:rPr lang="en-US" dirty="0"/>
+              <a:t>The key to maximizing reuse lies in anticipating new requirements and changes to existing requirements, and in designing your systems so that they can evolve accordingly.</a:t>
+            </a:r>
+          </a:p>
+          <a:p>
+            <a:r>
+              <a:rPr lang="en-US" dirty="0"/>
+              <a:t>To design the system so that it's robust to such changes, you must consider how the</a:t>
+            </a:r>
+            <a:br>
+              <a:rPr lang="en-US" dirty="0"/>
+            </a:br>
+            <a:r>
+              <a:rPr lang="en-US" dirty="0"/>
+              <a:t>system might need to change over its lifetime. </a:t>
+            </a:r>
+          </a:p>
+          <a:p>
+            <a:r>
+              <a:rPr lang="en-US" dirty="0"/>
+              <a:t>Those changes might involve class redefinition and reimplementation, client modification, and retesting. </a:t>
+            </a:r>
+          </a:p>
+          <a:p>
+            <a:r>
+              <a:rPr lang="en-US" dirty="0"/>
+              <a:t>Redesign affects many parts of the software system, and unanticipated changes are invariably expensive.</a:t>
+            </a:r>
+          </a:p>
+          <a:p>
+            <a:r>
+              <a:rPr lang="en-US" dirty="0"/>
+              <a:t>Design patterns help you avoid this by ensuring that a system can change in specific</a:t>
+            </a:r>
+            <a:br>
+              <a:rPr lang="en-US" dirty="0"/>
+            </a:br>
+            <a:r>
+              <a:rPr lang="en-US" dirty="0"/>
+              <a:t>ways. </a:t>
+            </a:r>
+          </a:p>
+        </p:txBody>
+      </p:sp>
+    </p:spTree>
+    <p:extLst>
+      <p:ext uri="{BB962C8B-B14F-4D97-AF65-F5344CB8AC3E}">
+        <p14:creationId xmlns:p14="http://schemas.microsoft.com/office/powerpoint/2010/main" val="412409465"/>
+      </p:ext>
+    </p:extLst>
+  </p:cSld>
+  <p:clrMapOvr>
+    <a:masterClrMapping/>
+  </p:clrMapOvr>
+</p:sld>
+</file>
+
+<file path=ppt/slides/slide29.xml><?xml version="1.0" encoding="utf-8"?>
+<p:sld xmlns:a="http://schemas.openxmlformats.org/drawingml/2006/main" xmlns:r="http://schemas.openxmlformats.org/officeDocument/2006/relationships" xmlns:p="http://schemas.openxmlformats.org/presentationml/2006/main">
+  <p:cSld>
+    <p:spTree>
+      <p:nvGrpSpPr>
+        <p:cNvPr id="1" name=""/>
+        <p:cNvGrpSpPr/>
+        <p:nvPr/>
+      </p:nvGrpSpPr>
+      <p:grpSpPr>
+        <a:xfrm>
+          <a:off x="0" y="0"/>
+          <a:ext cx="0" cy="0"/>
+          <a:chOff x="0" y="0"/>
+          <a:chExt cx="0" cy="0"/>
+        </a:xfrm>
+      </p:grpSpPr>
+      <p:sp>
+        <p:nvSpPr>
+          <p:cNvPr id="2" name="Title 1"/>
+          <p:cNvSpPr>
+            <a:spLocks noGrp="1"/>
+          </p:cNvSpPr>
+          <p:nvPr>
+            <p:ph type="title"/>
+          </p:nvPr>
+        </p:nvSpPr>
+        <p:spPr/>
+        <p:txBody>
+          <a:bodyPr/>
+          <a:lstStyle/>
+          <a:p>
+            <a:r>
+              <a:rPr lang="en-US" dirty="0"/>
+              <a:t>How to use a Design Pattern?</a:t>
+            </a:r>
+          </a:p>
+        </p:txBody>
+      </p:sp>
+      <p:sp>
+        <p:nvSpPr>
+          <p:cNvPr id="3" name="Content Placeholder 2"/>
+          <p:cNvSpPr>
+            <a:spLocks noGrp="1"/>
+          </p:cNvSpPr>
+          <p:nvPr>
+            <p:ph idx="1"/>
+          </p:nvPr>
+        </p:nvSpPr>
+        <p:spPr/>
+        <p:txBody>
+          <a:bodyPr>
+            <a:normAutofit/>
+          </a:bodyPr>
+          <a:lstStyle/>
+          <a:p>
+            <a:pPr>
+              <a:buFont typeface="+mj-lt"/>
+              <a:buAutoNum type="arabicPeriod"/>
+            </a:pPr>
+            <a:r>
+              <a:rPr lang="en-US" i="1" dirty="0"/>
+              <a:t>Read the pattern once through for an overview. </a:t>
+            </a:r>
+            <a:r>
+              <a:rPr lang="en-US" dirty="0"/>
+              <a:t>Pay particular attention to the Applicability and Consequences sections to ensure the pattern is right for your problem.</a:t>
+            </a:r>
+          </a:p>
+          <a:p>
+            <a:pPr>
+              <a:buFont typeface="+mj-lt"/>
+              <a:buAutoNum type="arabicPeriod"/>
+            </a:pPr>
+            <a:r>
+              <a:rPr lang="en-US" i="1" dirty="0"/>
+              <a:t>Go back and study the Structure, Participants, and Collaborations sections. </a:t>
+            </a:r>
+            <a:r>
+              <a:rPr lang="en-US" dirty="0"/>
+              <a:t>Make sure</a:t>
+            </a:r>
+            <a:br>
+              <a:rPr lang="en-US" dirty="0"/>
+            </a:br>
+            <a:r>
+              <a:rPr lang="en-US" dirty="0"/>
+              <a:t>you understand the classes and objects in the pattern and how they relate to one</a:t>
+            </a:r>
+            <a:br>
+              <a:rPr lang="en-US" dirty="0"/>
+            </a:br>
+            <a:r>
+              <a:rPr lang="en-US" dirty="0"/>
+              <a:t>another.</a:t>
+            </a:r>
+          </a:p>
+          <a:p>
+            <a:pPr>
+              <a:buFont typeface="+mj-lt"/>
+              <a:buAutoNum type="arabicPeriod"/>
+            </a:pPr>
+            <a:r>
+              <a:rPr lang="en-US" i="1" dirty="0"/>
+              <a:t>Look at the Sample Code section to see a concrete example of the pattern in code. </a:t>
+            </a:r>
+          </a:p>
+          <a:p>
+            <a:pPr>
+              <a:buFont typeface="+mj-lt"/>
+              <a:buAutoNum type="arabicPeriod"/>
+            </a:pPr>
+            <a:r>
+              <a:rPr lang="en-US" i="1" dirty="0"/>
+              <a:t>Choose names for pattern participants that are meaningful in the application context</a:t>
+            </a:r>
+          </a:p>
+          <a:p>
+            <a:pPr>
+              <a:buFont typeface="+mj-lt"/>
+              <a:buAutoNum type="arabicPeriod"/>
+            </a:pPr>
+            <a:r>
+              <a:rPr lang="en-US" i="1" dirty="0"/>
+              <a:t>Define the classes. </a:t>
+            </a:r>
+            <a:r>
+              <a:rPr lang="en-US" dirty="0"/>
+              <a:t>Declare their interfaces, establish their inheritance relationships,</a:t>
+            </a:r>
+            <a:br>
+              <a:rPr lang="en-US" dirty="0"/>
+            </a:br>
+            <a:r>
+              <a:rPr lang="en-US" dirty="0"/>
+              <a:t>and define the instance variables that represent data and object references. </a:t>
+            </a:r>
+            <a:br>
+              <a:rPr lang="en-US" dirty="0"/>
+            </a:br>
+            <a:endParaRPr lang="en-US" dirty="0"/>
+          </a:p>
+        </p:txBody>
+      </p:sp>
+    </p:spTree>
+    <p:extLst>
+      <p:ext uri="{BB962C8B-B14F-4D97-AF65-F5344CB8AC3E}">
+        <p14:creationId xmlns:p14="http://schemas.microsoft.com/office/powerpoint/2010/main" val="3055534392"/>
+      </p:ext>
+    </p:extLst>
+  </p:cSld>
+  <p:clrMapOvr>
+    <a:masterClrMapping/>
+  </p:clrMapOvr>
+</p:sld>
+</file>
+
+<file path=ppt/slides/slide3.xml><?xml version="1.0" encoding="utf-8"?>
+<p:sld xmlns:a="http://schemas.openxmlformats.org/drawingml/2006/main" xmlns:r="http://schemas.openxmlformats.org/officeDocument/2006/relationships" xmlns:p="http://schemas.openxmlformats.org/presentationml/2006/main">
+  <p:cSld>
+    <p:spTree>
+      <p:nvGrpSpPr>
+        <p:cNvPr id="1" name=""/>
+        <p:cNvGrpSpPr/>
+        <p:nvPr/>
+      </p:nvGrpSpPr>
+      <p:grpSpPr>
+        <a:xfrm>
+          <a:off x="0" y="0"/>
+          <a:ext cx="0" cy="0"/>
+          <a:chOff x="0" y="0"/>
+          <a:chExt cx="0" cy="0"/>
+        </a:xfrm>
+      </p:grpSpPr>
+      <p:sp>
+        <p:nvSpPr>
+          <p:cNvPr id="2" name="Title 1"/>
+          <p:cNvSpPr>
+            <a:spLocks noGrp="1"/>
+          </p:cNvSpPr>
+          <p:nvPr>
+            <p:ph type="title"/>
+          </p:nvPr>
+        </p:nvSpPr>
+        <p:spPr/>
+        <p:txBody>
+          <a:bodyPr/>
+          <a:lstStyle/>
+          <a:p>
+            <a:r>
+              <a:rPr lang="en-US" dirty="0"/>
+              <a:t>What are Design patterns?</a:t>
+            </a:r>
+          </a:p>
+        </p:txBody>
+      </p:sp>
+      <p:sp>
+        <p:nvSpPr>
+          <p:cNvPr id="3" name="Content Placeholder 2"/>
+          <p:cNvSpPr>
+            <a:spLocks noGrp="1"/>
+          </p:cNvSpPr>
+          <p:nvPr>
+            <p:ph idx="1"/>
+          </p:nvPr>
+        </p:nvSpPr>
+        <p:spPr/>
+        <p:txBody>
+          <a:bodyPr/>
+          <a:lstStyle/>
+          <a:p>
+            <a:r>
+              <a:rPr lang="en-US" dirty="0"/>
+              <a:t>Design patterns are generalized solutions to generalized problems that occur with some modicum of frequency when you're creating software using the object oriented programming paradigm.</a:t>
+            </a:r>
+            <a:br>
+              <a:rPr lang="en-US" dirty="0"/>
+            </a:br>
+            <a:br>
+              <a:rPr lang="en-US" dirty="0"/>
+            </a:br>
+            <a:r>
+              <a:rPr lang="en-US" dirty="0"/>
+              <a:t>*reference: </a:t>
+            </a:r>
+            <a:r>
+              <a:rPr lang="en-US" dirty="0">
+                <a:solidFill>
+                  <a:srgbClr val="FF0000"/>
+                </a:solidFill>
+              </a:rPr>
+              <a:t>Design Patterns in Game Programming by Michael Haney (https://www.gamasutra.com/blogs/MichaelHaney/20110920/90250/Design_Patterns_in_Game_Programming.php)</a:t>
+            </a:r>
+          </a:p>
+        </p:txBody>
+      </p:sp>
+    </p:spTree>
+    <p:extLst>
+      <p:ext uri="{BB962C8B-B14F-4D97-AF65-F5344CB8AC3E}">
+        <p14:creationId xmlns:p14="http://schemas.microsoft.com/office/powerpoint/2010/main" val="3044814418"/>
+      </p:ext>
+    </p:extLst>
+  </p:cSld>
+  <p:clrMapOvr>
+    <a:masterClrMapping/>
+  </p:clrMapOvr>
+</p:sld>
+</file>
+
+<file path=ppt/slides/slide30.xml><?xml version="1.0" encoding="utf-8"?>
+<p:sld xmlns:a="http://schemas.openxmlformats.org/drawingml/2006/main" xmlns:r="http://schemas.openxmlformats.org/officeDocument/2006/relationships" xmlns:p="http://schemas.openxmlformats.org/presentationml/2006/main">
+  <p:cSld>
+    <p:spTree>
+      <p:nvGrpSpPr>
+        <p:cNvPr id="1" name=""/>
+        <p:cNvGrpSpPr/>
+        <p:nvPr/>
+      </p:nvGrpSpPr>
+      <p:grpSpPr>
+        <a:xfrm>
+          <a:off x="0" y="0"/>
+          <a:ext cx="0" cy="0"/>
+          <a:chOff x="0" y="0"/>
+          <a:chExt cx="0" cy="0"/>
+        </a:xfrm>
+      </p:grpSpPr>
+      <p:sp>
+        <p:nvSpPr>
+          <p:cNvPr id="2" name="Title 1"/>
+          <p:cNvSpPr>
+            <a:spLocks noGrp="1"/>
+          </p:cNvSpPr>
+          <p:nvPr>
+            <p:ph type="title"/>
+          </p:nvPr>
+        </p:nvSpPr>
+        <p:spPr/>
+        <p:txBody>
+          <a:bodyPr/>
+          <a:lstStyle/>
+          <a:p>
+            <a:r>
+              <a:rPr lang="en-US" dirty="0"/>
+              <a:t>Factory (Creational Design Pattern)</a:t>
+            </a:r>
+          </a:p>
+        </p:txBody>
+      </p:sp>
+      <p:sp>
+        <p:nvSpPr>
+          <p:cNvPr id="3" name="Content Placeholder 2"/>
+          <p:cNvSpPr>
+            <a:spLocks noGrp="1"/>
+          </p:cNvSpPr>
+          <p:nvPr>
+            <p:ph idx="1"/>
+          </p:nvPr>
+        </p:nvSpPr>
+        <p:spPr/>
+        <p:txBody>
+          <a:bodyPr/>
+          <a:lstStyle/>
+          <a:p>
+            <a:pPr>
+              <a:buFont typeface="+mj-lt"/>
+              <a:buAutoNum type="arabicPeriod"/>
+            </a:pPr>
+            <a:r>
+              <a:rPr lang="en-US" dirty="0"/>
+              <a:t>It creates objects for you rather than you explicitly calling to make an object</a:t>
+            </a:r>
+          </a:p>
+        </p:txBody>
+      </p:sp>
+    </p:spTree>
+    <p:extLst>
+      <p:ext uri="{BB962C8B-B14F-4D97-AF65-F5344CB8AC3E}">
+        <p14:creationId xmlns:p14="http://schemas.microsoft.com/office/powerpoint/2010/main" val="253658386"/>
+      </p:ext>
+    </p:extLst>
+  </p:cSld>
+  <p:clrMapOvr>
+    <a:masterClrMapping/>
+  </p:clrMapOvr>
+</p:sld>
+</file>
+
+<file path=ppt/slides/slide31.xml><?xml version="1.0" encoding="utf-8"?>
+<p:sld xmlns:a="http://schemas.openxmlformats.org/drawingml/2006/main" xmlns:r="http://schemas.openxmlformats.org/officeDocument/2006/relationships" xmlns:p="http://schemas.openxmlformats.org/presentationml/2006/main">
+  <p:cSld>
+    <p:spTree>
+      <p:nvGrpSpPr>
+        <p:cNvPr id="1" name=""/>
+        <p:cNvGrpSpPr/>
+        <p:nvPr/>
+      </p:nvGrpSpPr>
+      <p:grpSpPr>
+        <a:xfrm>
+          <a:off x="0" y="0"/>
+          <a:ext cx="0" cy="0"/>
+          <a:chOff x="0" y="0"/>
+          <a:chExt cx="0" cy="0"/>
+        </a:xfrm>
+      </p:grpSpPr>
+      <p:sp>
+        <p:nvSpPr>
+          <p:cNvPr id="2" name="Title 1"/>
+          <p:cNvSpPr>
+            <a:spLocks noGrp="1"/>
+          </p:cNvSpPr>
+          <p:nvPr>
+            <p:ph type="title"/>
+          </p:nvPr>
+        </p:nvSpPr>
+        <p:spPr/>
+        <p:txBody>
+          <a:bodyPr/>
+          <a:lstStyle/>
+          <a:p>
+            <a:r>
+              <a:rPr lang="en-US" dirty="0"/>
+              <a:t>Implementation</a:t>
+            </a:r>
+          </a:p>
+        </p:txBody>
+      </p:sp>
+      <p:sp>
+        <p:nvSpPr>
+          <p:cNvPr id="3" name="Content Placeholder 2"/>
+          <p:cNvSpPr>
+            <a:spLocks noGrp="1"/>
+          </p:cNvSpPr>
+          <p:nvPr>
+            <p:ph idx="1"/>
+          </p:nvPr>
+        </p:nvSpPr>
+        <p:spPr/>
+        <p:txBody>
+          <a:bodyPr/>
+          <a:lstStyle/>
+          <a:p>
+            <a:r>
+              <a:rPr lang="en-US" dirty="0"/>
+              <a:t>Define an Interface or an abstract class for creating an object but let the subclasses decide which class to initiate</a:t>
+            </a:r>
+          </a:p>
+        </p:txBody>
+      </p:sp>
+    </p:spTree>
+    <p:extLst>
+      <p:ext uri="{BB962C8B-B14F-4D97-AF65-F5344CB8AC3E}">
+        <p14:creationId xmlns:p14="http://schemas.microsoft.com/office/powerpoint/2010/main" val="907144617"/>
+      </p:ext>
+    </p:extLst>
+  </p:cSld>
+  <p:clrMapOvr>
+    <a:masterClrMapping/>
+  </p:clrMapOvr>
+</p:sld>
+</file>
+
+<file path=ppt/slides/slide32.xml><?xml version="1.0" encoding="utf-8"?>
+<p:sld xmlns:a="http://schemas.openxmlformats.org/drawingml/2006/main" xmlns:r="http://schemas.openxmlformats.org/officeDocument/2006/relationships" xmlns:p="http://schemas.openxmlformats.org/presentationml/2006/main">
+  <p:cSld>
+    <p:spTree>
+      <p:nvGrpSpPr>
+        <p:cNvPr id="1" name=""/>
+        <p:cNvGrpSpPr/>
+        <p:nvPr/>
+      </p:nvGrpSpPr>
+      <p:grpSpPr>
+        <a:xfrm>
+          <a:off x="0" y="0"/>
+          <a:ext cx="0" cy="0"/>
+          <a:chOff x="0" y="0"/>
+          <a:chExt cx="0" cy="0"/>
+        </a:xfrm>
+      </p:grpSpPr>
+      <p:sp>
+        <p:nvSpPr>
+          <p:cNvPr id="2" name="Title 1"/>
+          <p:cNvSpPr>
+            <a:spLocks noGrp="1"/>
+          </p:cNvSpPr>
+          <p:nvPr>
+            <p:ph type="title"/>
+          </p:nvPr>
+        </p:nvSpPr>
+        <p:spPr/>
+        <p:txBody>
+          <a:bodyPr/>
+          <a:lstStyle/>
+          <a:p>
+            <a:r>
+              <a:rPr lang="en-US" dirty="0"/>
+              <a:t>UML</a:t>
+            </a:r>
+          </a:p>
+        </p:txBody>
+      </p:sp>
+      <p:grpSp>
+        <p:nvGrpSpPr>
+          <p:cNvPr id="6" name="Group 5"/>
+          <p:cNvGrpSpPr/>
+          <p:nvPr/>
+        </p:nvGrpSpPr>
+        <p:grpSpPr>
+          <a:xfrm>
+            <a:off x="5880752" y="2420570"/>
+            <a:ext cx="2828042" cy="1036948"/>
+            <a:chOff x="5184742" y="2375555"/>
+            <a:chExt cx="2828042" cy="1036948"/>
+          </a:xfrm>
+        </p:grpSpPr>
+        <p:sp>
+          <p:nvSpPr>
+            <p:cNvPr id="4" name="Rectangle 3"/>
+            <p:cNvSpPr/>
+            <p:nvPr/>
+          </p:nvSpPr>
+          <p:spPr>
+            <a:xfrm>
+              <a:off x="5184742" y="2375555"/>
+              <a:ext cx="2828042" cy="433633"/>
+            </a:xfrm>
+            <a:prstGeom prst="rect">
+              <a:avLst/>
+            </a:prstGeom>
+          </p:spPr>
+          <p:style>
+            <a:lnRef idx="2">
+              <a:schemeClr val="accent1">
+                <a:shade val="50000"/>
+              </a:schemeClr>
+            </a:lnRef>
+            <a:fillRef idx="1">
+              <a:schemeClr val="accent1"/>
+            </a:fillRef>
+            <a:effectRef idx="0">
+              <a:schemeClr val="accent1"/>
+            </a:effectRef>
+            <a:fontRef idx="minor">
+              <a:schemeClr val="lt1"/>
+            </a:fontRef>
+          </p:style>
+          <p:txBody>
+            <a:bodyPr rtlCol="0" anchor="ctr"/>
+            <a:lstStyle/>
+            <a:p>
+              <a:pPr algn="ctr"/>
+              <a:r>
+                <a:rPr lang="en-US" i="1" dirty="0"/>
+                <a:t>Toy</a:t>
+              </a:r>
+            </a:p>
+          </p:txBody>
+        </p:sp>
+        <p:sp>
+          <p:nvSpPr>
+            <p:cNvPr id="5" name="Rectangle 4"/>
+            <p:cNvSpPr/>
+            <p:nvPr/>
+          </p:nvSpPr>
+          <p:spPr>
+            <a:xfrm>
+              <a:off x="5184742" y="2809188"/>
+              <a:ext cx="2828042" cy="603315"/>
+            </a:xfrm>
+            <a:prstGeom prst="rect">
+              <a:avLst/>
+            </a:prstGeom>
+          </p:spPr>
+          <p:style>
+            <a:lnRef idx="2">
+              <a:schemeClr val="accent1">
+                <a:shade val="50000"/>
+              </a:schemeClr>
+            </a:lnRef>
+            <a:fillRef idx="1">
+              <a:schemeClr val="accent1"/>
+            </a:fillRef>
+            <a:effectRef idx="0">
+              <a:schemeClr val="accent1"/>
+            </a:effectRef>
+            <a:fontRef idx="minor">
+              <a:schemeClr val="lt1"/>
+            </a:fontRef>
+          </p:style>
+          <p:txBody>
+            <a:bodyPr rtlCol="0" anchor="ctr"/>
+            <a:lstStyle/>
+            <a:p>
+              <a:r>
+                <a:rPr lang="en-US" dirty="0"/>
+                <a:t>+ </a:t>
+              </a:r>
+              <a:r>
+                <a:rPr lang="en-US" i="1" dirty="0" err="1"/>
+                <a:t>CreateParts</a:t>
+              </a:r>
+              <a:r>
+                <a:rPr lang="en-US" i="1" dirty="0"/>
+                <a:t>(): void</a:t>
+              </a:r>
+            </a:p>
+            <a:p>
+              <a:r>
+                <a:rPr lang="en-US" dirty="0"/>
+                <a:t>+ </a:t>
+              </a:r>
+              <a:r>
+                <a:rPr lang="en-US" i="1" dirty="0" err="1"/>
+                <a:t>AssembleParts</a:t>
+              </a:r>
+              <a:r>
+                <a:rPr lang="en-US" i="1" dirty="0"/>
+                <a:t>(): void</a:t>
+              </a:r>
+            </a:p>
+          </p:txBody>
+        </p:sp>
+      </p:grpSp>
+      <p:grpSp>
+        <p:nvGrpSpPr>
+          <p:cNvPr id="7" name="Group 6"/>
+          <p:cNvGrpSpPr/>
+          <p:nvPr/>
+        </p:nvGrpSpPr>
+        <p:grpSpPr>
+          <a:xfrm>
+            <a:off x="2740056" y="4460450"/>
+            <a:ext cx="2828042" cy="1036948"/>
+            <a:chOff x="5184742" y="2375555"/>
+            <a:chExt cx="2828042" cy="1036948"/>
+          </a:xfrm>
+        </p:grpSpPr>
+        <p:sp>
+          <p:nvSpPr>
+            <p:cNvPr id="8" name="Rectangle 7"/>
+            <p:cNvSpPr/>
+            <p:nvPr/>
+          </p:nvSpPr>
+          <p:spPr>
+            <a:xfrm>
+              <a:off x="5184742" y="2375555"/>
+              <a:ext cx="2828042" cy="433633"/>
+            </a:xfrm>
+            <a:prstGeom prst="rect">
+              <a:avLst/>
+            </a:prstGeom>
+          </p:spPr>
+          <p:style>
+            <a:lnRef idx="2">
+              <a:schemeClr val="accent1">
+                <a:shade val="50000"/>
+              </a:schemeClr>
+            </a:lnRef>
+            <a:fillRef idx="1">
+              <a:schemeClr val="accent1"/>
+            </a:fillRef>
+            <a:effectRef idx="0">
+              <a:schemeClr val="accent1"/>
+            </a:effectRef>
+            <a:fontRef idx="minor">
+              <a:schemeClr val="lt1"/>
+            </a:fontRef>
+          </p:style>
+          <p:txBody>
+            <a:bodyPr rtlCol="0" anchor="ctr"/>
+            <a:lstStyle/>
+            <a:p>
+              <a:pPr algn="ctr"/>
+              <a:r>
+                <a:rPr lang="en-US" dirty="0"/>
+                <a:t>Car</a:t>
+              </a:r>
+            </a:p>
+          </p:txBody>
+        </p:sp>
+        <p:sp>
+          <p:nvSpPr>
+            <p:cNvPr id="9" name="Rectangle 8"/>
+            <p:cNvSpPr/>
+            <p:nvPr/>
+          </p:nvSpPr>
+          <p:spPr>
+            <a:xfrm>
+              <a:off x="5184742" y="2809188"/>
+              <a:ext cx="2828042" cy="603315"/>
+            </a:xfrm>
+            <a:prstGeom prst="rect">
+              <a:avLst/>
+            </a:prstGeom>
+          </p:spPr>
+          <p:style>
+            <a:lnRef idx="2">
+              <a:schemeClr val="accent1">
+                <a:shade val="50000"/>
+              </a:schemeClr>
+            </a:lnRef>
+            <a:fillRef idx="1">
+              <a:schemeClr val="accent1"/>
+            </a:fillRef>
+            <a:effectRef idx="0">
+              <a:schemeClr val="accent1"/>
+            </a:effectRef>
+            <a:fontRef idx="minor">
+              <a:schemeClr val="lt1"/>
+            </a:fontRef>
+          </p:style>
+          <p:txBody>
+            <a:bodyPr rtlCol="0" anchor="ctr"/>
+            <a:lstStyle/>
+            <a:p>
+              <a:r>
+                <a:rPr lang="en-US" dirty="0"/>
+                <a:t>+ </a:t>
+              </a:r>
+              <a:r>
+                <a:rPr lang="en-US" dirty="0" err="1"/>
+                <a:t>CreateParts</a:t>
+              </a:r>
+              <a:r>
+                <a:rPr lang="en-US" dirty="0"/>
+                <a:t>(): void</a:t>
+              </a:r>
+            </a:p>
+            <a:p>
+              <a:r>
+                <a:rPr lang="en-US" dirty="0"/>
+                <a:t>+ </a:t>
+              </a:r>
+              <a:r>
+                <a:rPr lang="en-US" dirty="0" err="1"/>
+                <a:t>AssembleParts</a:t>
+              </a:r>
+              <a:r>
+                <a:rPr lang="en-US" dirty="0"/>
+                <a:t>(): void</a:t>
+              </a:r>
+            </a:p>
+          </p:txBody>
+        </p:sp>
+      </p:grpSp>
+      <p:grpSp>
+        <p:nvGrpSpPr>
+          <p:cNvPr id="10" name="Group 9"/>
+          <p:cNvGrpSpPr/>
+          <p:nvPr/>
+        </p:nvGrpSpPr>
+        <p:grpSpPr>
+          <a:xfrm>
+            <a:off x="5880752" y="4460450"/>
+            <a:ext cx="2828042" cy="1036948"/>
+            <a:chOff x="5184742" y="2375555"/>
+            <a:chExt cx="2828042" cy="1036948"/>
+          </a:xfrm>
+        </p:grpSpPr>
+        <p:sp>
+          <p:nvSpPr>
+            <p:cNvPr id="11" name="Rectangle 10"/>
+            <p:cNvSpPr/>
+            <p:nvPr/>
+          </p:nvSpPr>
+          <p:spPr>
+            <a:xfrm>
+              <a:off x="5184742" y="2375555"/>
+              <a:ext cx="2828042" cy="433633"/>
+            </a:xfrm>
+            <a:prstGeom prst="rect">
+              <a:avLst/>
+            </a:prstGeom>
+          </p:spPr>
+          <p:style>
+            <a:lnRef idx="2">
+              <a:schemeClr val="accent1">
+                <a:shade val="50000"/>
+              </a:schemeClr>
+            </a:lnRef>
+            <a:fillRef idx="1">
+              <a:schemeClr val="accent1"/>
+            </a:fillRef>
+            <a:effectRef idx="0">
+              <a:schemeClr val="accent1"/>
+            </a:effectRef>
+            <a:fontRef idx="minor">
+              <a:schemeClr val="lt1"/>
+            </a:fontRef>
+          </p:style>
+          <p:txBody>
+            <a:bodyPr rtlCol="0" anchor="ctr"/>
+            <a:lstStyle/>
+            <a:p>
+              <a:pPr algn="ctr"/>
+              <a:r>
+                <a:rPr lang="en-US" dirty="0"/>
+                <a:t>Plane</a:t>
+              </a:r>
+            </a:p>
+          </p:txBody>
+        </p:sp>
+        <p:sp>
+          <p:nvSpPr>
+            <p:cNvPr id="12" name="Rectangle 11"/>
+            <p:cNvSpPr/>
+            <p:nvPr/>
+          </p:nvSpPr>
+          <p:spPr>
+            <a:xfrm>
+              <a:off x="5184742" y="2809188"/>
+              <a:ext cx="2828042" cy="603315"/>
+            </a:xfrm>
+            <a:prstGeom prst="rect">
+              <a:avLst/>
+            </a:prstGeom>
+          </p:spPr>
+          <p:style>
+            <a:lnRef idx="2">
+              <a:schemeClr val="accent1">
+                <a:shade val="50000"/>
+              </a:schemeClr>
+            </a:lnRef>
+            <a:fillRef idx="1">
+              <a:schemeClr val="accent1"/>
+            </a:fillRef>
+            <a:effectRef idx="0">
+              <a:schemeClr val="accent1"/>
+            </a:effectRef>
+            <a:fontRef idx="minor">
+              <a:schemeClr val="lt1"/>
+            </a:fontRef>
+          </p:style>
+          <p:txBody>
+            <a:bodyPr rtlCol="0" anchor="ctr"/>
+            <a:lstStyle/>
+            <a:p>
+              <a:r>
+                <a:rPr lang="en-US" dirty="0"/>
+                <a:t>+ </a:t>
+              </a:r>
+              <a:r>
+                <a:rPr lang="en-US" dirty="0" err="1"/>
+                <a:t>CreateParts</a:t>
+              </a:r>
+              <a:r>
+                <a:rPr lang="en-US" dirty="0"/>
+                <a:t>(): void</a:t>
+              </a:r>
+            </a:p>
+            <a:p>
+              <a:r>
+                <a:rPr lang="en-US" dirty="0"/>
+                <a:t>+ </a:t>
+              </a:r>
+              <a:r>
+                <a:rPr lang="en-US" dirty="0" err="1"/>
+                <a:t>AssembleParts</a:t>
+              </a:r>
+              <a:r>
+                <a:rPr lang="en-US" dirty="0"/>
+                <a:t>(): void</a:t>
+              </a:r>
+            </a:p>
+          </p:txBody>
+        </p:sp>
+      </p:grpSp>
+      <p:grpSp>
+        <p:nvGrpSpPr>
+          <p:cNvPr id="13" name="Group 12"/>
+          <p:cNvGrpSpPr/>
+          <p:nvPr/>
+        </p:nvGrpSpPr>
+        <p:grpSpPr>
+          <a:xfrm>
+            <a:off x="9021448" y="4460450"/>
+            <a:ext cx="2828042" cy="1036948"/>
+            <a:chOff x="5184742" y="2375555"/>
+            <a:chExt cx="2828042" cy="1036948"/>
+          </a:xfrm>
+        </p:grpSpPr>
+        <p:sp>
+          <p:nvSpPr>
+            <p:cNvPr id="14" name="Rectangle 13"/>
+            <p:cNvSpPr/>
+            <p:nvPr/>
+          </p:nvSpPr>
+          <p:spPr>
+            <a:xfrm>
+              <a:off x="5184742" y="2375555"/>
+              <a:ext cx="2828042" cy="433633"/>
+            </a:xfrm>
+            <a:prstGeom prst="rect">
+              <a:avLst/>
+            </a:prstGeom>
+          </p:spPr>
+          <p:style>
+            <a:lnRef idx="2">
+              <a:schemeClr val="accent1">
+                <a:shade val="50000"/>
+              </a:schemeClr>
+            </a:lnRef>
+            <a:fillRef idx="1">
+              <a:schemeClr val="accent1"/>
+            </a:fillRef>
+            <a:effectRef idx="0">
+              <a:schemeClr val="accent1"/>
+            </a:effectRef>
+            <a:fontRef idx="minor">
+              <a:schemeClr val="lt1"/>
+            </a:fontRef>
+          </p:style>
+          <p:txBody>
+            <a:bodyPr rtlCol="0" anchor="ctr"/>
+            <a:lstStyle/>
+            <a:p>
+              <a:pPr algn="ctr"/>
+              <a:r>
+                <a:rPr lang="en-US" dirty="0"/>
+                <a:t>Ship</a:t>
+              </a:r>
+            </a:p>
+          </p:txBody>
+        </p:sp>
+        <p:sp>
+          <p:nvSpPr>
+            <p:cNvPr id="15" name="Rectangle 14"/>
+            <p:cNvSpPr/>
+            <p:nvPr/>
+          </p:nvSpPr>
+          <p:spPr>
+            <a:xfrm>
+              <a:off x="5184742" y="2809188"/>
+              <a:ext cx="2828042" cy="603315"/>
+            </a:xfrm>
+            <a:prstGeom prst="rect">
+              <a:avLst/>
+            </a:prstGeom>
+          </p:spPr>
+          <p:style>
+            <a:lnRef idx="2">
+              <a:schemeClr val="accent1">
+                <a:shade val="50000"/>
+              </a:schemeClr>
+            </a:lnRef>
+            <a:fillRef idx="1">
+              <a:schemeClr val="accent1"/>
+            </a:fillRef>
+            <a:effectRef idx="0">
+              <a:schemeClr val="accent1"/>
+            </a:effectRef>
+            <a:fontRef idx="minor">
+              <a:schemeClr val="lt1"/>
+            </a:fontRef>
+          </p:style>
+          <p:txBody>
+            <a:bodyPr rtlCol="0" anchor="ctr"/>
+            <a:lstStyle/>
+            <a:p>
+              <a:r>
+                <a:rPr lang="en-US" dirty="0"/>
+                <a:t>+ </a:t>
+              </a:r>
+              <a:r>
+                <a:rPr lang="en-US" dirty="0" err="1"/>
+                <a:t>CreateParts</a:t>
+              </a:r>
+              <a:r>
+                <a:rPr lang="en-US" dirty="0"/>
+                <a:t>(): void</a:t>
+              </a:r>
+            </a:p>
+            <a:p>
+              <a:r>
+                <a:rPr lang="en-US" dirty="0"/>
+                <a:t>+ </a:t>
+              </a:r>
+              <a:r>
+                <a:rPr lang="en-US" dirty="0" err="1"/>
+                <a:t>AssembleParts</a:t>
+              </a:r>
+              <a:r>
+                <a:rPr lang="en-US" dirty="0"/>
+                <a:t>(): void</a:t>
+              </a:r>
+            </a:p>
+          </p:txBody>
+        </p:sp>
+      </p:grpSp>
+      <p:sp>
+        <p:nvSpPr>
+          <p:cNvPr id="16" name="Isosceles Triangle 15"/>
+          <p:cNvSpPr/>
+          <p:nvPr/>
+        </p:nvSpPr>
+        <p:spPr>
+          <a:xfrm>
+            <a:off x="7125090" y="3457518"/>
+            <a:ext cx="339365" cy="224124"/>
+          </a:xfrm>
+          <a:prstGeom prst="triangle">
+            <a:avLst/>
+          </a:prstGeom>
+        </p:spPr>
+        <p:style>
+          <a:lnRef idx="2">
+            <a:schemeClr val="accent1">
+              <a:shade val="50000"/>
+            </a:schemeClr>
+          </a:lnRef>
+          <a:fillRef idx="1">
+            <a:schemeClr val="accent1"/>
+          </a:fillRef>
+          <a:effectRef idx="0">
+            <a:schemeClr val="accent1"/>
+          </a:effectRef>
+          <a:fontRef idx="minor">
+            <a:schemeClr val="lt1"/>
+          </a:fontRef>
+        </p:style>
+        <p:txBody>
+          <a:bodyPr rtlCol="0" anchor="ctr"/>
+          <a:lstStyle/>
+          <a:p>
+            <a:pPr algn="ctr"/>
+            <a:endParaRPr lang="en-US"/>
+          </a:p>
+        </p:txBody>
+      </p:sp>
+      <p:cxnSp>
+        <p:nvCxnSpPr>
+          <p:cNvPr id="18" name="Elbow Connector 17"/>
+          <p:cNvCxnSpPr>
+            <a:stCxn id="16" idx="3"/>
+            <a:endCxn id="8" idx="0"/>
+          </p:cNvCxnSpPr>
+          <p:nvPr/>
+        </p:nvCxnSpPr>
+        <p:spPr>
+          <a:xfrm rot="5400000">
+            <a:off x="5335021" y="2500698"/>
+            <a:ext cx="778808" cy="3140696"/>
+          </a:xfrm>
+          <a:prstGeom prst="bentConnector3">
+            <a:avLst/>
+          </a:prstGeom>
+          <a:ln w="38100"/>
+        </p:spPr>
+        <p:style>
+          <a:lnRef idx="1">
+            <a:schemeClr val="accent1"/>
+          </a:lnRef>
+          <a:fillRef idx="0">
+            <a:schemeClr val="accent1"/>
+          </a:fillRef>
+          <a:effectRef idx="0">
+            <a:schemeClr val="accent1"/>
+          </a:effectRef>
+          <a:fontRef idx="minor">
+            <a:schemeClr val="tx1"/>
+          </a:fontRef>
+        </p:style>
+      </p:cxnSp>
+      <p:cxnSp>
+        <p:nvCxnSpPr>
+          <p:cNvPr id="20" name="Straight Connector 19"/>
+          <p:cNvCxnSpPr>
+            <a:stCxn id="16" idx="3"/>
+            <a:endCxn id="11" idx="0"/>
+          </p:cNvCxnSpPr>
+          <p:nvPr/>
+        </p:nvCxnSpPr>
+        <p:spPr>
+          <a:xfrm>
+            <a:off x="7294773" y="3681642"/>
+            <a:ext cx="0" cy="778808"/>
+          </a:xfrm>
+          <a:prstGeom prst="line">
+            <a:avLst/>
+          </a:prstGeom>
+          <a:ln w="38100"/>
+        </p:spPr>
+        <p:style>
+          <a:lnRef idx="1">
+            <a:schemeClr val="accent1"/>
+          </a:lnRef>
+          <a:fillRef idx="0">
+            <a:schemeClr val="accent1"/>
+          </a:fillRef>
+          <a:effectRef idx="0">
+            <a:schemeClr val="accent1"/>
+          </a:effectRef>
+          <a:fontRef idx="minor">
+            <a:schemeClr val="tx1"/>
+          </a:fontRef>
+        </p:style>
+      </p:cxnSp>
+      <p:cxnSp>
+        <p:nvCxnSpPr>
+          <p:cNvPr id="22" name="Elbow Connector 21"/>
+          <p:cNvCxnSpPr>
+            <a:stCxn id="16" idx="3"/>
+            <a:endCxn id="14" idx="0"/>
+          </p:cNvCxnSpPr>
+          <p:nvPr/>
+        </p:nvCxnSpPr>
+        <p:spPr>
+          <a:xfrm rot="16200000" flipH="1">
+            <a:off x="8475717" y="2500698"/>
+            <a:ext cx="778808" cy="3140696"/>
+          </a:xfrm>
+          <a:prstGeom prst="bentConnector3">
+            <a:avLst/>
+          </a:prstGeom>
+          <a:ln w="38100"/>
+        </p:spPr>
+        <p:style>
+          <a:lnRef idx="1">
+            <a:schemeClr val="accent1"/>
+          </a:lnRef>
+          <a:fillRef idx="0">
+            <a:schemeClr val="accent1"/>
+          </a:fillRef>
+          <a:effectRef idx="0">
+            <a:schemeClr val="accent1"/>
+          </a:effectRef>
+          <a:fontRef idx="minor">
+            <a:schemeClr val="tx1"/>
+          </a:fontRef>
+        </p:style>
+      </p:cxnSp>
+      <p:grpSp>
+        <p:nvGrpSpPr>
+          <p:cNvPr id="23" name="Group 22"/>
+          <p:cNvGrpSpPr/>
+          <p:nvPr/>
+        </p:nvGrpSpPr>
+        <p:grpSpPr>
+          <a:xfrm>
+            <a:off x="810000" y="2420570"/>
+            <a:ext cx="2828042" cy="1036948"/>
+            <a:chOff x="5184742" y="2375555"/>
+            <a:chExt cx="2828042" cy="1036948"/>
+          </a:xfrm>
+        </p:grpSpPr>
+        <p:sp>
+          <p:nvSpPr>
+            <p:cNvPr id="24" name="Rectangle 23"/>
+            <p:cNvSpPr/>
+            <p:nvPr/>
+          </p:nvSpPr>
+          <p:spPr>
+            <a:xfrm>
+              <a:off x="5184742" y="2375555"/>
+              <a:ext cx="2828042" cy="433633"/>
+            </a:xfrm>
+            <a:prstGeom prst="rect">
+              <a:avLst/>
+            </a:prstGeom>
+          </p:spPr>
+          <p:style>
+            <a:lnRef idx="2">
+              <a:schemeClr val="accent1">
+                <a:shade val="50000"/>
+              </a:schemeClr>
+            </a:lnRef>
+            <a:fillRef idx="1">
+              <a:schemeClr val="accent1"/>
+            </a:fillRef>
+            <a:effectRef idx="0">
+              <a:schemeClr val="accent1"/>
+            </a:effectRef>
+            <a:fontRef idx="minor">
+              <a:schemeClr val="lt1"/>
+            </a:fontRef>
+          </p:style>
+          <p:txBody>
+            <a:bodyPr rtlCol="0" anchor="ctr"/>
+            <a:lstStyle/>
+            <a:p>
+              <a:pPr algn="ctr"/>
+              <a:r>
+                <a:rPr lang="en-US" dirty="0" err="1"/>
+                <a:t>ToyFactory</a:t>
+              </a:r>
+              <a:endParaRPr lang="en-US" dirty="0"/>
+            </a:p>
+          </p:txBody>
+        </p:sp>
+        <p:sp>
+          <p:nvSpPr>
+            <p:cNvPr id="25" name="Rectangle 24"/>
+            <p:cNvSpPr/>
+            <p:nvPr/>
+          </p:nvSpPr>
+          <p:spPr>
+            <a:xfrm>
+              <a:off x="5184742" y="2809188"/>
+              <a:ext cx="2828042" cy="603315"/>
+            </a:xfrm>
+            <a:prstGeom prst="rect">
+              <a:avLst/>
+            </a:prstGeom>
+          </p:spPr>
+          <p:style>
+            <a:lnRef idx="2">
+              <a:schemeClr val="accent1">
+                <a:shade val="50000"/>
+              </a:schemeClr>
+            </a:lnRef>
+            <a:fillRef idx="1">
+              <a:schemeClr val="accent1"/>
+            </a:fillRef>
+            <a:effectRef idx="0">
+              <a:schemeClr val="accent1"/>
+            </a:effectRef>
+            <a:fontRef idx="minor">
+              <a:schemeClr val="lt1"/>
+            </a:fontRef>
+          </p:style>
+          <p:txBody>
+            <a:bodyPr rtlCol="0" anchor="ctr"/>
+            <a:lstStyle/>
+            <a:p>
+              <a:r>
+                <a:rPr lang="en-US" dirty="0"/>
+                <a:t>+ </a:t>
+              </a:r>
+              <a:r>
+                <a:rPr lang="en-US" u="sng" dirty="0" err="1"/>
+                <a:t>CreateToy</a:t>
+              </a:r>
+              <a:r>
+                <a:rPr lang="en-US" u="sng" dirty="0"/>
+                <a:t>(t: int): Toy</a:t>
+              </a:r>
+            </a:p>
+          </p:txBody>
+        </p:sp>
+      </p:grpSp>
+      <p:cxnSp>
+        <p:nvCxnSpPr>
+          <p:cNvPr id="27" name="Straight Arrow Connector 26"/>
+          <p:cNvCxnSpPr>
+            <a:stCxn id="25" idx="3"/>
+            <a:endCxn id="5" idx="1"/>
+          </p:cNvCxnSpPr>
+          <p:nvPr/>
+        </p:nvCxnSpPr>
+        <p:spPr>
+          <a:xfrm>
+            <a:off x="3638042" y="3155861"/>
+            <a:ext cx="2242710" cy="0"/>
+          </a:xfrm>
+          <a:prstGeom prst="straightConnector1">
+            <a:avLst/>
+          </a:prstGeom>
+          <a:ln w="38100">
+            <a:solidFill>
+              <a:schemeClr val="accent1"/>
+            </a:solidFill>
+            <a:headEnd type="none" w="med" len="med"/>
+            <a:tailEnd type="arrow" w="med" len="med"/>
+          </a:ln>
+        </p:spPr>
+        <p:style>
+          <a:lnRef idx="1">
+            <a:schemeClr val="accent1"/>
+          </a:lnRef>
+          <a:fillRef idx="0">
+            <a:schemeClr val="accent1"/>
+          </a:fillRef>
+          <a:effectRef idx="0">
+            <a:schemeClr val="accent1"/>
+          </a:effectRef>
+          <a:fontRef idx="minor">
+            <a:schemeClr val="tx1"/>
+          </a:fontRef>
+        </p:style>
+      </p:cxnSp>
+      <p:sp>
+        <p:nvSpPr>
+          <p:cNvPr id="28" name="TextBox 27"/>
+          <p:cNvSpPr txBox="1"/>
+          <p:nvPr/>
+        </p:nvSpPr>
+        <p:spPr>
+          <a:xfrm>
+            <a:off x="3959258" y="2854203"/>
+            <a:ext cx="1029449" cy="369332"/>
+          </a:xfrm>
+          <a:prstGeom prst="rect">
+            <a:avLst/>
+          </a:prstGeom>
+          <a:noFill/>
+        </p:spPr>
+        <p:txBody>
+          <a:bodyPr wrap="none" rtlCol="0">
+            <a:spAutoFit/>
+          </a:bodyPr>
+          <a:lstStyle/>
+          <a:p>
+            <a:r>
+              <a:rPr lang="en-US" dirty="0"/>
+              <a:t>creates</a:t>
+            </a:r>
+          </a:p>
+        </p:txBody>
+      </p:sp>
+      <p:sp>
+        <p:nvSpPr>
+          <p:cNvPr id="29" name="TextBox 28"/>
+          <p:cNvSpPr txBox="1"/>
+          <p:nvPr/>
+        </p:nvSpPr>
+        <p:spPr>
+          <a:xfrm>
+            <a:off x="3435176" y="6130998"/>
+            <a:ext cx="4665060" cy="369332"/>
+          </a:xfrm>
+          <a:prstGeom prst="rect">
+            <a:avLst/>
+          </a:prstGeom>
+          <a:noFill/>
+        </p:spPr>
+        <p:txBody>
+          <a:bodyPr wrap="none" rtlCol="0">
+            <a:spAutoFit/>
+          </a:bodyPr>
+          <a:lstStyle/>
+          <a:p>
+            <a:r>
+              <a:rPr lang="en-US" dirty="0"/>
+              <a:t>Write your own Java code. Take 15 </a:t>
+            </a:r>
+            <a:r>
+              <a:rPr lang="en-US" dirty="0" err="1"/>
+              <a:t>mins</a:t>
+            </a:r>
+            <a:endParaRPr lang="en-US" dirty="0"/>
+          </a:p>
+        </p:txBody>
+      </p:sp>
+    </p:spTree>
+    <p:extLst>
+      <p:ext uri="{BB962C8B-B14F-4D97-AF65-F5344CB8AC3E}">
+        <p14:creationId xmlns:p14="http://schemas.microsoft.com/office/powerpoint/2010/main" val="2426810401"/>
+      </p:ext>
+    </p:extLst>
+  </p:cSld>
+  <p:clrMapOvr>
+    <a:masterClrMapping/>
+  </p:clrMapOvr>
+</p:sld>
+</file>
+
+<file path=ppt/slides/slide33.xml><?xml version="1.0" encoding="utf-8"?>
+<p:sld xmlns:a="http://schemas.openxmlformats.org/drawingml/2006/main" xmlns:r="http://schemas.openxmlformats.org/officeDocument/2006/relationships" xmlns:p="http://schemas.openxmlformats.org/presentationml/2006/main">
+  <p:cSld>
+    <p:spTree>
+      <p:nvGrpSpPr>
+        <p:cNvPr id="1" name=""/>
+        <p:cNvGrpSpPr/>
+        <p:nvPr/>
+      </p:nvGrpSpPr>
+      <p:grpSpPr>
+        <a:xfrm>
+          <a:off x="0" y="0"/>
+          <a:ext cx="0" cy="0"/>
+          <a:chOff x="0" y="0"/>
+          <a:chExt cx="0" cy="0"/>
+        </a:xfrm>
+      </p:grpSpPr>
+      <p:sp>
+        <p:nvSpPr>
+          <p:cNvPr id="2" name="Title 1"/>
+          <p:cNvSpPr>
+            <a:spLocks noGrp="1"/>
+          </p:cNvSpPr>
+          <p:nvPr>
+            <p:ph type="title"/>
+          </p:nvPr>
+        </p:nvSpPr>
+        <p:spPr/>
+        <p:txBody>
+          <a:bodyPr/>
+          <a:lstStyle/>
+          <a:p>
+            <a:r>
+              <a:rPr lang="en-US" dirty="0"/>
+              <a:t>Advantages</a:t>
+            </a:r>
+          </a:p>
+        </p:txBody>
+      </p:sp>
+      <p:sp>
+        <p:nvSpPr>
+          <p:cNvPr id="3" name="Content Placeholder 2"/>
+          <p:cNvSpPr>
+            <a:spLocks noGrp="1"/>
+          </p:cNvSpPr>
+          <p:nvPr>
+            <p:ph idx="1"/>
+          </p:nvPr>
+        </p:nvSpPr>
+        <p:spPr/>
+        <p:txBody>
+          <a:bodyPr/>
+          <a:lstStyle/>
+          <a:p>
+            <a:r>
+              <a:rPr lang="en-US" dirty="0"/>
+              <a:t>Less code change if we change the object creation process.</a:t>
+            </a:r>
+          </a:p>
+          <a:p>
+            <a:r>
+              <a:rPr lang="en-US" dirty="0"/>
+              <a:t>We create object without exposing the creation logic to </a:t>
+            </a:r>
+            <a:r>
+              <a:rPr lang="en-US"/>
+              <a:t>the client.</a:t>
+            </a:r>
+            <a:endParaRPr lang="en-US" dirty="0"/>
+          </a:p>
+          <a:p>
+            <a:r>
+              <a:rPr lang="en-US" dirty="0"/>
+              <a:t>We get object creation at runtime.</a:t>
+            </a:r>
+          </a:p>
+        </p:txBody>
+      </p:sp>
+    </p:spTree>
+    <p:extLst>
+      <p:ext uri="{BB962C8B-B14F-4D97-AF65-F5344CB8AC3E}">
+        <p14:creationId xmlns:p14="http://schemas.microsoft.com/office/powerpoint/2010/main" val="1001376427"/>
+      </p:ext>
+    </p:extLst>
+  </p:cSld>
+  <p:clrMapOvr>
+    <a:masterClrMapping/>
+  </p:clrMapOvr>
+</p:sld>
+</file>
+
+<file path=ppt/slides/slide4.xml><?xml version="1.0" encoding="utf-8"?>
+<p:sld xmlns:a="http://schemas.openxmlformats.org/drawingml/2006/main" xmlns:r="http://schemas.openxmlformats.org/officeDocument/2006/relationships" xmlns:p="http://schemas.openxmlformats.org/presentationml/2006/main">
+  <p:cSld>
+    <p:spTree>
+      <p:nvGrpSpPr>
+        <p:cNvPr id="1" name=""/>
+        <p:cNvGrpSpPr/>
+        <p:nvPr/>
+      </p:nvGrpSpPr>
+      <p:grpSpPr>
+        <a:xfrm>
+          <a:off x="0" y="0"/>
+          <a:ext cx="0" cy="0"/>
+          <a:chOff x="0" y="0"/>
+          <a:chExt cx="0" cy="0"/>
+        </a:xfrm>
+      </p:grpSpPr>
+      <p:sp>
+        <p:nvSpPr>
+          <p:cNvPr id="2" name="Title 1"/>
+          <p:cNvSpPr>
+            <a:spLocks noGrp="1"/>
+          </p:cNvSpPr>
+          <p:nvPr>
+            <p:ph type="title"/>
+          </p:nvPr>
+        </p:nvSpPr>
+        <p:spPr/>
+        <p:txBody>
+          <a:bodyPr/>
+          <a:lstStyle/>
+          <a:p>
+            <a:r>
+              <a:rPr lang="en-US" dirty="0"/>
+              <a:t>Designing in OOP</a:t>
+            </a:r>
+          </a:p>
+        </p:txBody>
+      </p:sp>
+      <p:sp>
+        <p:nvSpPr>
+          <p:cNvPr id="3" name="Content Placeholder 2"/>
+          <p:cNvSpPr>
+            <a:spLocks noGrp="1"/>
+          </p:cNvSpPr>
+          <p:nvPr>
+            <p:ph idx="1"/>
+          </p:nvPr>
+        </p:nvSpPr>
+        <p:spPr/>
+        <p:txBody>
+          <a:bodyPr/>
+          <a:lstStyle/>
+          <a:p>
+            <a:r>
+              <a:rPr lang="en-US" dirty="0"/>
+              <a:t>Designing object-oriented software is hard, </a:t>
+            </a:r>
+          </a:p>
+          <a:p>
+            <a:r>
+              <a:rPr lang="en-US" dirty="0"/>
+              <a:t>and designing reusable object-oriented software is even harder. </a:t>
+            </a:r>
+          </a:p>
+        </p:txBody>
+      </p:sp>
+    </p:spTree>
+    <p:extLst>
+      <p:ext uri="{BB962C8B-B14F-4D97-AF65-F5344CB8AC3E}">
+        <p14:creationId xmlns:p14="http://schemas.microsoft.com/office/powerpoint/2010/main" val="933821803"/>
+      </p:ext>
+    </p:extLst>
+  </p:cSld>
+  <p:clrMapOvr>
+    <a:masterClrMapping/>
+  </p:clrMapOvr>
+</p:sld>
+</file>
+
+<file path=ppt/slides/slide5.xml><?xml version="1.0" encoding="utf-8"?>
+<p:sld xmlns:a="http://schemas.openxmlformats.org/drawingml/2006/main" xmlns:r="http://schemas.openxmlformats.org/officeDocument/2006/relationships" xmlns:p="http://schemas.openxmlformats.org/presentationml/2006/main">
+  <p:cSld>
+    <p:spTree>
+      <p:nvGrpSpPr>
+        <p:cNvPr id="1" name=""/>
+        <p:cNvGrpSpPr/>
+        <p:nvPr/>
+      </p:nvGrpSpPr>
+      <p:grpSpPr>
+        <a:xfrm>
+          <a:off x="0" y="0"/>
+          <a:ext cx="0" cy="0"/>
+          <a:chOff x="0" y="0"/>
+          <a:chExt cx="0" cy="0"/>
+        </a:xfrm>
+      </p:grpSpPr>
+      <p:sp>
+        <p:nvSpPr>
+          <p:cNvPr id="2" name="Title 1"/>
+          <p:cNvSpPr>
+            <a:spLocks noGrp="1"/>
+          </p:cNvSpPr>
+          <p:nvPr>
+            <p:ph type="title"/>
+          </p:nvPr>
+        </p:nvSpPr>
+        <p:spPr/>
+        <p:txBody>
+          <a:bodyPr/>
+          <a:lstStyle/>
+          <a:p>
+            <a:r>
+              <a:rPr lang="en-US" dirty="0"/>
               <a:t>But Why?</a:t>
             </a:r>
-            <a:endParaRPr lang="en-US" dirty="0"/>
           </a:p>
         </p:txBody>
       </p:sp>
@@ -5787,2190 +9547,6 @@
 </p:sld>
 </file>
 
-<file path=ppt/slides/slide13.xml><?xml version="1.0" encoding="utf-8"?>
-<p:sld xmlns:a="http://schemas.openxmlformats.org/drawingml/2006/main" xmlns:r="http://schemas.openxmlformats.org/officeDocument/2006/relationships" xmlns:p="http://schemas.openxmlformats.org/presentationml/2006/main">
-  <p:cSld>
-    <p:spTree>
-      <p:nvGrpSpPr>
-        <p:cNvPr id="1" name=""/>
-        <p:cNvGrpSpPr/>
-        <p:nvPr/>
-      </p:nvGrpSpPr>
-      <p:grpSpPr>
-        <a:xfrm>
-          <a:off x="0" y="0"/>
-          <a:ext cx="0" cy="0"/>
-          <a:chOff x="0" y="0"/>
-          <a:chExt cx="0" cy="0"/>
-        </a:xfrm>
-      </p:grpSpPr>
-      <p:sp>
-        <p:nvSpPr>
-          <p:cNvPr id="2" name="Title 1"/>
-          <p:cNvSpPr>
-            <a:spLocks noGrp="1"/>
-          </p:cNvSpPr>
-          <p:nvPr>
-            <p:ph type="title"/>
-          </p:nvPr>
-        </p:nvSpPr>
-        <p:spPr/>
-        <p:txBody>
-          <a:bodyPr/>
-          <a:lstStyle/>
-          <a:p>
-            <a:r>
-              <a:rPr lang="en-US" dirty="0" smtClean="0"/>
-              <a:t>But Why?</a:t>
-            </a:r>
-            <a:endParaRPr lang="en-US" dirty="0"/>
-          </a:p>
-        </p:txBody>
-      </p:sp>
-      <p:sp>
-        <p:nvSpPr>
-          <p:cNvPr id="3" name="Content Placeholder 2"/>
-          <p:cNvSpPr>
-            <a:spLocks noGrp="1"/>
-          </p:cNvSpPr>
-          <p:nvPr>
-            <p:ph idx="1"/>
-          </p:nvPr>
-        </p:nvSpPr>
-        <p:spPr/>
-        <p:txBody>
-          <a:bodyPr/>
-          <a:lstStyle/>
-          <a:p>
-            <a:r>
-              <a:rPr lang="en-US" dirty="0"/>
-              <a:t>You must find pertinent objects, </a:t>
-            </a:r>
-            <a:endParaRPr lang="en-US" dirty="0" smtClean="0"/>
-          </a:p>
-          <a:p>
-            <a:r>
-              <a:rPr lang="en-US" dirty="0" smtClean="0"/>
-              <a:t>factor </a:t>
-            </a:r>
-            <a:r>
-              <a:rPr lang="en-US" dirty="0"/>
-              <a:t>them into classes at the right granularity, </a:t>
-            </a:r>
-            <a:endParaRPr lang="en-US" dirty="0" smtClean="0"/>
-          </a:p>
-          <a:p>
-            <a:r>
-              <a:rPr lang="en-US" dirty="0" smtClean="0"/>
-              <a:t>define </a:t>
-            </a:r>
-            <a:r>
-              <a:rPr lang="en-US" dirty="0"/>
-              <a:t>class interfaces and inheritance hierarchies, </a:t>
-            </a:r>
-            <a:endParaRPr lang="en-US" dirty="0" smtClean="0"/>
-          </a:p>
-          <a:p>
-            <a:r>
-              <a:rPr lang="en-US" dirty="0" smtClean="0"/>
-              <a:t>and </a:t>
-            </a:r>
-            <a:r>
-              <a:rPr lang="en-US" dirty="0"/>
-              <a:t>establish key relationships among them. </a:t>
-            </a:r>
-          </a:p>
-          <a:p>
-            <a:endParaRPr lang="en-US" dirty="0"/>
-          </a:p>
-        </p:txBody>
-      </p:sp>
-    </p:spTree>
-    <p:extLst>
-      <p:ext uri="{BB962C8B-B14F-4D97-AF65-F5344CB8AC3E}">
-        <p14:creationId xmlns:p14="http://schemas.microsoft.com/office/powerpoint/2010/main" val="3706059456"/>
-      </p:ext>
-    </p:extLst>
-  </p:cSld>
-  <p:clrMapOvr>
-    <a:masterClrMapping/>
-  </p:clrMapOvr>
-  <p:timing>
-    <p:tnLst>
-      <p:par>
-        <p:cTn id="1" dur="indefinite" restart="never" nodeType="tmRoot"/>
-      </p:par>
-    </p:tnLst>
-  </p:timing>
-</p:sld>
-</file>
-
-<file path=ppt/slides/slide14.xml><?xml version="1.0" encoding="utf-8"?>
-<p:sld xmlns:a="http://schemas.openxmlformats.org/drawingml/2006/main" xmlns:r="http://schemas.openxmlformats.org/officeDocument/2006/relationships" xmlns:p="http://schemas.openxmlformats.org/presentationml/2006/main">
-  <p:cSld>
-    <p:spTree>
-      <p:nvGrpSpPr>
-        <p:cNvPr id="1" name=""/>
-        <p:cNvGrpSpPr/>
-        <p:nvPr/>
-      </p:nvGrpSpPr>
-      <p:grpSpPr>
-        <a:xfrm>
-          <a:off x="0" y="0"/>
-          <a:ext cx="0" cy="0"/>
-          <a:chOff x="0" y="0"/>
-          <a:chExt cx="0" cy="0"/>
-        </a:xfrm>
-      </p:grpSpPr>
-      <p:sp>
-        <p:nvSpPr>
-          <p:cNvPr id="2" name="Title 1"/>
-          <p:cNvSpPr>
-            <a:spLocks noGrp="1"/>
-          </p:cNvSpPr>
-          <p:nvPr>
-            <p:ph type="title"/>
-          </p:nvPr>
-        </p:nvSpPr>
-        <p:spPr/>
-        <p:txBody>
-          <a:bodyPr/>
-          <a:lstStyle/>
-          <a:p>
-            <a:r>
-              <a:rPr lang="en-US" dirty="0" smtClean="0"/>
-              <a:t>What a good design should be</a:t>
-            </a:r>
-            <a:endParaRPr lang="en-US" dirty="0"/>
-          </a:p>
-        </p:txBody>
-      </p:sp>
-      <p:sp>
-        <p:nvSpPr>
-          <p:cNvPr id="3" name="Content Placeholder 2"/>
-          <p:cNvSpPr>
-            <a:spLocks noGrp="1"/>
-          </p:cNvSpPr>
-          <p:nvPr>
-            <p:ph idx="1"/>
-          </p:nvPr>
-        </p:nvSpPr>
-        <p:spPr/>
-        <p:txBody>
-          <a:bodyPr/>
-          <a:lstStyle/>
-          <a:p>
-            <a:r>
-              <a:rPr lang="en-US" dirty="0"/>
-              <a:t>Your design should be specific to the problem at hand but also general enough to address future problems and requirements. </a:t>
-            </a:r>
-            <a:endParaRPr lang="en-US" dirty="0" smtClean="0"/>
-          </a:p>
-          <a:p>
-            <a:r>
-              <a:rPr lang="en-US" dirty="0" smtClean="0"/>
-              <a:t>You </a:t>
-            </a:r>
-            <a:r>
-              <a:rPr lang="en-US" dirty="0"/>
-              <a:t>also want to avoid redesign, or at least minimize it. </a:t>
-            </a:r>
-            <a:endParaRPr lang="en-US" dirty="0" smtClean="0"/>
-          </a:p>
-          <a:p>
-            <a:r>
-              <a:rPr lang="en-US" dirty="0"/>
-              <a:t>Experienced object-oriented designers will tell you that a reusable and flexible design is difficult if not impossible to get "right" the first time. </a:t>
-            </a:r>
-            <a:endParaRPr lang="en-US" dirty="0" smtClean="0"/>
-          </a:p>
-          <a:p>
-            <a:r>
-              <a:rPr lang="en-US" dirty="0" smtClean="0"/>
-              <a:t>Before </a:t>
-            </a:r>
-            <a:r>
-              <a:rPr lang="en-US" dirty="0"/>
-              <a:t>a design is finished, they usually try to reuse it several times, modifying it each time</a:t>
-            </a:r>
-            <a:r>
-              <a:rPr lang="en-US" dirty="0" smtClean="0"/>
-              <a:t>.</a:t>
-            </a:r>
-          </a:p>
-          <a:p>
-            <a:r>
-              <a:rPr lang="en-US" dirty="0"/>
-              <a:t>It takes a long time for novices to learn what good object-oriented design is all about</a:t>
-            </a:r>
-            <a:r>
-              <a:rPr lang="en-US" dirty="0" smtClean="0"/>
-              <a:t>. As long as you keep trying, you will be OK!</a:t>
-            </a:r>
-            <a:endParaRPr lang="en-US" dirty="0"/>
-          </a:p>
-        </p:txBody>
-      </p:sp>
-    </p:spTree>
-    <p:extLst>
-      <p:ext uri="{BB962C8B-B14F-4D97-AF65-F5344CB8AC3E}">
-        <p14:creationId xmlns:p14="http://schemas.microsoft.com/office/powerpoint/2010/main" val="3205303773"/>
-      </p:ext>
-    </p:extLst>
-  </p:cSld>
-  <p:clrMapOvr>
-    <a:masterClrMapping/>
-  </p:clrMapOvr>
-  <p:timing>
-    <p:tnLst>
-      <p:par>
-        <p:cTn id="1" dur="indefinite" restart="never" nodeType="tmRoot"/>
-      </p:par>
-    </p:tnLst>
-  </p:timing>
-</p:sld>
-</file>
-
-<file path=ppt/slides/slide15.xml><?xml version="1.0" encoding="utf-8"?>
-<p:sld xmlns:a="http://schemas.openxmlformats.org/drawingml/2006/main" xmlns:r="http://schemas.openxmlformats.org/officeDocument/2006/relationships" xmlns:p="http://schemas.openxmlformats.org/presentationml/2006/main">
-  <p:cSld>
-    <p:spTree>
-      <p:nvGrpSpPr>
-        <p:cNvPr id="1" name=""/>
-        <p:cNvGrpSpPr/>
-        <p:nvPr/>
-      </p:nvGrpSpPr>
-      <p:grpSpPr>
-        <a:xfrm>
-          <a:off x="0" y="0"/>
-          <a:ext cx="0" cy="0"/>
-          <a:chOff x="0" y="0"/>
-          <a:chExt cx="0" cy="0"/>
-        </a:xfrm>
-      </p:grpSpPr>
-      <p:sp>
-        <p:nvSpPr>
-          <p:cNvPr id="2" name="Title 1"/>
-          <p:cNvSpPr>
-            <a:spLocks noGrp="1"/>
-          </p:cNvSpPr>
-          <p:nvPr>
-            <p:ph type="title"/>
-          </p:nvPr>
-        </p:nvSpPr>
-        <p:spPr/>
-        <p:txBody>
-          <a:bodyPr/>
-          <a:lstStyle/>
-          <a:p>
-            <a:r>
-              <a:rPr lang="en-US" dirty="0" smtClean="0"/>
-              <a:t>Why use design patterns?</a:t>
-            </a:r>
-            <a:endParaRPr lang="en-US" dirty="0"/>
-          </a:p>
-        </p:txBody>
-      </p:sp>
-      <p:sp>
-        <p:nvSpPr>
-          <p:cNvPr id="3" name="Content Placeholder 2"/>
-          <p:cNvSpPr>
-            <a:spLocks noGrp="1"/>
-          </p:cNvSpPr>
-          <p:nvPr>
-            <p:ph idx="1"/>
-          </p:nvPr>
-        </p:nvSpPr>
-        <p:spPr/>
-        <p:txBody>
-          <a:bodyPr/>
-          <a:lstStyle/>
-          <a:p>
-            <a:r>
-              <a:rPr lang="en-US" dirty="0"/>
-              <a:t>T</a:t>
-            </a:r>
-            <a:r>
-              <a:rPr lang="en-US" dirty="0" smtClean="0"/>
-              <a:t>hese </a:t>
-            </a:r>
-            <a:r>
-              <a:rPr lang="en-US" dirty="0"/>
-              <a:t>solutions have existed for a relatively long time and many experts have used </a:t>
-            </a:r>
-            <a:r>
-              <a:rPr lang="en-US" dirty="0" smtClean="0"/>
-              <a:t>them.</a:t>
-            </a:r>
-          </a:p>
-          <a:p>
-            <a:r>
-              <a:rPr lang="en-US" dirty="0" smtClean="0"/>
-              <a:t>They are </a:t>
-            </a:r>
-            <a:r>
-              <a:rPr lang="en-US" dirty="0"/>
-              <a:t>likely better than any solution you could come up with on your own. </a:t>
-            </a:r>
-            <a:endParaRPr lang="en-US" dirty="0" smtClean="0"/>
-          </a:p>
-          <a:p>
-            <a:r>
-              <a:rPr lang="en-US" dirty="0" smtClean="0"/>
-              <a:t>Knowledge </a:t>
-            </a:r>
-            <a:r>
-              <a:rPr lang="en-US" dirty="0"/>
-              <a:t>of contextually pertinent design patterns helps you to make good architecture and design decisions.</a:t>
-            </a:r>
-          </a:p>
-        </p:txBody>
-      </p:sp>
-    </p:spTree>
-    <p:extLst>
-      <p:ext uri="{BB962C8B-B14F-4D97-AF65-F5344CB8AC3E}">
-        <p14:creationId xmlns:p14="http://schemas.microsoft.com/office/powerpoint/2010/main" val="874099682"/>
-      </p:ext>
-    </p:extLst>
-  </p:cSld>
-  <p:clrMapOvr>
-    <a:masterClrMapping/>
-  </p:clrMapOvr>
-</p:sld>
-</file>
-
-<file path=ppt/slides/slide16.xml><?xml version="1.0" encoding="utf-8"?>
-<p:sld xmlns:a="http://schemas.openxmlformats.org/drawingml/2006/main" xmlns:r="http://schemas.openxmlformats.org/officeDocument/2006/relationships" xmlns:p="http://schemas.openxmlformats.org/presentationml/2006/main">
-  <p:cSld>
-    <p:spTree>
-      <p:nvGrpSpPr>
-        <p:cNvPr id="1" name=""/>
-        <p:cNvGrpSpPr/>
-        <p:nvPr/>
-      </p:nvGrpSpPr>
-      <p:grpSpPr>
-        <a:xfrm>
-          <a:off x="0" y="0"/>
-          <a:ext cx="0" cy="0"/>
-          <a:chOff x="0" y="0"/>
-          <a:chExt cx="0" cy="0"/>
-        </a:xfrm>
-      </p:grpSpPr>
-      <p:sp>
-        <p:nvSpPr>
-          <p:cNvPr id="2" name="Title 1"/>
-          <p:cNvSpPr>
-            <a:spLocks noGrp="1"/>
-          </p:cNvSpPr>
-          <p:nvPr>
-            <p:ph type="title"/>
-          </p:nvPr>
-        </p:nvSpPr>
-        <p:spPr/>
-        <p:txBody>
-          <a:bodyPr/>
-          <a:lstStyle/>
-          <a:p>
-            <a:r>
-              <a:rPr lang="en-US" dirty="0" smtClean="0"/>
-              <a:t>A Design Pattern</a:t>
-            </a:r>
-            <a:endParaRPr lang="en-US" dirty="0"/>
-          </a:p>
-        </p:txBody>
-      </p:sp>
-      <p:sp>
-        <p:nvSpPr>
-          <p:cNvPr id="3" name="Content Placeholder 2"/>
-          <p:cNvSpPr>
-            <a:spLocks noGrp="1"/>
-          </p:cNvSpPr>
-          <p:nvPr>
-            <p:ph idx="1"/>
-          </p:nvPr>
-        </p:nvSpPr>
-        <p:spPr/>
-        <p:txBody>
-          <a:bodyPr>
-            <a:normAutofit fontScale="92500" lnSpcReduction="20000"/>
-          </a:bodyPr>
-          <a:lstStyle/>
-          <a:p>
-            <a:pPr marL="0" indent="0">
-              <a:buNone/>
-            </a:pPr>
-            <a:r>
-              <a:rPr lang="en-US" dirty="0"/>
-              <a:t>In general, a pattern has four essential elements</a:t>
-            </a:r>
-            <a:r>
-              <a:rPr lang="en-US" dirty="0" smtClean="0"/>
-              <a:t>:</a:t>
-            </a:r>
-          </a:p>
-          <a:p>
-            <a:r>
-              <a:rPr lang="en-US" b="1" dirty="0"/>
-              <a:t>The pattern name </a:t>
-            </a:r>
-            <a:r>
-              <a:rPr lang="en-US" dirty="0"/>
-              <a:t>is a handle we can use to describe a design problem, its solutions, and consequences in a word or two</a:t>
-            </a:r>
-            <a:r>
-              <a:rPr lang="en-US" dirty="0" smtClean="0"/>
-              <a:t>. </a:t>
-            </a:r>
-          </a:p>
-          <a:p>
-            <a:r>
-              <a:rPr lang="en-US" b="1" dirty="0" smtClean="0"/>
-              <a:t>The problem </a:t>
-            </a:r>
-            <a:r>
-              <a:rPr lang="en-US" dirty="0"/>
-              <a:t>describes when to apply the pattern. It explains the problem and </a:t>
-            </a:r>
-            <a:r>
-              <a:rPr lang="en-US" dirty="0" smtClean="0"/>
-              <a:t>its context</a:t>
-            </a:r>
-            <a:r>
-              <a:rPr lang="en-US" dirty="0"/>
-              <a:t>. </a:t>
-            </a:r>
-            <a:endParaRPr lang="en-US" dirty="0" smtClean="0"/>
-          </a:p>
-          <a:p>
-            <a:r>
-              <a:rPr lang="en-US" b="1" dirty="0" smtClean="0"/>
-              <a:t>The solution </a:t>
-            </a:r>
-            <a:r>
-              <a:rPr lang="en-US" dirty="0"/>
-              <a:t>describes the elements that make up the design, their </a:t>
-            </a:r>
-            <a:r>
-              <a:rPr lang="en-US" dirty="0" smtClean="0"/>
-              <a:t>relationships, responsibilities</a:t>
-            </a:r>
-            <a:r>
-              <a:rPr lang="en-US" dirty="0"/>
-              <a:t>, and collaborations. The solution doesn't describe a </a:t>
-            </a:r>
-            <a:r>
-              <a:rPr lang="en-US" dirty="0" smtClean="0"/>
-              <a:t>particular concrete </a:t>
-            </a:r>
-            <a:r>
-              <a:rPr lang="en-US" dirty="0"/>
-              <a:t>design or implementation, because a pattern is like a template that </a:t>
-            </a:r>
-            <a:r>
-              <a:rPr lang="en-US" dirty="0" smtClean="0"/>
-              <a:t>can be </a:t>
-            </a:r>
-            <a:r>
-              <a:rPr lang="en-US" dirty="0"/>
-              <a:t>applied in many different </a:t>
-            </a:r>
-            <a:r>
-              <a:rPr lang="en-US" dirty="0" smtClean="0"/>
-              <a:t>situations.</a:t>
-            </a:r>
-          </a:p>
-          <a:p>
-            <a:r>
-              <a:rPr lang="en-US" b="1" dirty="0" smtClean="0"/>
-              <a:t>The consequences </a:t>
-            </a:r>
-            <a:r>
-              <a:rPr lang="en-US" dirty="0"/>
-              <a:t>are the results and trade-offs of applying the pattern. </a:t>
-            </a:r>
-            <a:r>
-              <a:rPr lang="en-US" dirty="0" smtClean="0"/>
-              <a:t>They are critical </a:t>
-            </a:r>
-            <a:r>
-              <a:rPr lang="en-US" dirty="0"/>
-              <a:t>for evaluating design alternatives and for understanding the costs </a:t>
-            </a:r>
-            <a:r>
-              <a:rPr lang="en-US" dirty="0" smtClean="0"/>
-              <a:t>and benefits </a:t>
-            </a:r>
-            <a:r>
-              <a:rPr lang="en-US" dirty="0"/>
-              <a:t>of applying the pattern </a:t>
-            </a:r>
-            <a:br>
-              <a:rPr lang="en-US" dirty="0"/>
-            </a:br>
-            <a:r>
-              <a:rPr lang="en-US" dirty="0"/>
-              <a:t/>
-            </a:r>
-            <a:br>
-              <a:rPr lang="en-US" dirty="0"/>
-            </a:br>
-            <a:r>
-              <a:rPr lang="en-US" dirty="0"/>
-              <a:t/>
-            </a:r>
-            <a:br>
-              <a:rPr lang="en-US" dirty="0"/>
-            </a:br>
-            <a:endParaRPr lang="en-US" dirty="0"/>
-          </a:p>
-        </p:txBody>
-      </p:sp>
-    </p:spTree>
-    <p:extLst>
-      <p:ext uri="{BB962C8B-B14F-4D97-AF65-F5344CB8AC3E}">
-        <p14:creationId xmlns:p14="http://schemas.microsoft.com/office/powerpoint/2010/main" val="717085622"/>
-      </p:ext>
-    </p:extLst>
-  </p:cSld>
-  <p:clrMapOvr>
-    <a:masterClrMapping/>
-  </p:clrMapOvr>
-</p:sld>
-</file>
-
-<file path=ppt/slides/slide17.xml><?xml version="1.0" encoding="utf-8"?>
-<p:sld xmlns:a="http://schemas.openxmlformats.org/drawingml/2006/main" xmlns:r="http://schemas.openxmlformats.org/officeDocument/2006/relationships" xmlns:p="http://schemas.openxmlformats.org/presentationml/2006/main">
-  <p:cSld>
-    <p:spTree>
-      <p:nvGrpSpPr>
-        <p:cNvPr id="1" name=""/>
-        <p:cNvGrpSpPr/>
-        <p:nvPr/>
-      </p:nvGrpSpPr>
-      <p:grpSpPr>
-        <a:xfrm>
-          <a:off x="0" y="0"/>
-          <a:ext cx="0" cy="0"/>
-          <a:chOff x="0" y="0"/>
-          <a:chExt cx="0" cy="0"/>
-        </a:xfrm>
-      </p:grpSpPr>
-      <p:sp>
-        <p:nvSpPr>
-          <p:cNvPr id="2" name="Title 1"/>
-          <p:cNvSpPr>
-            <a:spLocks noGrp="1"/>
-          </p:cNvSpPr>
-          <p:nvPr>
-            <p:ph type="title"/>
-          </p:nvPr>
-        </p:nvSpPr>
-        <p:spPr/>
-        <p:txBody>
-          <a:bodyPr/>
-          <a:lstStyle/>
-          <a:p>
-            <a:r>
-              <a:rPr lang="en-US" dirty="0" smtClean="0"/>
-              <a:t>A Design Pattern</a:t>
-            </a:r>
-            <a:endParaRPr lang="en-US" dirty="0"/>
-          </a:p>
-        </p:txBody>
-      </p:sp>
-      <p:sp>
-        <p:nvSpPr>
-          <p:cNvPr id="3" name="Content Placeholder 2"/>
-          <p:cNvSpPr>
-            <a:spLocks noGrp="1"/>
-          </p:cNvSpPr>
-          <p:nvPr>
-            <p:ph idx="1"/>
-          </p:nvPr>
-        </p:nvSpPr>
-        <p:spPr/>
-        <p:txBody>
-          <a:bodyPr>
-            <a:normAutofit/>
-          </a:bodyPr>
-          <a:lstStyle/>
-          <a:p>
-            <a:r>
-              <a:rPr lang="en-US" dirty="0"/>
-              <a:t>A design pattern names, abstracts, and identifies the key aspects of a common design</a:t>
-            </a:r>
-            <a:br>
-              <a:rPr lang="en-US" dirty="0"/>
-            </a:br>
-            <a:r>
-              <a:rPr lang="en-US" dirty="0"/>
-              <a:t>structure that make it useful for creating a reusable object-oriented design. </a:t>
-            </a:r>
-            <a:endParaRPr lang="en-US" dirty="0" smtClean="0"/>
-          </a:p>
-          <a:p>
-            <a:r>
-              <a:rPr lang="en-US" dirty="0" smtClean="0"/>
-              <a:t>The design pattern </a:t>
-            </a:r>
-            <a:r>
-              <a:rPr lang="en-US" dirty="0"/>
-              <a:t>identifies the participating classes and instances, their roles and </a:t>
-            </a:r>
-            <a:r>
-              <a:rPr lang="en-US" dirty="0" smtClean="0"/>
-              <a:t>collaborations, </a:t>
-            </a:r>
-            <a:r>
-              <a:rPr lang="en-US" dirty="0"/>
-              <a:t>and the distribution of responsibilities </a:t>
-            </a:r>
-            <a:br>
-              <a:rPr lang="en-US" dirty="0"/>
-            </a:br>
-            <a:endParaRPr lang="en-US" dirty="0"/>
-          </a:p>
-        </p:txBody>
-      </p:sp>
-    </p:spTree>
-    <p:extLst>
-      <p:ext uri="{BB962C8B-B14F-4D97-AF65-F5344CB8AC3E}">
-        <p14:creationId xmlns:p14="http://schemas.microsoft.com/office/powerpoint/2010/main" val="792712962"/>
-      </p:ext>
-    </p:extLst>
-  </p:cSld>
-  <p:clrMapOvr>
-    <a:masterClrMapping/>
-  </p:clrMapOvr>
-</p:sld>
-</file>
-
-<file path=ppt/slides/slide18.xml><?xml version="1.0" encoding="utf-8"?>
-<p:sld xmlns:a="http://schemas.openxmlformats.org/drawingml/2006/main" xmlns:r="http://schemas.openxmlformats.org/officeDocument/2006/relationships" xmlns:p="http://schemas.openxmlformats.org/presentationml/2006/main">
-  <p:cSld>
-    <p:spTree>
-      <p:nvGrpSpPr>
-        <p:cNvPr id="1" name=""/>
-        <p:cNvGrpSpPr/>
-        <p:nvPr/>
-      </p:nvGrpSpPr>
-      <p:grpSpPr>
-        <a:xfrm>
-          <a:off x="0" y="0"/>
-          <a:ext cx="0" cy="0"/>
-          <a:chOff x="0" y="0"/>
-          <a:chExt cx="0" cy="0"/>
-        </a:xfrm>
-      </p:grpSpPr>
-      <p:sp>
-        <p:nvSpPr>
-          <p:cNvPr id="2" name="Title 1"/>
-          <p:cNvSpPr>
-            <a:spLocks noGrp="1"/>
-          </p:cNvSpPr>
-          <p:nvPr>
-            <p:ph type="title"/>
-          </p:nvPr>
-        </p:nvSpPr>
-        <p:spPr/>
-        <p:txBody>
-          <a:bodyPr/>
-          <a:lstStyle/>
-          <a:p>
-            <a:r>
-              <a:rPr lang="en-US" dirty="0" smtClean="0"/>
-              <a:t>Types of Design Patterns</a:t>
-            </a:r>
-            <a:endParaRPr lang="en-US" dirty="0"/>
-          </a:p>
-        </p:txBody>
-      </p:sp>
-      <p:sp>
-        <p:nvSpPr>
-          <p:cNvPr id="3" name="Content Placeholder 2"/>
-          <p:cNvSpPr>
-            <a:spLocks noGrp="1"/>
-          </p:cNvSpPr>
-          <p:nvPr>
-            <p:ph idx="1"/>
-          </p:nvPr>
-        </p:nvSpPr>
-        <p:spPr/>
-        <p:txBody>
-          <a:bodyPr/>
-          <a:lstStyle/>
-          <a:p>
-            <a:r>
-              <a:rPr lang="en-US" dirty="0" smtClean="0"/>
-              <a:t>Creational</a:t>
-            </a:r>
-          </a:p>
-          <a:p>
-            <a:r>
-              <a:rPr lang="en-US" dirty="0" smtClean="0"/>
-              <a:t>Structural</a:t>
-            </a:r>
-          </a:p>
-          <a:p>
-            <a:r>
-              <a:rPr lang="en-US" dirty="0" smtClean="0"/>
-              <a:t>Behavioral</a:t>
-            </a:r>
-            <a:endParaRPr lang="en-US" dirty="0"/>
-          </a:p>
-        </p:txBody>
-      </p:sp>
-    </p:spTree>
-    <p:extLst>
-      <p:ext uri="{BB962C8B-B14F-4D97-AF65-F5344CB8AC3E}">
-        <p14:creationId xmlns:p14="http://schemas.microsoft.com/office/powerpoint/2010/main" val="480978157"/>
-      </p:ext>
-    </p:extLst>
-  </p:cSld>
-  <p:clrMapOvr>
-    <a:masterClrMapping/>
-  </p:clrMapOvr>
-</p:sld>
-</file>
-
-<file path=ppt/slides/slide19.xml><?xml version="1.0" encoding="utf-8"?>
-<p:sld xmlns:a="http://schemas.openxmlformats.org/drawingml/2006/main" xmlns:r="http://schemas.openxmlformats.org/officeDocument/2006/relationships" xmlns:p="http://schemas.openxmlformats.org/presentationml/2006/main">
-  <p:cSld>
-    <p:spTree>
-      <p:nvGrpSpPr>
-        <p:cNvPr id="1" name=""/>
-        <p:cNvGrpSpPr/>
-        <p:nvPr/>
-      </p:nvGrpSpPr>
-      <p:grpSpPr>
-        <a:xfrm>
-          <a:off x="0" y="0"/>
-          <a:ext cx="0" cy="0"/>
-          <a:chOff x="0" y="0"/>
-          <a:chExt cx="0" cy="0"/>
-        </a:xfrm>
-      </p:grpSpPr>
-      <p:sp>
-        <p:nvSpPr>
-          <p:cNvPr id="2" name="Title 1"/>
-          <p:cNvSpPr>
-            <a:spLocks noGrp="1"/>
-          </p:cNvSpPr>
-          <p:nvPr>
-            <p:ph type="title"/>
-          </p:nvPr>
-        </p:nvSpPr>
-        <p:spPr/>
-        <p:txBody>
-          <a:bodyPr/>
-          <a:lstStyle/>
-          <a:p>
-            <a:r>
-              <a:rPr lang="en-US" dirty="0" smtClean="0"/>
-              <a:t>White-box reuse</a:t>
-            </a:r>
-            <a:endParaRPr lang="en-US" dirty="0"/>
-          </a:p>
-        </p:txBody>
-      </p:sp>
-      <p:sp>
-        <p:nvSpPr>
-          <p:cNvPr id="3" name="Content Placeholder 2"/>
-          <p:cNvSpPr>
-            <a:spLocks noGrp="1"/>
-          </p:cNvSpPr>
-          <p:nvPr>
-            <p:ph idx="1"/>
-          </p:nvPr>
-        </p:nvSpPr>
-        <p:spPr/>
-        <p:txBody>
-          <a:bodyPr/>
-          <a:lstStyle/>
-          <a:p>
-            <a:r>
-              <a:rPr lang="en-US" dirty="0"/>
-              <a:t>C</a:t>
-            </a:r>
-            <a:r>
-              <a:rPr lang="en-US" dirty="0" smtClean="0"/>
-              <a:t>lass </a:t>
-            </a:r>
-            <a:r>
-              <a:rPr lang="en-US" dirty="0"/>
-              <a:t>inheritance lets you define the implementation of one class in terms of another's. </a:t>
-            </a:r>
-            <a:r>
-              <a:rPr lang="en-US" dirty="0" smtClean="0"/>
-              <a:t>Reuse by sub-classing is </a:t>
-            </a:r>
-            <a:r>
-              <a:rPr lang="en-US" dirty="0"/>
-              <a:t>often referred to as white-box reuse. </a:t>
-            </a:r>
-            <a:endParaRPr lang="en-US" dirty="0" smtClean="0"/>
-          </a:p>
-          <a:p>
-            <a:r>
-              <a:rPr lang="en-US" dirty="0" smtClean="0"/>
-              <a:t>The </a:t>
-            </a:r>
-            <a:r>
-              <a:rPr lang="en-US" dirty="0"/>
-              <a:t>term </a:t>
-            </a:r>
-            <a:r>
-              <a:rPr lang="en-US" dirty="0" smtClean="0"/>
-              <a:t>“white-box” </a:t>
-            </a:r>
-            <a:r>
-              <a:rPr lang="en-US" dirty="0"/>
-              <a:t>refers to visibility: </a:t>
-            </a:r>
-            <a:r>
-              <a:rPr lang="en-US" dirty="0" smtClean="0"/>
-              <a:t>With inheritance</a:t>
-            </a:r>
-            <a:r>
-              <a:rPr lang="en-US" dirty="0"/>
-              <a:t>, the internals of parent classes are often visible to </a:t>
-            </a:r>
-            <a:r>
-              <a:rPr lang="en-US" dirty="0" smtClean="0"/>
-              <a:t>subclasses.</a:t>
-            </a:r>
-            <a:r>
-              <a:rPr lang="en-US" dirty="0"/>
-              <a:t/>
-            </a:r>
-            <a:br>
-              <a:rPr lang="en-US" dirty="0"/>
-            </a:br>
-            <a:endParaRPr lang="en-US" dirty="0"/>
-          </a:p>
-        </p:txBody>
-      </p:sp>
-    </p:spTree>
-    <p:extLst>
-      <p:ext uri="{BB962C8B-B14F-4D97-AF65-F5344CB8AC3E}">
-        <p14:creationId xmlns:p14="http://schemas.microsoft.com/office/powerpoint/2010/main" val="1577615249"/>
-      </p:ext>
-    </p:extLst>
-  </p:cSld>
-  <p:clrMapOvr>
-    <a:masterClrMapping/>
-  </p:clrMapOvr>
-</p:sld>
-</file>
-
-<file path=ppt/slides/slide2.xml><?xml version="1.0" encoding="utf-8"?>
-<p:sld xmlns:a="http://schemas.openxmlformats.org/drawingml/2006/main" xmlns:r="http://schemas.openxmlformats.org/officeDocument/2006/relationships" xmlns:p="http://schemas.openxmlformats.org/presentationml/2006/main">
-  <p:cSld>
-    <p:spTree>
-      <p:nvGrpSpPr>
-        <p:cNvPr id="1" name=""/>
-        <p:cNvGrpSpPr/>
-        <p:nvPr/>
-      </p:nvGrpSpPr>
-      <p:grpSpPr>
-        <a:xfrm>
-          <a:off x="0" y="0"/>
-          <a:ext cx="0" cy="0"/>
-          <a:chOff x="0" y="0"/>
-          <a:chExt cx="0" cy="0"/>
-        </a:xfrm>
-      </p:grpSpPr>
-      <p:sp>
-        <p:nvSpPr>
-          <p:cNvPr id="2" name="Title 1"/>
-          <p:cNvSpPr>
-            <a:spLocks noGrp="1"/>
-          </p:cNvSpPr>
-          <p:nvPr>
-            <p:ph type="title"/>
-          </p:nvPr>
-        </p:nvSpPr>
-        <p:spPr/>
-        <p:txBody>
-          <a:bodyPr/>
-          <a:lstStyle/>
-          <a:p>
-            <a:r>
-              <a:rPr lang="en-US" dirty="0" smtClean="0"/>
-              <a:t>Welcome back!</a:t>
-            </a:r>
-            <a:endParaRPr lang="en-US" dirty="0"/>
-          </a:p>
-        </p:txBody>
-      </p:sp>
-      <p:sp>
-        <p:nvSpPr>
-          <p:cNvPr id="3" name="Content Placeholder 2"/>
-          <p:cNvSpPr>
-            <a:spLocks noGrp="1"/>
-          </p:cNvSpPr>
-          <p:nvPr>
-            <p:ph idx="1"/>
-          </p:nvPr>
-        </p:nvSpPr>
-        <p:spPr/>
-        <p:txBody>
-          <a:bodyPr/>
-          <a:lstStyle/>
-          <a:p>
-            <a:r>
-              <a:rPr lang="en-US" dirty="0" smtClean="0"/>
-              <a:t>I hope that everyone is healthy and observing restrictions like any sane person</a:t>
-            </a:r>
-          </a:p>
-          <a:p>
-            <a:r>
-              <a:rPr lang="en-US" dirty="0" smtClean="0"/>
-              <a:t>The vacations did not feel like vacations but more like a feeling of impending doom</a:t>
-            </a:r>
-          </a:p>
-          <a:p>
-            <a:r>
-              <a:rPr lang="en-US" dirty="0" smtClean="0"/>
-              <a:t>I also hope that you managed to gain some new skills while staying at home</a:t>
-            </a:r>
-            <a:endParaRPr lang="en-US" dirty="0"/>
-          </a:p>
-        </p:txBody>
-      </p:sp>
-    </p:spTree>
-    <p:extLst>
-      <p:ext uri="{BB962C8B-B14F-4D97-AF65-F5344CB8AC3E}">
-        <p14:creationId xmlns:p14="http://schemas.microsoft.com/office/powerpoint/2010/main" val="1628496735"/>
-      </p:ext>
-    </p:extLst>
-  </p:cSld>
-  <p:clrMapOvr>
-    <a:masterClrMapping/>
-  </p:clrMapOvr>
-</p:sld>
-</file>
-
-<file path=ppt/slides/slide20.xml><?xml version="1.0" encoding="utf-8"?>
-<p:sld xmlns:a="http://schemas.openxmlformats.org/drawingml/2006/main" xmlns:r="http://schemas.openxmlformats.org/officeDocument/2006/relationships" xmlns:p="http://schemas.openxmlformats.org/presentationml/2006/main">
-  <p:cSld>
-    <p:spTree>
-      <p:nvGrpSpPr>
-        <p:cNvPr id="1" name=""/>
-        <p:cNvGrpSpPr/>
-        <p:nvPr/>
-      </p:nvGrpSpPr>
-      <p:grpSpPr>
-        <a:xfrm>
-          <a:off x="0" y="0"/>
-          <a:ext cx="0" cy="0"/>
-          <a:chOff x="0" y="0"/>
-          <a:chExt cx="0" cy="0"/>
-        </a:xfrm>
-      </p:grpSpPr>
-      <p:sp>
-        <p:nvSpPr>
-          <p:cNvPr id="2" name="Title 1"/>
-          <p:cNvSpPr>
-            <a:spLocks noGrp="1"/>
-          </p:cNvSpPr>
-          <p:nvPr>
-            <p:ph type="title"/>
-          </p:nvPr>
-        </p:nvSpPr>
-        <p:spPr/>
-        <p:txBody>
-          <a:bodyPr/>
-          <a:lstStyle/>
-          <a:p>
-            <a:r>
-              <a:rPr lang="en-US" dirty="0" smtClean="0"/>
-              <a:t>Black-box reuse</a:t>
-            </a:r>
-            <a:endParaRPr lang="en-US" dirty="0"/>
-          </a:p>
-        </p:txBody>
-      </p:sp>
-      <p:sp>
-        <p:nvSpPr>
-          <p:cNvPr id="3" name="Content Placeholder 2"/>
-          <p:cNvSpPr>
-            <a:spLocks noGrp="1"/>
-          </p:cNvSpPr>
-          <p:nvPr>
-            <p:ph idx="1"/>
-          </p:nvPr>
-        </p:nvSpPr>
-        <p:spPr/>
-        <p:txBody>
-          <a:bodyPr/>
-          <a:lstStyle/>
-          <a:p>
-            <a:r>
-              <a:rPr lang="en-US" dirty="0"/>
-              <a:t>Object composition is an alternative to class inheritance. Here, new functionality </a:t>
-            </a:r>
-            <a:r>
-              <a:rPr lang="en-US" dirty="0" smtClean="0"/>
-              <a:t>is obtained </a:t>
-            </a:r>
-            <a:r>
-              <a:rPr lang="en-US" dirty="0"/>
-              <a:t>by assembling or </a:t>
-            </a:r>
-            <a:r>
-              <a:rPr lang="en-US" b="1" i="1" dirty="0"/>
-              <a:t>composing</a:t>
-            </a:r>
-            <a:r>
-              <a:rPr lang="en-US" i="1" dirty="0"/>
-              <a:t> </a:t>
-            </a:r>
-            <a:r>
-              <a:rPr lang="en-US" dirty="0"/>
-              <a:t>objects to get more complex functionality. </a:t>
-            </a:r>
-            <a:endParaRPr lang="en-US" dirty="0" smtClean="0"/>
-          </a:p>
-          <a:p>
-            <a:r>
-              <a:rPr lang="en-US" dirty="0" smtClean="0"/>
-              <a:t>Object composition </a:t>
-            </a:r>
-            <a:r>
-              <a:rPr lang="en-US" dirty="0"/>
-              <a:t>requires that the objects being composed have well-defined </a:t>
-            </a:r>
-            <a:r>
-              <a:rPr lang="en-US" dirty="0" smtClean="0"/>
-              <a:t>interfaces. </a:t>
-            </a:r>
-          </a:p>
-          <a:p>
-            <a:r>
-              <a:rPr lang="en-US" dirty="0" smtClean="0"/>
-              <a:t>This </a:t>
-            </a:r>
-            <a:r>
-              <a:rPr lang="en-US" dirty="0"/>
-              <a:t>style of reuse is called black-box reuse, because no internal details of objects </a:t>
-            </a:r>
-            <a:r>
-              <a:rPr lang="en-US" dirty="0" smtClean="0"/>
-              <a:t>are visible</a:t>
-            </a:r>
-            <a:r>
-              <a:rPr lang="en-US" dirty="0"/>
-              <a:t>. Objects appear only as "black boxes." </a:t>
-            </a:r>
-            <a:br>
-              <a:rPr lang="en-US" dirty="0"/>
-            </a:br>
-            <a:endParaRPr lang="en-US" dirty="0"/>
-          </a:p>
-        </p:txBody>
-      </p:sp>
-    </p:spTree>
-    <p:extLst>
-      <p:ext uri="{BB962C8B-B14F-4D97-AF65-F5344CB8AC3E}">
-        <p14:creationId xmlns:p14="http://schemas.microsoft.com/office/powerpoint/2010/main" val="507559102"/>
-      </p:ext>
-    </p:extLst>
-  </p:cSld>
-  <p:clrMapOvr>
-    <a:masterClrMapping/>
-  </p:clrMapOvr>
-</p:sld>
-</file>
-
-<file path=ppt/slides/slide21.xml><?xml version="1.0" encoding="utf-8"?>
-<p:sld xmlns:a="http://schemas.openxmlformats.org/drawingml/2006/main" xmlns:r="http://schemas.openxmlformats.org/officeDocument/2006/relationships" xmlns:p="http://schemas.openxmlformats.org/presentationml/2006/main">
-  <p:cSld>
-    <p:spTree>
-      <p:nvGrpSpPr>
-        <p:cNvPr id="1" name=""/>
-        <p:cNvGrpSpPr/>
-        <p:nvPr/>
-      </p:nvGrpSpPr>
-      <p:grpSpPr>
-        <a:xfrm>
-          <a:off x="0" y="0"/>
-          <a:ext cx="0" cy="0"/>
-          <a:chOff x="0" y="0"/>
-          <a:chExt cx="0" cy="0"/>
-        </a:xfrm>
-      </p:grpSpPr>
-      <p:sp>
-        <p:nvSpPr>
-          <p:cNvPr id="2" name="Title 1"/>
-          <p:cNvSpPr>
-            <a:spLocks noGrp="1"/>
-          </p:cNvSpPr>
-          <p:nvPr>
-            <p:ph type="title"/>
-          </p:nvPr>
-        </p:nvSpPr>
-        <p:spPr/>
-        <p:txBody>
-          <a:bodyPr/>
-          <a:lstStyle/>
-          <a:p>
-            <a:r>
-              <a:rPr lang="en-US" dirty="0" smtClean="0"/>
-              <a:t>Advantages of Inheritance</a:t>
-            </a:r>
-            <a:endParaRPr lang="en-US" dirty="0"/>
-          </a:p>
-        </p:txBody>
-      </p:sp>
-      <p:sp>
-        <p:nvSpPr>
-          <p:cNvPr id="3" name="Content Placeholder 2"/>
-          <p:cNvSpPr>
-            <a:spLocks noGrp="1"/>
-          </p:cNvSpPr>
-          <p:nvPr>
-            <p:ph idx="1"/>
-          </p:nvPr>
-        </p:nvSpPr>
-        <p:spPr/>
-        <p:txBody>
-          <a:bodyPr/>
-          <a:lstStyle/>
-          <a:p>
-            <a:r>
-              <a:rPr lang="en-US" dirty="0" smtClean="0"/>
-              <a:t>Class inheritance </a:t>
-            </a:r>
-            <a:r>
-              <a:rPr lang="en-US" dirty="0"/>
-              <a:t>is defined statically at compile-time and is straightforward to use, since</a:t>
-            </a:r>
-            <a:br>
-              <a:rPr lang="en-US" dirty="0"/>
-            </a:br>
-            <a:r>
-              <a:rPr lang="en-US" dirty="0"/>
-              <a:t>it's supported directly by the programming language. </a:t>
-            </a:r>
-            <a:endParaRPr lang="en-US" dirty="0" smtClean="0"/>
-          </a:p>
-          <a:p>
-            <a:r>
-              <a:rPr lang="en-US" dirty="0" smtClean="0"/>
-              <a:t>Class </a:t>
-            </a:r>
-            <a:r>
-              <a:rPr lang="en-US" dirty="0"/>
-              <a:t>inheritance also makes </a:t>
-            </a:r>
-            <a:r>
-              <a:rPr lang="en-US" dirty="0" smtClean="0"/>
-              <a:t>it easier </a:t>
-            </a:r>
-            <a:r>
-              <a:rPr lang="en-US" dirty="0"/>
-              <a:t>to modify the implementation being reused. </a:t>
-            </a:r>
-            <a:endParaRPr lang="en-US" dirty="0" smtClean="0"/>
-          </a:p>
-          <a:p>
-            <a:r>
-              <a:rPr lang="en-US" dirty="0" smtClean="0"/>
-              <a:t>When </a:t>
-            </a:r>
-            <a:r>
-              <a:rPr lang="en-US" dirty="0"/>
-              <a:t>a subclass overrides </a:t>
-            </a:r>
-            <a:r>
-              <a:rPr lang="en-US" dirty="0" smtClean="0"/>
-              <a:t>some but </a:t>
-            </a:r>
-            <a:r>
-              <a:rPr lang="en-US" dirty="0"/>
-              <a:t>not all operations, it can affect the operations it inherits as well, assuming they </a:t>
-            </a:r>
-            <a:r>
-              <a:rPr lang="en-US" dirty="0" smtClean="0"/>
-              <a:t>call the </a:t>
-            </a:r>
-            <a:r>
-              <a:rPr lang="en-US" dirty="0"/>
-              <a:t>overridden operations. </a:t>
-            </a:r>
-            <a:br>
-              <a:rPr lang="en-US" dirty="0"/>
-            </a:br>
-            <a:endParaRPr lang="en-US" dirty="0"/>
-          </a:p>
-        </p:txBody>
-      </p:sp>
-    </p:spTree>
-    <p:extLst>
-      <p:ext uri="{BB962C8B-B14F-4D97-AF65-F5344CB8AC3E}">
-        <p14:creationId xmlns:p14="http://schemas.microsoft.com/office/powerpoint/2010/main" val="1190693796"/>
-      </p:ext>
-    </p:extLst>
-  </p:cSld>
-  <p:clrMapOvr>
-    <a:masterClrMapping/>
-  </p:clrMapOvr>
-</p:sld>
-</file>
-
-<file path=ppt/slides/slide22.xml><?xml version="1.0" encoding="utf-8"?>
-<p:sld xmlns:a="http://schemas.openxmlformats.org/drawingml/2006/main" xmlns:r="http://schemas.openxmlformats.org/officeDocument/2006/relationships" xmlns:p="http://schemas.openxmlformats.org/presentationml/2006/main">
-  <p:cSld>
-    <p:spTree>
-      <p:nvGrpSpPr>
-        <p:cNvPr id="1" name=""/>
-        <p:cNvGrpSpPr/>
-        <p:nvPr/>
-      </p:nvGrpSpPr>
-      <p:grpSpPr>
-        <a:xfrm>
-          <a:off x="0" y="0"/>
-          <a:ext cx="0" cy="0"/>
-          <a:chOff x="0" y="0"/>
-          <a:chExt cx="0" cy="0"/>
-        </a:xfrm>
-      </p:grpSpPr>
-      <p:sp>
-        <p:nvSpPr>
-          <p:cNvPr id="2" name="Title 1"/>
-          <p:cNvSpPr>
-            <a:spLocks noGrp="1"/>
-          </p:cNvSpPr>
-          <p:nvPr>
-            <p:ph type="title"/>
-          </p:nvPr>
-        </p:nvSpPr>
-        <p:spPr/>
-        <p:txBody>
-          <a:bodyPr/>
-          <a:lstStyle/>
-          <a:p>
-            <a:r>
-              <a:rPr lang="en-US" dirty="0" smtClean="0"/>
-              <a:t>Disadvantages of Inheritance</a:t>
-            </a:r>
-            <a:endParaRPr lang="en-US" dirty="0"/>
-          </a:p>
-        </p:txBody>
-      </p:sp>
-      <p:sp>
-        <p:nvSpPr>
-          <p:cNvPr id="3" name="Content Placeholder 2"/>
-          <p:cNvSpPr>
-            <a:spLocks noGrp="1"/>
-          </p:cNvSpPr>
-          <p:nvPr>
-            <p:ph idx="1"/>
-          </p:nvPr>
-        </p:nvSpPr>
-        <p:spPr/>
-        <p:txBody>
-          <a:bodyPr/>
-          <a:lstStyle/>
-          <a:p>
-            <a:r>
-              <a:rPr lang="en-US" dirty="0"/>
-              <a:t>Y</a:t>
-            </a:r>
-            <a:r>
-              <a:rPr lang="en-US" dirty="0" smtClean="0"/>
-              <a:t>ou </a:t>
-            </a:r>
-            <a:r>
-              <a:rPr lang="en-US" dirty="0"/>
-              <a:t>can't change the implementations inherited from parent classes at run-time, because inheritance is </a:t>
-            </a:r>
-            <a:r>
-              <a:rPr lang="en-US" dirty="0" smtClean="0"/>
-              <a:t>defined at </a:t>
-            </a:r>
-            <a:r>
-              <a:rPr lang="en-US" dirty="0"/>
-              <a:t>compile-time. </a:t>
-            </a:r>
-            <a:endParaRPr lang="en-US" dirty="0" smtClean="0"/>
-          </a:p>
-          <a:p>
-            <a:r>
-              <a:rPr lang="en-US" dirty="0" smtClean="0"/>
-              <a:t>Parent </a:t>
-            </a:r>
-            <a:r>
-              <a:rPr lang="en-US" dirty="0"/>
-              <a:t>classes often define at least </a:t>
-            </a:r>
-            <a:r>
-              <a:rPr lang="en-US" dirty="0" smtClean="0"/>
-              <a:t>part of </a:t>
-            </a:r>
-            <a:r>
-              <a:rPr lang="en-US" dirty="0"/>
-              <a:t>their subclasses' physical representation. Because inheritance exposes a subclass </a:t>
-            </a:r>
-            <a:r>
-              <a:rPr lang="en-US" dirty="0" smtClean="0"/>
-              <a:t>to details </a:t>
-            </a:r>
-            <a:r>
-              <a:rPr lang="en-US" dirty="0"/>
-              <a:t>of its parent's implementation, it's often said that </a:t>
-            </a:r>
-            <a:r>
-              <a:rPr lang="en-US" dirty="0" smtClean="0"/>
-              <a:t>“inheritance </a:t>
-            </a:r>
-            <a:r>
-              <a:rPr lang="en-US" dirty="0"/>
-              <a:t>breaks </a:t>
-            </a:r>
-            <a:r>
-              <a:rPr lang="en-US" dirty="0" smtClean="0"/>
-              <a:t>encapsulation”.</a:t>
-            </a:r>
-          </a:p>
-          <a:p>
-            <a:r>
-              <a:rPr lang="en-US" dirty="0" smtClean="0"/>
-              <a:t>The </a:t>
-            </a:r>
-            <a:r>
-              <a:rPr lang="en-US" dirty="0"/>
-              <a:t>implementation of a subclass becomes so bound up with </a:t>
-            </a:r>
-            <a:r>
-              <a:rPr lang="en-US" dirty="0" smtClean="0"/>
-              <a:t>the implementation </a:t>
-            </a:r>
-            <a:r>
-              <a:rPr lang="en-US" dirty="0"/>
-              <a:t>of its parent class that any change in the parent's implementation </a:t>
-            </a:r>
-            <a:r>
-              <a:rPr lang="en-US" dirty="0" smtClean="0"/>
-              <a:t>will force </a:t>
-            </a:r>
-            <a:r>
-              <a:rPr lang="en-US" dirty="0"/>
-              <a:t>the subclass to change. </a:t>
-            </a:r>
-            <a:br>
-              <a:rPr lang="en-US" dirty="0"/>
-            </a:br>
-            <a:endParaRPr lang="en-US" dirty="0"/>
-          </a:p>
-        </p:txBody>
-      </p:sp>
-    </p:spTree>
-    <p:extLst>
-      <p:ext uri="{BB962C8B-B14F-4D97-AF65-F5344CB8AC3E}">
-        <p14:creationId xmlns:p14="http://schemas.microsoft.com/office/powerpoint/2010/main" val="1725606182"/>
-      </p:ext>
-    </p:extLst>
-  </p:cSld>
-  <p:clrMapOvr>
-    <a:masterClrMapping/>
-  </p:clrMapOvr>
-</p:sld>
-</file>
-
-<file path=ppt/slides/slide23.xml><?xml version="1.0" encoding="utf-8"?>
-<p:sld xmlns:a="http://schemas.openxmlformats.org/drawingml/2006/main" xmlns:r="http://schemas.openxmlformats.org/officeDocument/2006/relationships" xmlns:p="http://schemas.openxmlformats.org/presentationml/2006/main">
-  <p:cSld>
-    <p:spTree>
-      <p:nvGrpSpPr>
-        <p:cNvPr id="1" name=""/>
-        <p:cNvGrpSpPr/>
-        <p:nvPr/>
-      </p:nvGrpSpPr>
-      <p:grpSpPr>
-        <a:xfrm>
-          <a:off x="0" y="0"/>
-          <a:ext cx="0" cy="0"/>
-          <a:chOff x="0" y="0"/>
-          <a:chExt cx="0" cy="0"/>
-        </a:xfrm>
-      </p:grpSpPr>
-      <p:sp>
-        <p:nvSpPr>
-          <p:cNvPr id="2" name="Title 1"/>
-          <p:cNvSpPr>
-            <a:spLocks noGrp="1"/>
-          </p:cNvSpPr>
-          <p:nvPr>
-            <p:ph type="title"/>
-          </p:nvPr>
-        </p:nvSpPr>
-        <p:spPr/>
-        <p:txBody>
-          <a:bodyPr/>
-          <a:lstStyle/>
-          <a:p>
-            <a:r>
-              <a:rPr lang="en-US" dirty="0" smtClean="0"/>
-              <a:t>Advantages of Object Composition</a:t>
-            </a:r>
-            <a:endParaRPr lang="en-US" dirty="0"/>
-          </a:p>
-        </p:txBody>
-      </p:sp>
-      <p:sp>
-        <p:nvSpPr>
-          <p:cNvPr id="3" name="Content Placeholder 2"/>
-          <p:cNvSpPr>
-            <a:spLocks noGrp="1"/>
-          </p:cNvSpPr>
-          <p:nvPr>
-            <p:ph idx="1"/>
-          </p:nvPr>
-        </p:nvSpPr>
-        <p:spPr/>
-        <p:txBody>
-          <a:bodyPr/>
-          <a:lstStyle/>
-          <a:p>
-            <a:r>
-              <a:rPr lang="en-US" dirty="0"/>
-              <a:t>Object composition is defined dynamically at run-time through objects acquiring references to other objects. </a:t>
-            </a:r>
-            <a:endParaRPr lang="en-US" dirty="0" smtClean="0"/>
-          </a:p>
-          <a:p>
-            <a:r>
-              <a:rPr lang="en-US" dirty="0" smtClean="0"/>
-              <a:t>Because </a:t>
-            </a:r>
-            <a:r>
-              <a:rPr lang="en-US" dirty="0"/>
-              <a:t>objects are accessed </a:t>
-            </a:r>
-            <a:r>
-              <a:rPr lang="en-US" dirty="0" smtClean="0"/>
-              <a:t>solely through </a:t>
-            </a:r>
-            <a:r>
-              <a:rPr lang="en-US" dirty="0"/>
-              <a:t>their interfaces, we don't break encapsulation. Any object can be replaced </a:t>
-            </a:r>
-            <a:r>
-              <a:rPr lang="en-US" dirty="0" smtClean="0"/>
-              <a:t>at run-time </a:t>
-            </a:r>
-            <a:r>
-              <a:rPr lang="en-US" dirty="0"/>
-              <a:t>by another as long as it has the same type. </a:t>
-            </a:r>
-            <a:endParaRPr lang="en-US" dirty="0" smtClean="0"/>
-          </a:p>
-          <a:p>
-            <a:r>
-              <a:rPr lang="en-US" dirty="0" smtClean="0"/>
-              <a:t>Moreover</a:t>
-            </a:r>
-            <a:r>
-              <a:rPr lang="en-US" dirty="0"/>
-              <a:t>, because an object's implementation will be written in terms of object interfaces, there are substantially </a:t>
-            </a:r>
-            <a:r>
-              <a:rPr lang="en-US" dirty="0" smtClean="0"/>
-              <a:t>fewer implementation </a:t>
-            </a:r>
-            <a:r>
-              <a:rPr lang="en-US" dirty="0"/>
-              <a:t>dependencies. </a:t>
-            </a:r>
-            <a:endParaRPr lang="en-US" dirty="0" smtClean="0"/>
-          </a:p>
-          <a:p>
-            <a:r>
-              <a:rPr lang="en-US" dirty="0"/>
-              <a:t>Favoring object </a:t>
-            </a:r>
-            <a:r>
-              <a:rPr lang="en-US" dirty="0" smtClean="0"/>
-              <a:t>composition over </a:t>
-            </a:r>
-            <a:r>
-              <a:rPr lang="en-US" dirty="0"/>
-              <a:t>class inheritance helps you keep each class encapsulated and focused on one task </a:t>
-            </a:r>
-            <a:br>
-              <a:rPr lang="en-US" dirty="0"/>
-            </a:br>
-            <a:r>
-              <a:rPr lang="en-US" dirty="0"/>
-              <a:t/>
-            </a:r>
-            <a:br>
-              <a:rPr lang="en-US" dirty="0"/>
-            </a:br>
-            <a:endParaRPr lang="en-US" dirty="0"/>
-          </a:p>
-        </p:txBody>
-      </p:sp>
-    </p:spTree>
-    <p:extLst>
-      <p:ext uri="{BB962C8B-B14F-4D97-AF65-F5344CB8AC3E}">
-        <p14:creationId xmlns:p14="http://schemas.microsoft.com/office/powerpoint/2010/main" val="3380369464"/>
-      </p:ext>
-    </p:extLst>
-  </p:cSld>
-  <p:clrMapOvr>
-    <a:masterClrMapping/>
-  </p:clrMapOvr>
-</p:sld>
-</file>
-
-<file path=ppt/slides/slide24.xml><?xml version="1.0" encoding="utf-8"?>
-<p:sld xmlns:a="http://schemas.openxmlformats.org/drawingml/2006/main" xmlns:r="http://schemas.openxmlformats.org/officeDocument/2006/relationships" xmlns:p="http://schemas.openxmlformats.org/presentationml/2006/main">
-  <p:cSld>
-    <p:spTree>
-      <p:nvGrpSpPr>
-        <p:cNvPr id="1" name=""/>
-        <p:cNvGrpSpPr/>
-        <p:nvPr/>
-      </p:nvGrpSpPr>
-      <p:grpSpPr>
-        <a:xfrm>
-          <a:off x="0" y="0"/>
-          <a:ext cx="0" cy="0"/>
-          <a:chOff x="0" y="0"/>
-          <a:chExt cx="0" cy="0"/>
-        </a:xfrm>
-      </p:grpSpPr>
-      <p:sp>
-        <p:nvSpPr>
-          <p:cNvPr id="2" name="Title 1"/>
-          <p:cNvSpPr>
-            <a:spLocks noGrp="1"/>
-          </p:cNvSpPr>
-          <p:nvPr>
-            <p:ph type="title"/>
-          </p:nvPr>
-        </p:nvSpPr>
-        <p:spPr/>
-        <p:txBody>
-          <a:bodyPr/>
-          <a:lstStyle/>
-          <a:p>
-            <a:r>
-              <a:rPr lang="en-US" dirty="0" smtClean="0"/>
-              <a:t>Disadvantages of Object Composition</a:t>
-            </a:r>
-            <a:endParaRPr lang="en-US" dirty="0"/>
-          </a:p>
-        </p:txBody>
-      </p:sp>
-      <p:sp>
-        <p:nvSpPr>
-          <p:cNvPr id="3" name="Content Placeholder 2"/>
-          <p:cNvSpPr>
-            <a:spLocks noGrp="1"/>
-          </p:cNvSpPr>
-          <p:nvPr>
-            <p:ph idx="1"/>
-          </p:nvPr>
-        </p:nvSpPr>
-        <p:spPr/>
-        <p:txBody>
-          <a:bodyPr/>
-          <a:lstStyle/>
-          <a:p>
-            <a:r>
-              <a:rPr lang="en-US" dirty="0"/>
-              <a:t>A</a:t>
-            </a:r>
-            <a:r>
-              <a:rPr lang="en-US" dirty="0" smtClean="0"/>
-              <a:t> </a:t>
-            </a:r>
-            <a:r>
-              <a:rPr lang="en-US" dirty="0"/>
-              <a:t>design based on object composition </a:t>
-            </a:r>
-            <a:r>
-              <a:rPr lang="en-US" dirty="0" smtClean="0"/>
-              <a:t>will have </a:t>
-            </a:r>
-            <a:r>
-              <a:rPr lang="en-US" dirty="0"/>
-              <a:t>more objects (if fewer </a:t>
-            </a:r>
-            <a:r>
-              <a:rPr lang="en-US" dirty="0" smtClean="0"/>
-              <a:t>classes) </a:t>
-            </a:r>
-          </a:p>
-          <a:p>
-            <a:r>
-              <a:rPr lang="en-US" dirty="0" smtClean="0"/>
-              <a:t>The </a:t>
-            </a:r>
-            <a:r>
-              <a:rPr lang="en-US" dirty="0"/>
-              <a:t>system's behavior will depend on </a:t>
-            </a:r>
-            <a:r>
-              <a:rPr lang="en-US" dirty="0" smtClean="0"/>
-              <a:t>their interrelationships </a:t>
-            </a:r>
-            <a:r>
-              <a:rPr lang="en-US" dirty="0"/>
-              <a:t>instead of being defined in one class. </a:t>
-            </a:r>
-            <a:br>
-              <a:rPr lang="en-US" dirty="0"/>
-            </a:br>
-            <a:endParaRPr lang="en-US" dirty="0"/>
-          </a:p>
-        </p:txBody>
-      </p:sp>
-    </p:spTree>
-    <p:extLst>
-      <p:ext uri="{BB962C8B-B14F-4D97-AF65-F5344CB8AC3E}">
-        <p14:creationId xmlns:p14="http://schemas.microsoft.com/office/powerpoint/2010/main" val="4248361014"/>
-      </p:ext>
-    </p:extLst>
-  </p:cSld>
-  <p:clrMapOvr>
-    <a:masterClrMapping/>
-  </p:clrMapOvr>
-</p:sld>
-</file>
-
-<file path=ppt/slides/slide25.xml><?xml version="1.0" encoding="utf-8"?>
-<p:sld xmlns:a="http://schemas.openxmlformats.org/drawingml/2006/main" xmlns:r="http://schemas.openxmlformats.org/officeDocument/2006/relationships" xmlns:p="http://schemas.openxmlformats.org/presentationml/2006/main">
-  <p:cSld>
-    <p:spTree>
-      <p:nvGrpSpPr>
-        <p:cNvPr id="1" name=""/>
-        <p:cNvGrpSpPr/>
-        <p:nvPr/>
-      </p:nvGrpSpPr>
-      <p:grpSpPr>
-        <a:xfrm>
-          <a:off x="0" y="0"/>
-          <a:ext cx="0" cy="0"/>
-          <a:chOff x="0" y="0"/>
-          <a:chExt cx="0" cy="0"/>
-        </a:xfrm>
-      </p:grpSpPr>
-      <p:sp>
-        <p:nvSpPr>
-          <p:cNvPr id="2" name="Title 1"/>
-          <p:cNvSpPr>
-            <a:spLocks noGrp="1"/>
-          </p:cNvSpPr>
-          <p:nvPr>
-            <p:ph type="title"/>
-          </p:nvPr>
-        </p:nvSpPr>
-        <p:spPr/>
-        <p:txBody>
-          <a:bodyPr/>
-          <a:lstStyle/>
-          <a:p>
-            <a:r>
-              <a:rPr lang="en-US" dirty="0" smtClean="0"/>
-              <a:t>Two Principles of OOP Design</a:t>
-            </a:r>
-            <a:endParaRPr lang="en-US" dirty="0"/>
-          </a:p>
-        </p:txBody>
-      </p:sp>
-      <p:sp>
-        <p:nvSpPr>
-          <p:cNvPr id="3" name="Content Placeholder 2"/>
-          <p:cNvSpPr>
-            <a:spLocks noGrp="1"/>
-          </p:cNvSpPr>
-          <p:nvPr>
-            <p:ph idx="1"/>
-          </p:nvPr>
-        </p:nvSpPr>
-        <p:spPr/>
-        <p:txBody>
-          <a:bodyPr/>
-          <a:lstStyle/>
-          <a:p>
-            <a:r>
-              <a:rPr lang="en-US" i="1" dirty="0"/>
-              <a:t>Program to an interface, not </a:t>
-            </a:r>
-            <a:r>
-              <a:rPr lang="en-US" i="1" dirty="0" smtClean="0"/>
-              <a:t>an implementation</a:t>
-            </a:r>
-            <a:r>
-              <a:rPr lang="en-US" i="1" dirty="0"/>
-              <a:t>.</a:t>
-            </a:r>
-            <a:r>
-              <a:rPr lang="en-US" dirty="0"/>
-              <a:t> </a:t>
-            </a:r>
-            <a:endParaRPr lang="en-US" i="1" dirty="0" smtClean="0"/>
-          </a:p>
-          <a:p>
-            <a:r>
-              <a:rPr lang="en-US" i="1" dirty="0" smtClean="0"/>
-              <a:t>Favor </a:t>
-            </a:r>
-            <a:r>
-              <a:rPr lang="en-US" i="1" dirty="0"/>
-              <a:t>object composition over class inheritance.</a:t>
-            </a:r>
-            <a:r>
-              <a:rPr lang="en-US" dirty="0"/>
-              <a:t> </a:t>
-            </a:r>
-          </a:p>
-        </p:txBody>
-      </p:sp>
-    </p:spTree>
-    <p:extLst>
-      <p:ext uri="{BB962C8B-B14F-4D97-AF65-F5344CB8AC3E}">
-        <p14:creationId xmlns:p14="http://schemas.microsoft.com/office/powerpoint/2010/main" val="2669007537"/>
-      </p:ext>
-    </p:extLst>
-  </p:cSld>
-  <p:clrMapOvr>
-    <a:masterClrMapping/>
-  </p:clrMapOvr>
-</p:sld>
-</file>
-
-<file path=ppt/slides/slide26.xml><?xml version="1.0" encoding="utf-8"?>
-<p:sld xmlns:a="http://schemas.openxmlformats.org/drawingml/2006/main" xmlns:r="http://schemas.openxmlformats.org/officeDocument/2006/relationships" xmlns:p="http://schemas.openxmlformats.org/presentationml/2006/main">
-  <p:cSld>
-    <p:spTree>
-      <p:nvGrpSpPr>
-        <p:cNvPr id="1" name=""/>
-        <p:cNvGrpSpPr/>
-        <p:nvPr/>
-      </p:nvGrpSpPr>
-      <p:grpSpPr>
-        <a:xfrm>
-          <a:off x="0" y="0"/>
-          <a:ext cx="0" cy="0"/>
-          <a:chOff x="0" y="0"/>
-          <a:chExt cx="0" cy="0"/>
-        </a:xfrm>
-      </p:grpSpPr>
-      <p:sp>
-        <p:nvSpPr>
-          <p:cNvPr id="2" name="Title 1"/>
-          <p:cNvSpPr>
-            <a:spLocks noGrp="1"/>
-          </p:cNvSpPr>
-          <p:nvPr>
-            <p:ph type="title"/>
-          </p:nvPr>
-        </p:nvSpPr>
-        <p:spPr/>
-        <p:txBody>
-          <a:bodyPr/>
-          <a:lstStyle/>
-          <a:p>
-            <a:r>
-              <a:rPr lang="en-US" dirty="0" smtClean="0"/>
-              <a:t>More in Next Lecture</a:t>
-            </a:r>
-            <a:endParaRPr lang="en-US" dirty="0"/>
-          </a:p>
-        </p:txBody>
-      </p:sp>
-      <p:sp>
-        <p:nvSpPr>
-          <p:cNvPr id="3" name="Content Placeholder 2"/>
-          <p:cNvSpPr>
-            <a:spLocks noGrp="1"/>
-          </p:cNvSpPr>
-          <p:nvPr>
-            <p:ph idx="1"/>
-          </p:nvPr>
-        </p:nvSpPr>
-        <p:spPr/>
-        <p:txBody>
-          <a:bodyPr/>
-          <a:lstStyle/>
-          <a:p>
-            <a:r>
-              <a:rPr lang="en-US" dirty="0" smtClean="0"/>
-              <a:t>To </a:t>
-            </a:r>
-            <a:r>
-              <a:rPr lang="en-US" smtClean="0"/>
-              <a:t>be continued…</a:t>
-            </a:r>
-            <a:endParaRPr lang="en-US"/>
-          </a:p>
-        </p:txBody>
-      </p:sp>
-    </p:spTree>
-    <p:extLst>
-      <p:ext uri="{BB962C8B-B14F-4D97-AF65-F5344CB8AC3E}">
-        <p14:creationId xmlns:p14="http://schemas.microsoft.com/office/powerpoint/2010/main" val="1799902966"/>
-      </p:ext>
-    </p:extLst>
-  </p:cSld>
-  <p:clrMapOvr>
-    <a:masterClrMapping/>
-  </p:clrMapOvr>
-</p:sld>
-</file>
-
-<file path=ppt/slides/slide3.xml><?xml version="1.0" encoding="utf-8"?>
-<p:sld xmlns:a="http://schemas.openxmlformats.org/drawingml/2006/main" xmlns:r="http://schemas.openxmlformats.org/officeDocument/2006/relationships" xmlns:p="http://schemas.openxmlformats.org/presentationml/2006/main">
-  <p:cSld>
-    <p:spTree>
-      <p:nvGrpSpPr>
-        <p:cNvPr id="1" name=""/>
-        <p:cNvGrpSpPr/>
-        <p:nvPr/>
-      </p:nvGrpSpPr>
-      <p:grpSpPr>
-        <a:xfrm>
-          <a:off x="0" y="0"/>
-          <a:ext cx="0" cy="0"/>
-          <a:chOff x="0" y="0"/>
-          <a:chExt cx="0" cy="0"/>
-        </a:xfrm>
-      </p:grpSpPr>
-      <p:sp>
-        <p:nvSpPr>
-          <p:cNvPr id="2" name="Title 1"/>
-          <p:cNvSpPr>
-            <a:spLocks noGrp="1"/>
-          </p:cNvSpPr>
-          <p:nvPr>
-            <p:ph type="title"/>
-          </p:nvPr>
-        </p:nvSpPr>
-        <p:spPr/>
-        <p:txBody>
-          <a:bodyPr/>
-          <a:lstStyle/>
-          <a:p>
-            <a:r>
-              <a:rPr lang="en-US" dirty="0" smtClean="0"/>
-              <a:t>What was I up to?</a:t>
-            </a:r>
-            <a:endParaRPr lang="en-US" dirty="0"/>
-          </a:p>
-        </p:txBody>
-      </p:sp>
-      <p:sp>
-        <p:nvSpPr>
-          <p:cNvPr id="3" name="Content Placeholder 2"/>
-          <p:cNvSpPr>
-            <a:spLocks noGrp="1"/>
-          </p:cNvSpPr>
-          <p:nvPr>
-            <p:ph idx="1"/>
-          </p:nvPr>
-        </p:nvSpPr>
-        <p:spPr/>
-        <p:txBody>
-          <a:bodyPr/>
-          <a:lstStyle/>
-          <a:p>
-            <a:r>
-              <a:rPr lang="en-US" dirty="0" smtClean="0"/>
-              <a:t>Taking a break from work</a:t>
-            </a:r>
-          </a:p>
-          <a:p>
-            <a:r>
-              <a:rPr lang="en-US" dirty="0" smtClean="0"/>
-              <a:t>Spending time with my kid</a:t>
-            </a:r>
-          </a:p>
-          <a:p>
-            <a:r>
-              <a:rPr lang="en-US" dirty="0" smtClean="0"/>
-              <a:t>Started some data science courses to learn R</a:t>
-            </a:r>
-          </a:p>
-          <a:p>
-            <a:r>
-              <a:rPr lang="en-US" dirty="0" smtClean="0"/>
-              <a:t>Put that on hold to work on my game</a:t>
-            </a:r>
-          </a:p>
-          <a:p>
-            <a:r>
-              <a:rPr lang="en-US" dirty="0" smtClean="0"/>
-              <a:t>Swatted flies</a:t>
-            </a:r>
-            <a:endParaRPr lang="en-US" dirty="0"/>
-          </a:p>
-        </p:txBody>
-      </p:sp>
-    </p:spTree>
-    <p:extLst>
-      <p:ext uri="{BB962C8B-B14F-4D97-AF65-F5344CB8AC3E}">
-        <p14:creationId xmlns:p14="http://schemas.microsoft.com/office/powerpoint/2010/main" val="3531479313"/>
-      </p:ext>
-    </p:extLst>
-  </p:cSld>
-  <p:clrMapOvr>
-    <a:masterClrMapping/>
-  </p:clrMapOvr>
-</p:sld>
-</file>
-
-<file path=ppt/slides/slide4.xml><?xml version="1.0" encoding="utf-8"?>
-<p:sld xmlns:a="http://schemas.openxmlformats.org/drawingml/2006/main" xmlns:r="http://schemas.openxmlformats.org/officeDocument/2006/relationships" xmlns:p="http://schemas.openxmlformats.org/presentationml/2006/main">
-  <p:cSld>
-    <p:spTree>
-      <p:nvGrpSpPr>
-        <p:cNvPr id="1" name=""/>
-        <p:cNvGrpSpPr/>
-        <p:nvPr/>
-      </p:nvGrpSpPr>
-      <p:grpSpPr>
-        <a:xfrm>
-          <a:off x="0" y="0"/>
-          <a:ext cx="0" cy="0"/>
-          <a:chOff x="0" y="0"/>
-          <a:chExt cx="0" cy="0"/>
-        </a:xfrm>
-      </p:grpSpPr>
-      <p:sp>
-        <p:nvSpPr>
-          <p:cNvPr id="2" name="Title 1"/>
-          <p:cNvSpPr>
-            <a:spLocks noGrp="1"/>
-          </p:cNvSpPr>
-          <p:nvPr>
-            <p:ph type="title"/>
-          </p:nvPr>
-        </p:nvSpPr>
-        <p:spPr/>
-        <p:txBody>
-          <a:bodyPr/>
-          <a:lstStyle/>
-          <a:p>
-            <a:r>
-              <a:rPr lang="en-US" dirty="0" smtClean="0"/>
-              <a:t>Swat hero</a:t>
-            </a:r>
-            <a:endParaRPr lang="en-US" dirty="0"/>
-          </a:p>
-        </p:txBody>
-      </p:sp>
-      <p:pic>
-        <p:nvPicPr>
-          <p:cNvPr id="4" name="progress">
-            <a:hlinkClick r:id="" action="ppaction://media"/>
-          </p:cNvPr>
-          <p:cNvPicPr>
-            <a:picLocks noGrp="1" noChangeAspect="1"/>
-          </p:cNvPicPr>
-          <p:nvPr>
-            <p:ph idx="1"/>
-            <a:videoFile r:link="rId2"/>
-            <p:extLst>
-              <p:ext uri="{DAA4B4D4-6D71-4841-9C94-3DE7FCFB9230}">
-                <p14:media xmlns:p14="http://schemas.microsoft.com/office/powerpoint/2010/main" r:embed="rId1"/>
-              </p:ext>
-            </p:extLst>
-          </p:nvPr>
-        </p:nvPicPr>
-        <p:blipFill>
-          <a:blip r:embed="rId4"/>
-          <a:stretch>
-            <a:fillRect/>
-          </a:stretch>
-        </p:blipFill>
-        <p:spPr>
-          <a:xfrm>
-            <a:off x="2177592" y="2118411"/>
-            <a:ext cx="8280553" cy="4657685"/>
-          </a:xfrm>
-        </p:spPr>
-      </p:pic>
-    </p:spTree>
-    <p:extLst>
-      <p:ext uri="{BB962C8B-B14F-4D97-AF65-F5344CB8AC3E}">
-        <p14:creationId xmlns:p14="http://schemas.microsoft.com/office/powerpoint/2010/main" val="2274516755"/>
-      </p:ext>
-    </p:extLst>
-  </p:cSld>
-  <p:clrMapOvr>
-    <a:masterClrMapping/>
-  </p:clrMapOvr>
-  <p:timing>
-    <p:tnLst>
-      <p:par>
-        <p:cTn id="1" dur="indefinite" restart="never" nodeType="tmRoot">
-          <p:childTnLst>
-            <p:seq concurrent="1" nextAc="seek">
-              <p:cTn id="2" restart="whenNotActive" fill="hold" evtFilter="cancelBubble" nodeType="interactiveSeq">
-                <p:stCondLst>
-                  <p:cond evt="onClick" delay="0">
-                    <p:tgtEl>
-                      <p:spTgt spid="4"/>
-                    </p:tgtEl>
-                  </p:cond>
-                </p:stCondLst>
-                <p:endSync evt="end" delay="0">
-                  <p:rtn val="all"/>
-                </p:endSync>
-                <p:childTnLst>
-                  <p:par>
-                    <p:cTn id="3" fill="hold">
-                      <p:stCondLst>
-                        <p:cond delay="0"/>
-                      </p:stCondLst>
-                      <p:childTnLst>
-                        <p:par>
-                          <p:cTn id="4" fill="hold">
-                            <p:stCondLst>
-                              <p:cond delay="0"/>
-                            </p:stCondLst>
-                            <p:childTnLst>
-                              <p:par>
-                                <p:cTn id="5" presetID="2" presetClass="mediacall" presetSubtype="0" fill="hold" nodeType="clickEffect">
-                                  <p:stCondLst>
-                                    <p:cond delay="0"/>
-                                  </p:stCondLst>
-                                  <p:childTnLst>
-                                    <p:cmd type="call" cmd="togglePause">
-                                      <p:cBhvr>
-                                        <p:cTn id="6" dur="1" fill="hold"/>
-                                        <p:tgtEl>
-                                          <p:spTgt spid="4"/>
-                                        </p:tgtEl>
-                                      </p:cBhvr>
-                                    </p:cmd>
-                                  </p:childTnLst>
-                                </p:cTn>
-                              </p:par>
-                            </p:childTnLst>
-                          </p:cTn>
-                        </p:par>
-                      </p:childTnLst>
-                    </p:cTn>
-                  </p:par>
-                </p:childTnLst>
-              </p:cTn>
-              <p:nextCondLst>
-                <p:cond evt="onClick" delay="0">
-                  <p:tgtEl>
-                    <p:spTgt spid="4"/>
-                  </p:tgtEl>
-                </p:cond>
-              </p:nextCondLst>
-            </p:seq>
-            <p:video>
-              <p:cMediaNode vol="80000">
-                <p:cTn id="7" fill="hold" display="0">
-                  <p:stCondLst>
-                    <p:cond delay="indefinite"/>
-                  </p:stCondLst>
-                </p:cTn>
-                <p:tgtEl>
-                  <p:spTgt spid="4"/>
-                </p:tgtEl>
-              </p:cMediaNode>
-            </p:video>
-          </p:childTnLst>
-        </p:cTn>
-      </p:par>
-    </p:tnLst>
-  </p:timing>
-</p:sld>
-</file>
-
-<file path=ppt/slides/slide5.xml><?xml version="1.0" encoding="utf-8"?>
-<p:sld xmlns:a="http://schemas.openxmlformats.org/drawingml/2006/main" xmlns:r="http://schemas.openxmlformats.org/officeDocument/2006/relationships" xmlns:p="http://schemas.openxmlformats.org/presentationml/2006/main">
-  <p:cSld>
-    <p:spTree>
-      <p:nvGrpSpPr>
-        <p:cNvPr id="1" name=""/>
-        <p:cNvGrpSpPr/>
-        <p:nvPr/>
-      </p:nvGrpSpPr>
-      <p:grpSpPr>
-        <a:xfrm>
-          <a:off x="0" y="0"/>
-          <a:ext cx="0" cy="0"/>
-          <a:chOff x="0" y="0"/>
-          <a:chExt cx="0" cy="0"/>
-        </a:xfrm>
-      </p:grpSpPr>
-      <p:sp>
-        <p:nvSpPr>
-          <p:cNvPr id="2" name="Title 1"/>
-          <p:cNvSpPr>
-            <a:spLocks noGrp="1"/>
-          </p:cNvSpPr>
-          <p:nvPr>
-            <p:ph type="title"/>
-          </p:nvPr>
-        </p:nvSpPr>
-        <p:spPr/>
-        <p:txBody>
-          <a:bodyPr/>
-          <a:lstStyle/>
-          <a:p>
-            <a:r>
-              <a:rPr lang="en-US" dirty="0" smtClean="0"/>
-              <a:t>Features on Trello</a:t>
-            </a:r>
-            <a:endParaRPr lang="en-US" dirty="0"/>
-          </a:p>
-        </p:txBody>
-      </p:sp>
-      <p:pic>
-        <p:nvPicPr>
-          <p:cNvPr id="4" name="Content Placeholder 3"/>
-          <p:cNvPicPr>
-            <a:picLocks noGrp="1" noChangeAspect="1"/>
-          </p:cNvPicPr>
-          <p:nvPr>
-            <p:ph idx="1"/>
-          </p:nvPr>
-        </p:nvPicPr>
-        <p:blipFill>
-          <a:blip r:embed="rId2">
-            <a:extLst>
-              <a:ext uri="{28A0092B-C50C-407E-A947-70E740481C1C}">
-                <a14:useLocalDpi xmlns:a14="http://schemas.microsoft.com/office/drawing/2010/main" val="0"/>
-              </a:ext>
-            </a:extLst>
-          </a:blip>
-          <a:stretch>
-            <a:fillRect/>
-          </a:stretch>
-        </p:blipFill>
-        <p:spPr>
-          <a:xfrm>
-            <a:off x="37707" y="1678643"/>
-            <a:ext cx="12149840" cy="4759864"/>
-          </a:xfrm>
-        </p:spPr>
-      </p:pic>
-    </p:spTree>
-    <p:extLst>
-      <p:ext uri="{BB962C8B-B14F-4D97-AF65-F5344CB8AC3E}">
-        <p14:creationId xmlns:p14="http://schemas.microsoft.com/office/powerpoint/2010/main" val="4136078984"/>
-      </p:ext>
-    </p:extLst>
-  </p:cSld>
-  <p:clrMapOvr>
-    <a:masterClrMapping/>
-  </p:clrMapOvr>
-</p:sld>
-</file>
-
 <file path=ppt/slides/slide6.xml><?xml version="1.0" encoding="utf-8"?>
 <p:sld xmlns:a="http://schemas.openxmlformats.org/drawingml/2006/main" xmlns:r="http://schemas.openxmlformats.org/officeDocument/2006/relationships" xmlns:p="http://schemas.openxmlformats.org/presentationml/2006/main">
   <p:cSld>
@@ -8004,97 +9580,51 @@
           <a:lstStyle/>
           <a:p>
             <a:r>
-              <a:rPr lang="en-US" dirty="0" err="1" smtClean="0"/>
-              <a:t>Git</a:t>
-            </a:r>
-            <a:r>
-              <a:rPr lang="en-US" dirty="0" smtClean="0"/>
-              <a:t> hub usage!</a:t>
-            </a:r>
-            <a:endParaRPr lang="en-US" dirty="0"/>
-          </a:p>
-        </p:txBody>
-      </p:sp>
-      <p:pic>
-        <p:nvPicPr>
-          <p:cNvPr id="4" name="Content Placeholder 3"/>
-          <p:cNvPicPr>
-            <a:picLocks noGrp="1" noChangeAspect="1"/>
-          </p:cNvPicPr>
+              <a:rPr lang="en-US" dirty="0"/>
+              <a:t>But Why?</a:t>
+            </a:r>
+          </a:p>
+        </p:txBody>
+      </p:sp>
+      <p:sp>
+        <p:nvSpPr>
+          <p:cNvPr id="3" name="Content Placeholder 2"/>
+          <p:cNvSpPr>
+            <a:spLocks noGrp="1"/>
+          </p:cNvSpPr>
           <p:nvPr>
             <p:ph idx="1"/>
           </p:nvPr>
-        </p:nvPicPr>
-        <p:blipFill>
-          <a:blip r:embed="rId2">
-            <a:extLst>
-              <a:ext uri="{28A0092B-C50C-407E-A947-70E740481C1C}">
-                <a14:useLocalDpi xmlns:a14="http://schemas.microsoft.com/office/drawing/2010/main" val="0"/>
-              </a:ext>
-            </a:extLst>
-          </a:blip>
-          <a:stretch>
-            <a:fillRect/>
-          </a:stretch>
-        </p:blipFill>
-        <p:spPr>
-          <a:xfrm>
-            <a:off x="4541032" y="1920842"/>
-            <a:ext cx="7440435" cy="4675981"/>
-          </a:xfrm>
-        </p:spPr>
-      </p:pic>
-      <p:sp>
-        <p:nvSpPr>
-          <p:cNvPr id="5" name="TextBox 4"/>
-          <p:cNvSpPr txBox="1"/>
-          <p:nvPr/>
-        </p:nvSpPr>
-        <p:spPr>
-          <a:xfrm>
-            <a:off x="386499" y="2564091"/>
-            <a:ext cx="3134191" cy="1200329"/>
-          </a:xfrm>
-          <a:prstGeom prst="rect">
-            <a:avLst/>
-          </a:prstGeom>
-          <a:noFill/>
-        </p:spPr>
-        <p:txBody>
-          <a:bodyPr wrap="none" rtlCol="0">
-            <a:spAutoFit/>
-          </a:bodyPr>
-          <a:lstStyle/>
-          <a:p>
-            <a:r>
-              <a:rPr lang="en-US" dirty="0" smtClean="0"/>
-              <a:t>Ashamed of not using</a:t>
-            </a:r>
-          </a:p>
-          <a:p>
-            <a:r>
-              <a:rPr lang="en-US" dirty="0" smtClean="0"/>
-              <a:t>Command line </a:t>
-            </a:r>
-            <a:r>
-              <a:rPr lang="en-US" dirty="0" smtClean="0">
-                <a:sym typeface="Wingdings" panose="05000000000000000000" pitchFamily="2" charset="2"/>
-              </a:rPr>
-              <a:t></a:t>
-            </a:r>
-          </a:p>
-          <a:p>
-            <a:endParaRPr lang="en-US" dirty="0">
-              <a:sym typeface="Wingdings" panose="05000000000000000000" pitchFamily="2" charset="2"/>
-            </a:endParaRPr>
-          </a:p>
-          <a:p>
-            <a:r>
-              <a:rPr lang="en-US" dirty="0" smtClean="0">
-                <a:sym typeface="Wingdings" panose="05000000000000000000" pitchFamily="2" charset="2"/>
-              </a:rPr>
-              <a:t>I have my reasons though!</a:t>
-            </a:r>
+        </p:nvSpPr>
+        <p:spPr/>
+        <p:txBody>
+          <a:bodyPr/>
+          <a:lstStyle/>
+          <a:p>
+            <a:r>
+              <a:rPr lang="en-US" dirty="0"/>
+              <a:t>You must find pertinent objects, </a:t>
+            </a:r>
+          </a:p>
+          <a:p>
+            <a:r>
+              <a:rPr lang="en-US" dirty="0"/>
+              <a:t>factor them into classes at the right granularity, </a:t>
+            </a:r>
+          </a:p>
+          <a:p>
+            <a:r>
+              <a:rPr lang="en-US" dirty="0"/>
+              <a:t>define class interfaces and inheritance hierarchies, </a:t>
+            </a:r>
+          </a:p>
+          <a:p>
+            <a:r>
+              <a:rPr lang="en-US" dirty="0"/>
+              <a:t>and establish key relationships among them. </a:t>
+            </a:r>
+          </a:p>
+          <a:p>
             <a:endParaRPr lang="en-US" dirty="0"/>
           </a:p>
         </p:txBody>
@@ -8102,7 +9632,7 @@
     </p:spTree>
     <p:extLst>
       <p:ext uri="{BB962C8B-B14F-4D97-AF65-F5344CB8AC3E}">
-        <p14:creationId xmlns:p14="http://schemas.microsoft.com/office/powerpoint/2010/main" val="3823038449"/>
+        <p14:creationId xmlns:p14="http://schemas.microsoft.com/office/powerpoint/2010/main" val="3706059456"/>
       </p:ext>
     </p:extLst>
   </p:cSld>
@@ -8145,10 +9675,9 @@
           <a:lstStyle/>
           <a:p>
             <a:r>
-              <a:rPr lang="en-US" dirty="0" smtClean="0"/>
-              <a:t>What Iteration of Game?</a:t>
-            </a:r>
-            <a:endParaRPr lang="en-US" dirty="0"/>
+              <a:rPr lang="en-US" dirty="0"/>
+              <a:t>What a good design should be</a:t>
+            </a:r>
           </a:p>
         </p:txBody>
       </p:sp>
@@ -8168,47 +9697,40 @@
           <a:lstStyle/>
           <a:p>
             <a:r>
-              <a:rPr lang="en-US" dirty="0" smtClean="0"/>
-              <a:t>Third iteration of the game</a:t>
-            </a:r>
-          </a:p>
-          <a:p>
-            <a:r>
-              <a:rPr lang="en-US" dirty="0" smtClean="0"/>
-              <a:t>Reusing old code</a:t>
-            </a:r>
-          </a:p>
-          <a:p>
-            <a:r>
-              <a:rPr lang="en-US" dirty="0" smtClean="0"/>
-              <a:t>Fixing design issues</a:t>
-            </a:r>
-          </a:p>
-          <a:p>
-            <a:r>
-              <a:rPr lang="en-US" dirty="0" smtClean="0"/>
-              <a:t>Using proper OOP techniques</a:t>
-            </a:r>
-          </a:p>
-          <a:p>
-            <a:r>
-              <a:rPr lang="en-US" dirty="0" smtClean="0"/>
-              <a:t>Simplifying the game mechanics</a:t>
-            </a:r>
-          </a:p>
-          <a:p>
-            <a:r>
-              <a:rPr lang="en-US" dirty="0" smtClean="0"/>
-              <a:t>Got a few OFF THE SHELF components</a:t>
-            </a:r>
-            <a:endParaRPr lang="en-US" dirty="0"/>
+              <a:rPr lang="en-US" dirty="0"/>
+              <a:t>Your design should be specific to the problem at hand but also general enough to address future problems and requirements. </a:t>
+            </a:r>
+          </a:p>
+          <a:p>
+            <a:r>
+              <a:rPr lang="en-US" dirty="0"/>
+              <a:t>You also want to avoid redesign, or at least minimize it. </a:t>
+            </a:r>
+          </a:p>
+          <a:p>
+            <a:r>
+              <a:rPr lang="en-US" dirty="0"/>
+              <a:t>Experienced object-oriented designers will tell you that a reusable and flexible design is difficult if not impossible to get "right" the first time. </a:t>
+            </a:r>
+          </a:p>
+          <a:p>
+            <a:r>
+              <a:rPr lang="en-US" dirty="0"/>
+              <a:t>Before a design is finished, they usually try to reuse it several times, modifying it each time.</a:t>
+            </a:r>
+          </a:p>
+          <a:p>
+            <a:r>
+              <a:rPr lang="en-US" dirty="0"/>
+              <a:t>It takes a long time for novices to learn what good object-oriented design is all about. As long as you keep trying, you will be OK!</a:t>
+            </a:r>
           </a:p>
         </p:txBody>
       </p:sp>
     </p:spTree>
     <p:extLst>
       <p:ext uri="{BB962C8B-B14F-4D97-AF65-F5344CB8AC3E}">
-        <p14:creationId xmlns:p14="http://schemas.microsoft.com/office/powerpoint/2010/main" val="3002671164"/>
+        <p14:creationId xmlns:p14="http://schemas.microsoft.com/office/powerpoint/2010/main" val="3205303773"/>
       </p:ext>
     </p:extLst>
   </p:cSld>
@@ -8251,10 +9773,9 @@
           <a:lstStyle/>
           <a:p>
             <a:r>
-              <a:rPr lang="en-US" dirty="0" smtClean="0"/>
-              <a:t>Problems faced</a:t>
-            </a:r>
-            <a:endParaRPr lang="en-US" dirty="0"/>
+              <a:rPr lang="en-US" dirty="0"/>
+              <a:t>Why use design patterns?</a:t>
+            </a:r>
           </a:p>
         </p:txBody>
       </p:sp>
@@ -8274,41 +9795,28 @@
           <a:lstStyle/>
           <a:p>
             <a:r>
-              <a:rPr lang="en-US" dirty="0" smtClean="0"/>
-              <a:t>Took some time to really understand how unity worked</a:t>
-            </a:r>
-          </a:p>
-          <a:p>
-            <a:r>
-              <a:rPr lang="en-US" dirty="0" smtClean="0"/>
-              <a:t>Initial game concept was hard to code and was not fun enough</a:t>
-            </a:r>
-          </a:p>
-          <a:p>
-            <a:r>
-              <a:rPr lang="en-US" dirty="0" smtClean="0"/>
-              <a:t>Got distracted and started working on a sub-project</a:t>
-            </a:r>
-          </a:p>
-          <a:p>
-            <a:r>
-              <a:rPr lang="en-US" dirty="0" smtClean="0"/>
-              <a:t>Very limited time per day, 2-3 hours max (I take some time to get into my zone of coding)</a:t>
-            </a:r>
-          </a:p>
-          <a:p>
-            <a:r>
-              <a:rPr lang="en-US" dirty="0" smtClean="0"/>
-              <a:t>Did not do a proper design (mainly because in Unity things are a bit different)</a:t>
-            </a:r>
-            <a:endParaRPr lang="en-US" dirty="0"/>
+              <a:rPr lang="en-US" dirty="0"/>
+              <a:t>These solutions have existed for a relatively long time and many experts have used them.</a:t>
+            </a:r>
+          </a:p>
+          <a:p>
+            <a:r>
+              <a:rPr lang="en-US" dirty="0"/>
+              <a:t>They are likely better than any solution you could come up with on your own. </a:t>
+            </a:r>
+          </a:p>
+          <a:p>
+            <a:r>
+              <a:rPr lang="en-US" dirty="0"/>
+              <a:t>Knowledge of contextually pertinent design patterns helps you to make good architecture and design decisions.</a:t>
+            </a:r>
           </a:p>
         </p:txBody>
       </p:sp>
     </p:spTree>
     <p:extLst>
       <p:ext uri="{BB962C8B-B14F-4D97-AF65-F5344CB8AC3E}">
-        <p14:creationId xmlns:p14="http://schemas.microsoft.com/office/powerpoint/2010/main" val="1190895243"/>
+        <p14:creationId xmlns:p14="http://schemas.microsoft.com/office/powerpoint/2010/main" val="874099682"/>
       </p:ext>
     </p:extLst>
   </p:cSld>
@@ -8351,10 +9859,9 @@
           <a:lstStyle/>
           <a:p>
             <a:r>
-              <a:rPr lang="en-US" dirty="0" smtClean="0"/>
-              <a:t>How can it be improved further?</a:t>
-            </a:r>
-            <a:endParaRPr lang="en-US" dirty="0"/>
+              <a:rPr lang="en-US" dirty="0"/>
+              <a:t>A Design Pattern</a:t>
+            </a:r>
           </a:p>
         </p:txBody>
       </p:sp>
@@ -8370,25 +9877,67 @@
         </p:nvSpPr>
         <p:spPr/>
         <p:txBody>
-          <a:bodyPr/>
-          <a:lstStyle/>
-          <a:p>
-            <a:r>
-              <a:rPr lang="en-US" dirty="0" smtClean="0"/>
-              <a:t>Get the game skeleton up and running with all the major components in place</a:t>
-            </a:r>
-          </a:p>
-          <a:p>
-            <a:r>
-              <a:rPr lang="en-US" dirty="0" smtClean="0"/>
-              <a:t>Use design patterns wherever possible. I am already using Factory, but can benefit from singleton</a:t>
-            </a:r>
-          </a:p>
-          <a:p>
-            <a:r>
-              <a:rPr lang="en-US" dirty="0" smtClean="0"/>
-              <a:t>Stay focused. The only person keeping me on track is myself!</a:t>
-            </a:r>
+          <a:bodyPr>
+            <a:normAutofit fontScale="92500" lnSpcReduction="20000"/>
+          </a:bodyPr>
+          <a:lstStyle/>
+          <a:p>
+            <a:pPr marL="0" indent="0">
+              <a:buNone/>
+            </a:pPr>
+            <a:r>
+              <a:rPr lang="en-US" dirty="0"/>
+              <a:t>In general, a pattern has four essential elements:</a:t>
+            </a:r>
+          </a:p>
+          <a:p>
+            <a:r>
+              <a:rPr lang="en-US" b="1" dirty="0"/>
+              <a:t>The pattern name </a:t>
+            </a:r>
+            <a:r>
+              <a:rPr lang="en-US" dirty="0"/>
+              <a:t>is a handle we can use to describe a design problem, its solutions, and consequences in a word or two. </a:t>
+            </a:r>
+          </a:p>
+          <a:p>
+            <a:r>
+              <a:rPr lang="en-US" b="1" dirty="0"/>
+              <a:t>The problem </a:t>
+            </a:r>
+            <a:r>
+              <a:rPr lang="en-US" dirty="0"/>
+              <a:t>describes when to apply the pattern. It explains the problem and its context. </a:t>
+            </a:r>
+          </a:p>
+          <a:p>
+            <a:r>
+              <a:rPr lang="en-US" b="1" dirty="0"/>
+              <a:t>The solution </a:t>
+            </a:r>
+            <a:r>
+              <a:rPr lang="en-US" dirty="0"/>
+              <a:t>describes the elements that make up the design, their relationships, responsibilities, and collaborations. The solution doesn't describe a particular concrete design or implementation, because a pattern is like a template that can be applied in many different situations.</a:t>
+            </a:r>
+          </a:p>
+          <a:p>
+            <a:r>
+              <a:rPr lang="en-US" b="1" dirty="0"/>
+              <a:t>The consequences </a:t>
+            </a:r>
+            <a:r>
+              <a:rPr lang="en-US" dirty="0"/>
+              <a:t>are the results and trade-offs of applying the pattern. They are critical for evaluating design alternatives and for understanding the costs and benefits of applying the pattern </a:t>
+            </a:r>
+            <a:br>
+              <a:rPr lang="en-US" dirty="0"/>
+            </a:br>
+            <a:br>
+              <a:rPr lang="en-US" dirty="0"/>
+            </a:br>
+            <a:br>
+              <a:rPr lang="en-US" dirty="0"/>
+            </a:br>
             <a:endParaRPr lang="en-US" dirty="0"/>
           </a:p>
         </p:txBody>
@@ -8396,7 +9945,7 @@
     </p:spTree>
     <p:extLst>
       <p:ext uri="{BB962C8B-B14F-4D97-AF65-F5344CB8AC3E}">
-        <p14:creationId xmlns:p14="http://schemas.microsoft.com/office/powerpoint/2010/main" val="4046636427"/>
+        <p14:creationId xmlns:p14="http://schemas.microsoft.com/office/powerpoint/2010/main" val="717085622"/>
       </p:ext>
     </p:extLst>
   </p:cSld>
